--- a/Results/BRAF_therapy_Leonie.pptx
+++ b/Results/BRAF_therapy_Leonie.pptx
@@ -6,6 +6,7 @@
   </p:sldMasterIdLst>
   <p:sldIdLst>
     <p:sldId id="256" r:id="rId2"/>
+    <p:sldId id="257" r:id="rId3"/>
   </p:sldIdLst>
   <p:sldSz cx="12192000" cy="6858000"/>
   <p:notesSz cx="6858000" cy="9144000"/>
@@ -243,7 +244,7 @@
           <a:p>
             <a:fld id="{BFF39079-B583-4089-A99F-7AE38BC197FF}" type="datetimeFigureOut">
               <a:rPr lang="en-GB" smtClean="0"/>
-              <a:t>11/03/2021</a:t>
+              <a:t>16/03/2021</a:t>
             </a:fld>
             <a:endParaRPr lang="en-GB"/>
           </a:p>
@@ -413,7 +414,7 @@
           <a:p>
             <a:fld id="{BFF39079-B583-4089-A99F-7AE38BC197FF}" type="datetimeFigureOut">
               <a:rPr lang="en-GB" smtClean="0"/>
-              <a:t>11/03/2021</a:t>
+              <a:t>16/03/2021</a:t>
             </a:fld>
             <a:endParaRPr lang="en-GB"/>
           </a:p>
@@ -593,7 +594,7 @@
           <a:p>
             <a:fld id="{BFF39079-B583-4089-A99F-7AE38BC197FF}" type="datetimeFigureOut">
               <a:rPr lang="en-GB" smtClean="0"/>
-              <a:t>11/03/2021</a:t>
+              <a:t>16/03/2021</a:t>
             </a:fld>
             <a:endParaRPr lang="en-GB"/>
           </a:p>
@@ -763,7 +764,7 @@
           <a:p>
             <a:fld id="{BFF39079-B583-4089-A99F-7AE38BC197FF}" type="datetimeFigureOut">
               <a:rPr lang="en-GB" smtClean="0"/>
-              <a:t>11/03/2021</a:t>
+              <a:t>16/03/2021</a:t>
             </a:fld>
             <a:endParaRPr lang="en-GB"/>
           </a:p>
@@ -1009,7 +1010,7 @@
           <a:p>
             <a:fld id="{BFF39079-B583-4089-A99F-7AE38BC197FF}" type="datetimeFigureOut">
               <a:rPr lang="en-GB" smtClean="0"/>
-              <a:t>11/03/2021</a:t>
+              <a:t>16/03/2021</a:t>
             </a:fld>
             <a:endParaRPr lang="en-GB"/>
           </a:p>
@@ -1241,7 +1242,7 @@
           <a:p>
             <a:fld id="{BFF39079-B583-4089-A99F-7AE38BC197FF}" type="datetimeFigureOut">
               <a:rPr lang="en-GB" smtClean="0"/>
-              <a:t>11/03/2021</a:t>
+              <a:t>16/03/2021</a:t>
             </a:fld>
             <a:endParaRPr lang="en-GB"/>
           </a:p>
@@ -1608,7 +1609,7 @@
           <a:p>
             <a:fld id="{BFF39079-B583-4089-A99F-7AE38BC197FF}" type="datetimeFigureOut">
               <a:rPr lang="en-GB" smtClean="0"/>
-              <a:t>11/03/2021</a:t>
+              <a:t>16/03/2021</a:t>
             </a:fld>
             <a:endParaRPr lang="en-GB"/>
           </a:p>
@@ -1726,7 +1727,7 @@
           <a:p>
             <a:fld id="{BFF39079-B583-4089-A99F-7AE38BC197FF}" type="datetimeFigureOut">
               <a:rPr lang="en-GB" smtClean="0"/>
-              <a:t>11/03/2021</a:t>
+              <a:t>16/03/2021</a:t>
             </a:fld>
             <a:endParaRPr lang="en-GB"/>
           </a:p>
@@ -1821,7 +1822,7 @@
           <a:p>
             <a:fld id="{BFF39079-B583-4089-A99F-7AE38BC197FF}" type="datetimeFigureOut">
               <a:rPr lang="en-GB" smtClean="0"/>
-              <a:t>11/03/2021</a:t>
+              <a:t>16/03/2021</a:t>
             </a:fld>
             <a:endParaRPr lang="en-GB"/>
           </a:p>
@@ -2098,7 +2099,7 @@
           <a:p>
             <a:fld id="{BFF39079-B583-4089-A99F-7AE38BC197FF}" type="datetimeFigureOut">
               <a:rPr lang="en-GB" smtClean="0"/>
-              <a:t>11/03/2021</a:t>
+              <a:t>16/03/2021</a:t>
             </a:fld>
             <a:endParaRPr lang="en-GB"/>
           </a:p>
@@ -2351,7 +2352,7 @@
           <a:p>
             <a:fld id="{BFF39079-B583-4089-A99F-7AE38BC197FF}" type="datetimeFigureOut">
               <a:rPr lang="en-GB" smtClean="0"/>
-              <a:t>11/03/2021</a:t>
+              <a:t>16/03/2021</a:t>
             </a:fld>
             <a:endParaRPr lang="en-GB"/>
           </a:p>
@@ -2564,7 +2565,7 @@
           <a:p>
             <a:fld id="{BFF39079-B583-4089-A99F-7AE38BC197FF}" type="datetimeFigureOut">
               <a:rPr lang="en-GB" smtClean="0"/>
-              <a:t>11/03/2021</a:t>
+              <a:t>16/03/2021</a:t>
             </a:fld>
             <a:endParaRPr lang="en-GB"/>
           </a:p>
@@ -3606,6 +3607,66 @@
 </p:sld>
 </file>
 
+<file path=ppt/slides/slide2.xml><?xml version="1.0" encoding="utf-8"?>
+<p:sld xmlns:a="http://schemas.openxmlformats.org/drawingml/2006/main" xmlns:r="http://schemas.openxmlformats.org/officeDocument/2006/relationships" xmlns:p="http://schemas.openxmlformats.org/presentationml/2006/main">
+  <p:cSld>
+    <p:spTree>
+      <p:nvGrpSpPr>
+        <p:cNvPr id="1" name=""/>
+        <p:cNvGrpSpPr/>
+        <p:nvPr/>
+      </p:nvGrpSpPr>
+      <p:grpSpPr>
+        <a:xfrm>
+          <a:off x="0" y="0"/>
+          <a:ext cx="0" cy="0"/>
+          <a:chOff x="0" y="0"/>
+          <a:chExt cx="0" cy="0"/>
+        </a:xfrm>
+      </p:grpSpPr>
+      <p:pic>
+        <p:nvPicPr>
+          <p:cNvPr id="7" name="Grafik 6"/>
+          <p:cNvPicPr>
+            <a:picLocks noChangeAspect="1"/>
+          </p:cNvPicPr>
+          <p:nvPr/>
+        </p:nvPicPr>
+        <p:blipFill>
+          <a:blip r:embed="rId2" cstate="print">
+            <a:extLst>
+              <a:ext uri="{28A0092B-C50C-407E-A947-70E740481C1C}">
+                <a14:useLocalDpi xmlns:a14="http://schemas.microsoft.com/office/drawing/2010/main" val="0"/>
+              </a:ext>
+            </a:extLst>
+          </a:blip>
+          <a:stretch>
+            <a:fillRect/>
+          </a:stretch>
+        </p:blipFill>
+        <p:spPr>
+          <a:xfrm>
+            <a:off x="2383386" y="0"/>
+            <a:ext cx="7715250" cy="6858000"/>
+          </a:xfrm>
+          <a:prstGeom prst="rect">
+            <a:avLst/>
+          </a:prstGeom>
+        </p:spPr>
+      </p:pic>
+    </p:spTree>
+    <p:extLst>
+      <p:ext uri="{BB962C8B-B14F-4D97-AF65-F5344CB8AC3E}">
+        <p14:creationId xmlns:p14="http://schemas.microsoft.com/office/powerpoint/2010/main" val="3892282687"/>
+      </p:ext>
+    </p:extLst>
+  </p:cSld>
+  <p:clrMapOvr>
+    <a:masterClrMapping/>
+  </p:clrMapOvr>
+</p:sld>
+</file>
+
 <file path=ppt/theme/theme1.xml><?xml version="1.0" encoding="utf-8"?>
 <a:theme xmlns:a="http://schemas.openxmlformats.org/drawingml/2006/main" name="Office">
   <a:themeElements>

--- a/Results/BRAF_therapy_Leonie.pptx
+++ b/Results/BRAF_therapy_Leonie.pptx
@@ -4,9 +4,15 @@
   <p:sldMasterIdLst>
     <p:sldMasterId id="2147483648" r:id="rId1"/>
   </p:sldMasterIdLst>
+  <p:notesMasterIdLst>
+    <p:notesMasterId r:id="rId7"/>
+  </p:notesMasterIdLst>
   <p:sldIdLst>
     <p:sldId id="256" r:id="rId2"/>
     <p:sldId id="257" r:id="rId3"/>
+    <p:sldId id="258" r:id="rId4"/>
+    <p:sldId id="261" r:id="rId5"/>
+    <p:sldId id="259" r:id="rId6"/>
   </p:sldIdLst>
   <p:sldSz cx="12192000" cy="6858000"/>
   <p:notesSz cx="6858000" cy="9144000"/>
@@ -113,6 +119,776 @@
 </p:presentation>
 </file>
 
+<file path=ppt/notesMasters/notesMaster1.xml><?xml version="1.0" encoding="utf-8"?>
+<p:notesMaster xmlns:a="http://schemas.openxmlformats.org/drawingml/2006/main" xmlns:r="http://schemas.openxmlformats.org/officeDocument/2006/relationships" xmlns:p="http://schemas.openxmlformats.org/presentationml/2006/main">
+  <p:cSld>
+    <p:bg>
+      <p:bgRef idx="1001">
+        <a:schemeClr val="bg1"/>
+      </p:bgRef>
+    </p:bg>
+    <p:spTree>
+      <p:nvGrpSpPr>
+        <p:cNvPr id="1" name=""/>
+        <p:cNvGrpSpPr/>
+        <p:nvPr/>
+      </p:nvGrpSpPr>
+      <p:grpSpPr>
+        <a:xfrm>
+          <a:off x="0" y="0"/>
+          <a:ext cx="0" cy="0"/>
+          <a:chOff x="0" y="0"/>
+          <a:chExt cx="0" cy="0"/>
+        </a:xfrm>
+      </p:grpSpPr>
+      <p:sp>
+        <p:nvSpPr>
+          <p:cNvPr id="2" name="Kopfzeilenplatzhalter 1"/>
+          <p:cNvSpPr>
+            <a:spLocks noGrp="1"/>
+          </p:cNvSpPr>
+          <p:nvPr>
+            <p:ph type="hdr" sz="quarter"/>
+          </p:nvPr>
+        </p:nvSpPr>
+        <p:spPr>
+          <a:xfrm>
+            <a:off x="0" y="0"/>
+            <a:ext cx="2971800" cy="458788"/>
+          </a:xfrm>
+          <a:prstGeom prst="rect">
+            <a:avLst/>
+          </a:prstGeom>
+        </p:spPr>
+        <p:txBody>
+          <a:bodyPr vert="horz" lIns="91440" tIns="45720" rIns="91440" bIns="45720" rtlCol="0"/>
+          <a:lstStyle>
+            <a:lvl1pPr algn="l">
+              <a:defRPr sz="1200"/>
+            </a:lvl1pPr>
+          </a:lstStyle>
+          <a:p>
+            <a:endParaRPr lang="en-GB"/>
+          </a:p>
+        </p:txBody>
+      </p:sp>
+      <p:sp>
+        <p:nvSpPr>
+          <p:cNvPr id="3" name="Datumsplatzhalter 2"/>
+          <p:cNvSpPr>
+            <a:spLocks noGrp="1"/>
+          </p:cNvSpPr>
+          <p:nvPr>
+            <p:ph type="dt" idx="1"/>
+          </p:nvPr>
+        </p:nvSpPr>
+        <p:spPr>
+          <a:xfrm>
+            <a:off x="3884613" y="0"/>
+            <a:ext cx="2971800" cy="458788"/>
+          </a:xfrm>
+          <a:prstGeom prst="rect">
+            <a:avLst/>
+          </a:prstGeom>
+        </p:spPr>
+        <p:txBody>
+          <a:bodyPr vert="horz" lIns="91440" tIns="45720" rIns="91440" bIns="45720" rtlCol="0"/>
+          <a:lstStyle>
+            <a:lvl1pPr algn="r">
+              <a:defRPr sz="1200"/>
+            </a:lvl1pPr>
+          </a:lstStyle>
+          <a:p>
+            <a:fld id="{8CFC0820-D7F4-4E10-B570-173F25FBA0FC}" type="datetimeFigureOut">
+              <a:rPr lang="en-GB" smtClean="0"/>
+              <a:t>22/03/2021</a:t>
+            </a:fld>
+            <a:endParaRPr lang="en-GB"/>
+          </a:p>
+        </p:txBody>
+      </p:sp>
+      <p:sp>
+        <p:nvSpPr>
+          <p:cNvPr id="4" name="Folienbildplatzhalter 3"/>
+          <p:cNvSpPr>
+            <a:spLocks noGrp="1" noRot="1" noChangeAspect="1"/>
+          </p:cNvSpPr>
+          <p:nvPr>
+            <p:ph type="sldImg" idx="2"/>
+          </p:nvPr>
+        </p:nvSpPr>
+        <p:spPr>
+          <a:xfrm>
+            <a:off x="685800" y="1143000"/>
+            <a:ext cx="5486400" cy="3086100"/>
+          </a:xfrm>
+          <a:prstGeom prst="rect">
+            <a:avLst/>
+          </a:prstGeom>
+          <a:noFill/>
+          <a:ln w="12700">
+            <a:solidFill>
+              <a:prstClr val="black"/>
+            </a:solidFill>
+          </a:ln>
+        </p:spPr>
+        <p:txBody>
+          <a:bodyPr vert="horz" lIns="91440" tIns="45720" rIns="91440" bIns="45720" rtlCol="0" anchor="ctr"/>
+          <a:lstStyle/>
+          <a:p>
+            <a:endParaRPr lang="en-GB"/>
+          </a:p>
+        </p:txBody>
+      </p:sp>
+      <p:sp>
+        <p:nvSpPr>
+          <p:cNvPr id="5" name="Notizenplatzhalter 4"/>
+          <p:cNvSpPr>
+            <a:spLocks noGrp="1"/>
+          </p:cNvSpPr>
+          <p:nvPr>
+            <p:ph type="body" sz="quarter" idx="3"/>
+          </p:nvPr>
+        </p:nvSpPr>
+        <p:spPr>
+          <a:xfrm>
+            <a:off x="685800" y="4400550"/>
+            <a:ext cx="5486400" cy="3600450"/>
+          </a:xfrm>
+          <a:prstGeom prst="rect">
+            <a:avLst/>
+          </a:prstGeom>
+        </p:spPr>
+        <p:txBody>
+          <a:bodyPr vert="horz" lIns="91440" tIns="45720" rIns="91440" bIns="45720" rtlCol="0"/>
+          <a:lstStyle/>
+          <a:p>
+            <a:pPr lvl="0"/>
+            <a:r>
+              <a:rPr lang="de-DE" smtClean="0"/>
+              <a:t>Formatvorlagen des Textmasters bearbeiten</a:t>
+            </a:r>
+          </a:p>
+          <a:p>
+            <a:pPr lvl="1"/>
+            <a:r>
+              <a:rPr lang="de-DE" smtClean="0"/>
+              <a:t>Zweite Ebene</a:t>
+            </a:r>
+          </a:p>
+          <a:p>
+            <a:pPr lvl="2"/>
+            <a:r>
+              <a:rPr lang="de-DE" smtClean="0"/>
+              <a:t>Dritte Ebene</a:t>
+            </a:r>
+          </a:p>
+          <a:p>
+            <a:pPr lvl="3"/>
+            <a:r>
+              <a:rPr lang="de-DE" smtClean="0"/>
+              <a:t>Vierte Ebene</a:t>
+            </a:r>
+          </a:p>
+          <a:p>
+            <a:pPr lvl="4"/>
+            <a:r>
+              <a:rPr lang="de-DE" smtClean="0"/>
+              <a:t>Fünfte Ebene</a:t>
+            </a:r>
+            <a:endParaRPr lang="en-GB"/>
+          </a:p>
+        </p:txBody>
+      </p:sp>
+      <p:sp>
+        <p:nvSpPr>
+          <p:cNvPr id="6" name="Fußzeilenplatzhalter 5"/>
+          <p:cNvSpPr>
+            <a:spLocks noGrp="1"/>
+          </p:cNvSpPr>
+          <p:nvPr>
+            <p:ph type="ftr" sz="quarter" idx="4"/>
+          </p:nvPr>
+        </p:nvSpPr>
+        <p:spPr>
+          <a:xfrm>
+            <a:off x="0" y="8685213"/>
+            <a:ext cx="2971800" cy="458787"/>
+          </a:xfrm>
+          <a:prstGeom prst="rect">
+            <a:avLst/>
+          </a:prstGeom>
+        </p:spPr>
+        <p:txBody>
+          <a:bodyPr vert="horz" lIns="91440" tIns="45720" rIns="91440" bIns="45720" rtlCol="0" anchor="b"/>
+          <a:lstStyle>
+            <a:lvl1pPr algn="l">
+              <a:defRPr sz="1200"/>
+            </a:lvl1pPr>
+          </a:lstStyle>
+          <a:p>
+            <a:endParaRPr lang="en-GB"/>
+          </a:p>
+        </p:txBody>
+      </p:sp>
+      <p:sp>
+        <p:nvSpPr>
+          <p:cNvPr id="7" name="Foliennummernplatzhalter 6"/>
+          <p:cNvSpPr>
+            <a:spLocks noGrp="1"/>
+          </p:cNvSpPr>
+          <p:nvPr>
+            <p:ph type="sldNum" sz="quarter" idx="5"/>
+          </p:nvPr>
+        </p:nvSpPr>
+        <p:spPr>
+          <a:xfrm>
+            <a:off x="3884613" y="8685213"/>
+            <a:ext cx="2971800" cy="458787"/>
+          </a:xfrm>
+          <a:prstGeom prst="rect">
+            <a:avLst/>
+          </a:prstGeom>
+        </p:spPr>
+        <p:txBody>
+          <a:bodyPr vert="horz" lIns="91440" tIns="45720" rIns="91440" bIns="45720" rtlCol="0" anchor="b"/>
+          <a:lstStyle>
+            <a:lvl1pPr algn="r">
+              <a:defRPr sz="1200"/>
+            </a:lvl1pPr>
+          </a:lstStyle>
+          <a:p>
+            <a:fld id="{923E4FCC-E176-4FC4-B8DA-44658CEEFA72}" type="slidenum">
+              <a:rPr lang="en-GB" smtClean="0"/>
+              <a:t>‹Nr.›</a:t>
+            </a:fld>
+            <a:endParaRPr lang="en-GB"/>
+          </a:p>
+        </p:txBody>
+      </p:sp>
+    </p:spTree>
+    <p:extLst>
+      <p:ext uri="{BB962C8B-B14F-4D97-AF65-F5344CB8AC3E}">
+        <p14:creationId xmlns:p14="http://schemas.microsoft.com/office/powerpoint/2010/main" val="2529131706"/>
+      </p:ext>
+    </p:extLst>
+  </p:cSld>
+  <p:clrMap bg1="lt1" tx1="dk1" bg2="lt2" tx2="dk2" accent1="accent1" accent2="accent2" accent3="accent3" accent4="accent4" accent5="accent5" accent6="accent6" hlink="hlink" folHlink="folHlink"/>
+  <p:notesStyle>
+    <a:lvl1pPr marL="0" algn="l" defTabSz="914400" rtl="0" eaLnBrk="1" latinLnBrk="0" hangingPunct="1">
+      <a:defRPr sz="1200" kern="1200">
+        <a:solidFill>
+          <a:schemeClr val="tx1"/>
+        </a:solidFill>
+        <a:latin typeface="+mn-lt"/>
+        <a:ea typeface="+mn-ea"/>
+        <a:cs typeface="+mn-cs"/>
+      </a:defRPr>
+    </a:lvl1pPr>
+    <a:lvl2pPr marL="457200" algn="l" defTabSz="914400" rtl="0" eaLnBrk="1" latinLnBrk="0" hangingPunct="1">
+      <a:defRPr sz="1200" kern="1200">
+        <a:solidFill>
+          <a:schemeClr val="tx1"/>
+        </a:solidFill>
+        <a:latin typeface="+mn-lt"/>
+        <a:ea typeface="+mn-ea"/>
+        <a:cs typeface="+mn-cs"/>
+      </a:defRPr>
+    </a:lvl2pPr>
+    <a:lvl3pPr marL="914400" algn="l" defTabSz="914400" rtl="0" eaLnBrk="1" latinLnBrk="0" hangingPunct="1">
+      <a:defRPr sz="1200" kern="1200">
+        <a:solidFill>
+          <a:schemeClr val="tx1"/>
+        </a:solidFill>
+        <a:latin typeface="+mn-lt"/>
+        <a:ea typeface="+mn-ea"/>
+        <a:cs typeface="+mn-cs"/>
+      </a:defRPr>
+    </a:lvl3pPr>
+    <a:lvl4pPr marL="1371600" algn="l" defTabSz="914400" rtl="0" eaLnBrk="1" latinLnBrk="0" hangingPunct="1">
+      <a:defRPr sz="1200" kern="1200">
+        <a:solidFill>
+          <a:schemeClr val="tx1"/>
+        </a:solidFill>
+        <a:latin typeface="+mn-lt"/>
+        <a:ea typeface="+mn-ea"/>
+        <a:cs typeface="+mn-cs"/>
+      </a:defRPr>
+    </a:lvl4pPr>
+    <a:lvl5pPr marL="1828800" algn="l" defTabSz="914400" rtl="0" eaLnBrk="1" latinLnBrk="0" hangingPunct="1">
+      <a:defRPr sz="1200" kern="1200">
+        <a:solidFill>
+          <a:schemeClr val="tx1"/>
+        </a:solidFill>
+        <a:latin typeface="+mn-lt"/>
+        <a:ea typeface="+mn-ea"/>
+        <a:cs typeface="+mn-cs"/>
+      </a:defRPr>
+    </a:lvl5pPr>
+    <a:lvl6pPr marL="2286000" algn="l" defTabSz="914400" rtl="0" eaLnBrk="1" latinLnBrk="0" hangingPunct="1">
+      <a:defRPr sz="1200" kern="1200">
+        <a:solidFill>
+          <a:schemeClr val="tx1"/>
+        </a:solidFill>
+        <a:latin typeface="+mn-lt"/>
+        <a:ea typeface="+mn-ea"/>
+        <a:cs typeface="+mn-cs"/>
+      </a:defRPr>
+    </a:lvl6pPr>
+    <a:lvl7pPr marL="2743200" algn="l" defTabSz="914400" rtl="0" eaLnBrk="1" latinLnBrk="0" hangingPunct="1">
+      <a:defRPr sz="1200" kern="1200">
+        <a:solidFill>
+          <a:schemeClr val="tx1"/>
+        </a:solidFill>
+        <a:latin typeface="+mn-lt"/>
+        <a:ea typeface="+mn-ea"/>
+        <a:cs typeface="+mn-cs"/>
+      </a:defRPr>
+    </a:lvl7pPr>
+    <a:lvl8pPr marL="3200400" algn="l" defTabSz="914400" rtl="0" eaLnBrk="1" latinLnBrk="0" hangingPunct="1">
+      <a:defRPr sz="1200" kern="1200">
+        <a:solidFill>
+          <a:schemeClr val="tx1"/>
+        </a:solidFill>
+        <a:latin typeface="+mn-lt"/>
+        <a:ea typeface="+mn-ea"/>
+        <a:cs typeface="+mn-cs"/>
+      </a:defRPr>
+    </a:lvl8pPr>
+    <a:lvl9pPr marL="3657600" algn="l" defTabSz="914400" rtl="0" eaLnBrk="1" latinLnBrk="0" hangingPunct="1">
+      <a:defRPr sz="1200" kern="1200">
+        <a:solidFill>
+          <a:schemeClr val="tx1"/>
+        </a:solidFill>
+        <a:latin typeface="+mn-lt"/>
+        <a:ea typeface="+mn-ea"/>
+        <a:cs typeface="+mn-cs"/>
+      </a:defRPr>
+    </a:lvl9pPr>
+  </p:notesStyle>
+</p:notesMaster>
+</file>
+
+<file path=ppt/notesSlides/notesSlide1.xml><?xml version="1.0" encoding="utf-8"?>
+<p:notes xmlns:a="http://schemas.openxmlformats.org/drawingml/2006/main" xmlns:r="http://schemas.openxmlformats.org/officeDocument/2006/relationships" xmlns:p="http://schemas.openxmlformats.org/presentationml/2006/main">
+  <p:cSld>
+    <p:spTree>
+      <p:nvGrpSpPr>
+        <p:cNvPr id="1" name=""/>
+        <p:cNvGrpSpPr/>
+        <p:nvPr/>
+      </p:nvGrpSpPr>
+      <p:grpSpPr>
+        <a:xfrm>
+          <a:off x="0" y="0"/>
+          <a:ext cx="0" cy="0"/>
+          <a:chOff x="0" y="0"/>
+          <a:chExt cx="0" cy="0"/>
+        </a:xfrm>
+      </p:grpSpPr>
+      <p:sp>
+        <p:nvSpPr>
+          <p:cNvPr id="2" name="Folienbildplatzhalter 1"/>
+          <p:cNvSpPr>
+            <a:spLocks noGrp="1" noRot="1" noChangeAspect="1"/>
+          </p:cNvSpPr>
+          <p:nvPr>
+            <p:ph type="sldImg"/>
+          </p:nvPr>
+        </p:nvSpPr>
+        <p:spPr/>
+      </p:sp>
+      <p:sp>
+        <p:nvSpPr>
+          <p:cNvPr id="3" name="Notizenplatzhalter 2"/>
+          <p:cNvSpPr>
+            <a:spLocks noGrp="1"/>
+          </p:cNvSpPr>
+          <p:nvPr>
+            <p:ph type="body" idx="1"/>
+          </p:nvPr>
+        </p:nvSpPr>
+        <p:spPr/>
+        <p:txBody>
+          <a:bodyPr/>
+          <a:lstStyle/>
+          <a:p>
+            <a:r>
+              <a:rPr lang="de-DE" dirty="0" err="1" smtClean="0"/>
+              <a:t>miRNA</a:t>
+            </a:r>
+            <a:r>
+              <a:rPr lang="de-DE" dirty="0" smtClean="0"/>
+              <a:t> mit signifikant unterschiedlicher Expression zwischen BRAF</a:t>
+            </a:r>
+            <a:r>
+              <a:rPr lang="de-DE" baseline="0" dirty="0" smtClean="0"/>
+              <a:t> </a:t>
+            </a:r>
+            <a:r>
+              <a:rPr lang="de-DE" baseline="0" dirty="0" err="1" smtClean="0"/>
+              <a:t>wt</a:t>
+            </a:r>
+            <a:r>
+              <a:rPr lang="de-DE" baseline="0" dirty="0" smtClean="0"/>
+              <a:t> und BRAF </a:t>
+            </a:r>
+            <a:r>
+              <a:rPr lang="de-DE" baseline="0" dirty="0" err="1" smtClean="0"/>
+              <a:t>mut</a:t>
+            </a:r>
+            <a:r>
+              <a:rPr lang="de-DE" baseline="0" dirty="0" smtClean="0"/>
+              <a:t> ohne </a:t>
+            </a:r>
+            <a:r>
+              <a:rPr lang="de-DE" baseline="0" dirty="0" err="1" smtClean="0"/>
+              <a:t>therapy</a:t>
+            </a:r>
+            <a:r>
+              <a:rPr lang="de-DE" baseline="0" dirty="0" smtClean="0"/>
+              <a:t> oder BRAF </a:t>
+            </a:r>
+            <a:r>
+              <a:rPr lang="de-DE" baseline="0" dirty="0" err="1" smtClean="0"/>
+              <a:t>wt</a:t>
+            </a:r>
+            <a:r>
+              <a:rPr lang="de-DE" baseline="0" dirty="0" smtClean="0"/>
+              <a:t> und BRAF </a:t>
+            </a:r>
+            <a:r>
+              <a:rPr lang="de-DE" baseline="0" dirty="0" err="1" smtClean="0"/>
+              <a:t>mut</a:t>
+            </a:r>
+            <a:r>
+              <a:rPr lang="de-DE" baseline="0" dirty="0" smtClean="0"/>
+              <a:t> mit </a:t>
+            </a:r>
+            <a:r>
+              <a:rPr lang="de-DE" baseline="0" dirty="0" err="1" smtClean="0"/>
+              <a:t>therapy</a:t>
+            </a:r>
+            <a:r>
+              <a:rPr lang="de-DE" baseline="0" dirty="0" smtClean="0"/>
+              <a:t> oder BRAF </a:t>
+            </a:r>
+            <a:r>
+              <a:rPr lang="de-DE" baseline="0" dirty="0" err="1" smtClean="0"/>
+              <a:t>mut</a:t>
+            </a:r>
+            <a:r>
+              <a:rPr lang="de-DE" baseline="0" dirty="0" smtClean="0"/>
+              <a:t> ohne </a:t>
+            </a:r>
+            <a:r>
+              <a:rPr lang="de-DE" baseline="0" dirty="0" err="1" smtClean="0"/>
+              <a:t>therapy</a:t>
+            </a:r>
+            <a:r>
+              <a:rPr lang="de-DE" baseline="0" dirty="0" smtClean="0"/>
+              <a:t> und BRAF </a:t>
+            </a:r>
+            <a:r>
+              <a:rPr lang="de-DE" baseline="0" dirty="0" err="1" smtClean="0"/>
+              <a:t>mut</a:t>
+            </a:r>
+            <a:r>
+              <a:rPr lang="de-DE" baseline="0" dirty="0" smtClean="0"/>
+              <a:t> mit </a:t>
+            </a:r>
+            <a:r>
+              <a:rPr lang="de-DE" baseline="0" dirty="0" err="1" smtClean="0"/>
+              <a:t>therapy</a:t>
+            </a:r>
+            <a:endParaRPr lang="en-GB" dirty="0"/>
+          </a:p>
+        </p:txBody>
+      </p:sp>
+      <p:sp>
+        <p:nvSpPr>
+          <p:cNvPr id="4" name="Foliennummernplatzhalter 3"/>
+          <p:cNvSpPr>
+            <a:spLocks noGrp="1"/>
+          </p:cNvSpPr>
+          <p:nvPr>
+            <p:ph type="sldNum" sz="quarter" idx="10"/>
+          </p:nvPr>
+        </p:nvSpPr>
+        <p:spPr/>
+        <p:txBody>
+          <a:bodyPr/>
+          <a:lstStyle/>
+          <a:p>
+            <a:fld id="{923E4FCC-E176-4FC4-B8DA-44658CEEFA72}" type="slidenum">
+              <a:rPr lang="en-GB" smtClean="0"/>
+              <a:t>1</a:t>
+            </a:fld>
+            <a:endParaRPr lang="en-GB"/>
+          </a:p>
+        </p:txBody>
+      </p:sp>
+    </p:spTree>
+    <p:extLst>
+      <p:ext uri="{BB962C8B-B14F-4D97-AF65-F5344CB8AC3E}">
+        <p14:creationId xmlns:p14="http://schemas.microsoft.com/office/powerpoint/2010/main" val="3507963470"/>
+      </p:ext>
+    </p:extLst>
+  </p:cSld>
+  <p:clrMapOvr>
+    <a:masterClrMapping/>
+  </p:clrMapOvr>
+</p:notes>
+</file>
+
+<file path=ppt/notesSlides/notesSlide2.xml><?xml version="1.0" encoding="utf-8"?>
+<p:notes xmlns:a="http://schemas.openxmlformats.org/drawingml/2006/main" xmlns:r="http://schemas.openxmlformats.org/officeDocument/2006/relationships" xmlns:p="http://schemas.openxmlformats.org/presentationml/2006/main">
+  <p:cSld>
+    <p:spTree>
+      <p:nvGrpSpPr>
+        <p:cNvPr id="1" name=""/>
+        <p:cNvGrpSpPr/>
+        <p:nvPr/>
+      </p:nvGrpSpPr>
+      <p:grpSpPr>
+        <a:xfrm>
+          <a:off x="0" y="0"/>
+          <a:ext cx="0" cy="0"/>
+          <a:chOff x="0" y="0"/>
+          <a:chExt cx="0" cy="0"/>
+        </a:xfrm>
+      </p:grpSpPr>
+      <p:sp>
+        <p:nvSpPr>
+          <p:cNvPr id="2" name="Folienbildplatzhalter 1"/>
+          <p:cNvSpPr>
+            <a:spLocks noGrp="1" noRot="1" noChangeAspect="1"/>
+          </p:cNvSpPr>
+          <p:nvPr>
+            <p:ph type="sldImg"/>
+          </p:nvPr>
+        </p:nvSpPr>
+        <p:spPr/>
+      </p:sp>
+      <p:sp>
+        <p:nvSpPr>
+          <p:cNvPr id="3" name="Notizenplatzhalter 2"/>
+          <p:cNvSpPr>
+            <a:spLocks noGrp="1"/>
+          </p:cNvSpPr>
+          <p:nvPr>
+            <p:ph type="body" idx="1"/>
+          </p:nvPr>
+        </p:nvSpPr>
+        <p:spPr/>
+        <p:txBody>
+          <a:bodyPr/>
+          <a:lstStyle/>
+          <a:p>
+            <a:r>
+              <a:rPr lang="de-DE" dirty="0" err="1" smtClean="0"/>
+              <a:t>Heatmap</a:t>
+            </a:r>
+            <a:r>
+              <a:rPr lang="de-DE" dirty="0" smtClean="0"/>
+              <a:t> aller </a:t>
+            </a:r>
+            <a:r>
+              <a:rPr lang="de-DE" dirty="0" err="1" smtClean="0"/>
+              <a:t>miRNAs</a:t>
+            </a:r>
+            <a:r>
+              <a:rPr lang="de-DE" dirty="0" smtClean="0"/>
+              <a:t> zwischen BRAF </a:t>
+            </a:r>
+            <a:r>
+              <a:rPr lang="de-DE" dirty="0" err="1" smtClean="0"/>
+              <a:t>wt</a:t>
+            </a:r>
+            <a:r>
+              <a:rPr lang="de-DE" dirty="0" smtClean="0"/>
+              <a:t> und BRAF mutiert</a:t>
+            </a:r>
+            <a:endParaRPr lang="en-GB" dirty="0"/>
+          </a:p>
+        </p:txBody>
+      </p:sp>
+      <p:sp>
+        <p:nvSpPr>
+          <p:cNvPr id="4" name="Foliennummernplatzhalter 3"/>
+          <p:cNvSpPr>
+            <a:spLocks noGrp="1"/>
+          </p:cNvSpPr>
+          <p:nvPr>
+            <p:ph type="sldNum" sz="quarter" idx="10"/>
+          </p:nvPr>
+        </p:nvSpPr>
+        <p:spPr/>
+        <p:txBody>
+          <a:bodyPr/>
+          <a:lstStyle/>
+          <a:p>
+            <a:fld id="{923E4FCC-E176-4FC4-B8DA-44658CEEFA72}" type="slidenum">
+              <a:rPr lang="en-GB" smtClean="0"/>
+              <a:t>2</a:t>
+            </a:fld>
+            <a:endParaRPr lang="en-GB"/>
+          </a:p>
+        </p:txBody>
+      </p:sp>
+    </p:spTree>
+    <p:extLst>
+      <p:ext uri="{BB962C8B-B14F-4D97-AF65-F5344CB8AC3E}">
+        <p14:creationId xmlns:p14="http://schemas.microsoft.com/office/powerpoint/2010/main" val="3623492763"/>
+      </p:ext>
+    </p:extLst>
+  </p:cSld>
+  <p:clrMapOvr>
+    <a:masterClrMapping/>
+  </p:clrMapOvr>
+</p:notes>
+</file>
+
+<file path=ppt/notesSlides/notesSlide3.xml><?xml version="1.0" encoding="utf-8"?>
+<p:notes xmlns:a="http://schemas.openxmlformats.org/drawingml/2006/main" xmlns:r="http://schemas.openxmlformats.org/officeDocument/2006/relationships" xmlns:p="http://schemas.openxmlformats.org/presentationml/2006/main">
+  <p:cSld>
+    <p:spTree>
+      <p:nvGrpSpPr>
+        <p:cNvPr id="1" name=""/>
+        <p:cNvGrpSpPr/>
+        <p:nvPr/>
+      </p:nvGrpSpPr>
+      <p:grpSpPr>
+        <a:xfrm>
+          <a:off x="0" y="0"/>
+          <a:ext cx="0" cy="0"/>
+          <a:chOff x="0" y="0"/>
+          <a:chExt cx="0" cy="0"/>
+        </a:xfrm>
+      </p:grpSpPr>
+      <p:sp>
+        <p:nvSpPr>
+          <p:cNvPr id="2" name="Folienbildplatzhalter 1"/>
+          <p:cNvSpPr>
+            <a:spLocks noGrp="1" noRot="1" noChangeAspect="1"/>
+          </p:cNvSpPr>
+          <p:nvPr>
+            <p:ph type="sldImg"/>
+          </p:nvPr>
+        </p:nvSpPr>
+        <p:spPr/>
+      </p:sp>
+      <p:sp>
+        <p:nvSpPr>
+          <p:cNvPr id="3" name="Notizenplatzhalter 2"/>
+          <p:cNvSpPr>
+            <a:spLocks noGrp="1"/>
+          </p:cNvSpPr>
+          <p:nvPr>
+            <p:ph type="body" idx="1"/>
+          </p:nvPr>
+        </p:nvSpPr>
+        <p:spPr/>
+        <p:txBody>
+          <a:bodyPr/>
+          <a:lstStyle/>
+          <a:p>
+            <a:pPr marL="0" marR="0" indent="0" algn="l" defTabSz="914400" rtl="0" eaLnBrk="1" fontAlgn="auto" latinLnBrk="0" hangingPunct="1">
+              <a:lnSpc>
+                <a:spcPct val="100000"/>
+              </a:lnSpc>
+              <a:spcBef>
+                <a:spcPts val="0"/>
+              </a:spcBef>
+              <a:spcAft>
+                <a:spcPts val="0"/>
+              </a:spcAft>
+              <a:buClrTx/>
+              <a:buSzTx/>
+              <a:buFontTx/>
+              <a:buNone/>
+              <a:tabLst/>
+              <a:defRPr/>
+            </a:pPr>
+            <a:r>
+              <a:rPr lang="de-DE" dirty="0" err="1" smtClean="0"/>
+              <a:t>Heatmap</a:t>
+            </a:r>
+            <a:r>
+              <a:rPr lang="de-DE" dirty="0" smtClean="0"/>
+              <a:t> aller </a:t>
+            </a:r>
+            <a:r>
+              <a:rPr lang="de-DE" dirty="0" err="1" smtClean="0"/>
+              <a:t>miRNAs</a:t>
+            </a:r>
+            <a:r>
+              <a:rPr lang="de-DE" dirty="0" smtClean="0"/>
+              <a:t> zwischen BRAF </a:t>
+            </a:r>
+            <a:r>
+              <a:rPr lang="de-DE" dirty="0" err="1" smtClean="0"/>
+              <a:t>wt</a:t>
+            </a:r>
+            <a:r>
+              <a:rPr lang="de-DE" dirty="0" smtClean="0"/>
+              <a:t> und BRAF mutiert</a:t>
+            </a:r>
+            <a:endParaRPr lang="en-GB" dirty="0" smtClean="0"/>
+          </a:p>
+          <a:p>
+            <a:r>
+              <a:rPr lang="de-DE" dirty="0" smtClean="0"/>
+              <a:t>Zusätzlich noch Informationen</a:t>
+            </a:r>
+            <a:r>
+              <a:rPr lang="de-DE" baseline="0" dirty="0" smtClean="0"/>
+              <a:t> zu Hirnmetastasen und vorangegangener BRAF </a:t>
+            </a:r>
+            <a:r>
+              <a:rPr lang="de-DE" baseline="0" dirty="0" err="1" smtClean="0"/>
+              <a:t>therapy</a:t>
+            </a:r>
+            <a:endParaRPr lang="en-GB" dirty="0"/>
+          </a:p>
+        </p:txBody>
+      </p:sp>
+      <p:sp>
+        <p:nvSpPr>
+          <p:cNvPr id="4" name="Foliennummernplatzhalter 3"/>
+          <p:cNvSpPr>
+            <a:spLocks noGrp="1"/>
+          </p:cNvSpPr>
+          <p:nvPr>
+            <p:ph type="sldNum" sz="quarter" idx="10"/>
+          </p:nvPr>
+        </p:nvSpPr>
+        <p:spPr/>
+        <p:txBody>
+          <a:bodyPr/>
+          <a:lstStyle/>
+          <a:p>
+            <a:fld id="{923E4FCC-E176-4FC4-B8DA-44658CEEFA72}" type="slidenum">
+              <a:rPr lang="en-GB" smtClean="0"/>
+              <a:t>3</a:t>
+            </a:fld>
+            <a:endParaRPr lang="en-GB"/>
+          </a:p>
+        </p:txBody>
+      </p:sp>
+    </p:spTree>
+    <p:extLst>
+      <p:ext uri="{BB962C8B-B14F-4D97-AF65-F5344CB8AC3E}">
+        <p14:creationId xmlns:p14="http://schemas.microsoft.com/office/powerpoint/2010/main" val="4241067559"/>
+      </p:ext>
+    </p:extLst>
+  </p:cSld>
+  <p:clrMapOvr>
+    <a:masterClrMapping/>
+  </p:clrMapOvr>
+</p:notes>
+</file>
+
 <file path=ppt/slideLayouts/slideLayout1.xml><?xml version="1.0" encoding="utf-8"?>
 <p:sldLayout xmlns:a="http://schemas.openxmlformats.org/drawingml/2006/main" xmlns:r="http://schemas.openxmlformats.org/officeDocument/2006/relationships" xmlns:p="http://schemas.openxmlformats.org/presentationml/2006/main" type="title" preserve="1">
   <p:cSld name="Titelfolie">
@@ -244,7 +1020,7 @@
           <a:p>
             <a:fld id="{BFF39079-B583-4089-A99F-7AE38BC197FF}" type="datetimeFigureOut">
               <a:rPr lang="en-GB" smtClean="0"/>
-              <a:t>16/03/2021</a:t>
+              <a:t>22/03/2021</a:t>
             </a:fld>
             <a:endParaRPr lang="en-GB"/>
           </a:p>
@@ -414,7 +1190,7 @@
           <a:p>
             <a:fld id="{BFF39079-B583-4089-A99F-7AE38BC197FF}" type="datetimeFigureOut">
               <a:rPr lang="en-GB" smtClean="0"/>
-              <a:t>16/03/2021</a:t>
+              <a:t>22/03/2021</a:t>
             </a:fld>
             <a:endParaRPr lang="en-GB"/>
           </a:p>
@@ -594,7 +1370,7 @@
           <a:p>
             <a:fld id="{BFF39079-B583-4089-A99F-7AE38BC197FF}" type="datetimeFigureOut">
               <a:rPr lang="en-GB" smtClean="0"/>
-              <a:t>16/03/2021</a:t>
+              <a:t>22/03/2021</a:t>
             </a:fld>
             <a:endParaRPr lang="en-GB"/>
           </a:p>
@@ -764,7 +1540,7 @@
           <a:p>
             <a:fld id="{BFF39079-B583-4089-A99F-7AE38BC197FF}" type="datetimeFigureOut">
               <a:rPr lang="en-GB" smtClean="0"/>
-              <a:t>16/03/2021</a:t>
+              <a:t>22/03/2021</a:t>
             </a:fld>
             <a:endParaRPr lang="en-GB"/>
           </a:p>
@@ -1010,7 +1786,7 @@
           <a:p>
             <a:fld id="{BFF39079-B583-4089-A99F-7AE38BC197FF}" type="datetimeFigureOut">
               <a:rPr lang="en-GB" smtClean="0"/>
-              <a:t>16/03/2021</a:t>
+              <a:t>22/03/2021</a:t>
             </a:fld>
             <a:endParaRPr lang="en-GB"/>
           </a:p>
@@ -1242,7 +2018,7 @@
           <a:p>
             <a:fld id="{BFF39079-B583-4089-A99F-7AE38BC197FF}" type="datetimeFigureOut">
               <a:rPr lang="en-GB" smtClean="0"/>
-              <a:t>16/03/2021</a:t>
+              <a:t>22/03/2021</a:t>
             </a:fld>
             <a:endParaRPr lang="en-GB"/>
           </a:p>
@@ -1609,7 +2385,7 @@
           <a:p>
             <a:fld id="{BFF39079-B583-4089-A99F-7AE38BC197FF}" type="datetimeFigureOut">
               <a:rPr lang="en-GB" smtClean="0"/>
-              <a:t>16/03/2021</a:t>
+              <a:t>22/03/2021</a:t>
             </a:fld>
             <a:endParaRPr lang="en-GB"/>
           </a:p>
@@ -1727,7 +2503,7 @@
           <a:p>
             <a:fld id="{BFF39079-B583-4089-A99F-7AE38BC197FF}" type="datetimeFigureOut">
               <a:rPr lang="en-GB" smtClean="0"/>
-              <a:t>16/03/2021</a:t>
+              <a:t>22/03/2021</a:t>
             </a:fld>
             <a:endParaRPr lang="en-GB"/>
           </a:p>
@@ -1822,7 +2598,7 @@
           <a:p>
             <a:fld id="{BFF39079-B583-4089-A99F-7AE38BC197FF}" type="datetimeFigureOut">
               <a:rPr lang="en-GB" smtClean="0"/>
-              <a:t>16/03/2021</a:t>
+              <a:t>22/03/2021</a:t>
             </a:fld>
             <a:endParaRPr lang="en-GB"/>
           </a:p>
@@ -2099,7 +2875,7 @@
           <a:p>
             <a:fld id="{BFF39079-B583-4089-A99F-7AE38BC197FF}" type="datetimeFigureOut">
               <a:rPr lang="en-GB" smtClean="0"/>
-              <a:t>16/03/2021</a:t>
+              <a:t>22/03/2021</a:t>
             </a:fld>
             <a:endParaRPr lang="en-GB"/>
           </a:p>
@@ -2352,7 +3128,7 @@
           <a:p>
             <a:fld id="{BFF39079-B583-4089-A99F-7AE38BC197FF}" type="datetimeFigureOut">
               <a:rPr lang="en-GB" smtClean="0"/>
-              <a:t>16/03/2021</a:t>
+              <a:t>22/03/2021</a:t>
             </a:fld>
             <a:endParaRPr lang="en-GB"/>
           </a:p>
@@ -2565,7 +3341,7 @@
           <a:p>
             <a:fld id="{BFF39079-B583-4089-A99F-7AE38BC197FF}" type="datetimeFigureOut">
               <a:rPr lang="en-GB" smtClean="0"/>
-              <a:t>16/03/2021</a:t>
+              <a:t>22/03/2021</a:t>
             </a:fld>
             <a:endParaRPr lang="en-GB"/>
           </a:p>
@@ -2970,397 +3746,547 @@
           <a:chExt cx="0" cy="0"/>
         </a:xfrm>
       </p:grpSpPr>
+      <p:sp>
+        <p:nvSpPr>
+          <p:cNvPr id="2" name="Textfeld 1"/>
+          <p:cNvSpPr txBox="1"/>
+          <p:nvPr/>
+        </p:nvSpPr>
+        <p:spPr>
+          <a:xfrm>
+            <a:off x="2068476" y="5458339"/>
+            <a:ext cx="9872750" cy="954107"/>
+          </a:xfrm>
+          <a:prstGeom prst="rect">
+            <a:avLst/>
+          </a:prstGeom>
+          <a:noFill/>
+        </p:spPr>
+        <p:txBody>
+          <a:bodyPr wrap="square" rtlCol="0">
+            <a:spAutoFit/>
+          </a:bodyPr>
+          <a:lstStyle/>
+          <a:p>
+            <a:r>
+              <a:rPr lang="de-DE" sz="1400" dirty="0" smtClean="0">
+                <a:latin typeface="Arial" panose="020B0604020202020204" pitchFamily="34" charset="0"/>
+                <a:cs typeface="Arial" panose="020B0604020202020204" pitchFamily="34" charset="0"/>
+              </a:rPr>
+              <a:t>- </a:t>
+            </a:r>
+            <a:r>
+              <a:rPr lang="de-DE" sz="1400" dirty="0" smtClean="0">
+                <a:latin typeface="Arial" panose="020B0604020202020204" pitchFamily="34" charset="0"/>
+                <a:cs typeface="Arial" panose="020B0604020202020204" pitchFamily="34" charset="0"/>
+              </a:rPr>
+              <a:t>Statistical </a:t>
+            </a:r>
+            <a:r>
+              <a:rPr lang="de-DE" sz="1400" dirty="0" err="1" smtClean="0">
+                <a:latin typeface="Arial" panose="020B0604020202020204" pitchFamily="34" charset="0"/>
+                <a:cs typeface="Arial" panose="020B0604020202020204" pitchFamily="34" charset="0"/>
+              </a:rPr>
+              <a:t>test</a:t>
+            </a:r>
+            <a:r>
+              <a:rPr lang="de-DE" sz="1400" dirty="0" smtClean="0">
+                <a:latin typeface="Arial" panose="020B0604020202020204" pitchFamily="34" charset="0"/>
+                <a:cs typeface="Arial" panose="020B0604020202020204" pitchFamily="34" charset="0"/>
+              </a:rPr>
+              <a:t> on log2 </a:t>
+            </a:r>
+            <a:r>
+              <a:rPr lang="de-DE" sz="1400" dirty="0" err="1" smtClean="0">
+                <a:latin typeface="Arial" panose="020B0604020202020204" pitchFamily="34" charset="0"/>
+                <a:cs typeface="Arial" panose="020B0604020202020204" pitchFamily="34" charset="0"/>
+              </a:rPr>
+              <a:t>expression</a:t>
+            </a:r>
+            <a:endParaRPr lang="de-DE" sz="1400" dirty="0" smtClean="0">
+              <a:latin typeface="Arial" panose="020B0604020202020204" pitchFamily="34" charset="0"/>
+              <a:cs typeface="Arial" panose="020B0604020202020204" pitchFamily="34" charset="0"/>
+            </a:endParaRPr>
+          </a:p>
+          <a:p>
+            <a:r>
+              <a:rPr lang="de-DE" sz="1400" dirty="0" smtClean="0">
+                <a:latin typeface="Arial" panose="020B0604020202020204" pitchFamily="34" charset="0"/>
+                <a:cs typeface="Arial" panose="020B0604020202020204" pitchFamily="34" charset="0"/>
+              </a:rPr>
+              <a:t>ANOVA </a:t>
+            </a:r>
+            <a:r>
+              <a:rPr lang="de-DE" sz="1400" dirty="0" err="1" smtClean="0">
+                <a:latin typeface="Arial" panose="020B0604020202020204" pitchFamily="34" charset="0"/>
+                <a:cs typeface="Arial" panose="020B0604020202020204" pitchFamily="34" charset="0"/>
+              </a:rPr>
+              <a:t>with</a:t>
+            </a:r>
+            <a:r>
+              <a:rPr lang="de-DE" sz="1400" dirty="0" smtClean="0">
+                <a:latin typeface="Arial" panose="020B0604020202020204" pitchFamily="34" charset="0"/>
+                <a:cs typeface="Arial" panose="020B0604020202020204" pitchFamily="34" charset="0"/>
+              </a:rPr>
+              <a:t> </a:t>
+            </a:r>
+            <a:r>
+              <a:rPr lang="de-DE" sz="1400" dirty="0" err="1" smtClean="0">
+                <a:latin typeface="Arial" panose="020B0604020202020204" pitchFamily="34" charset="0"/>
+                <a:cs typeface="Arial" panose="020B0604020202020204" pitchFamily="34" charset="0"/>
+              </a:rPr>
+              <a:t>heteroscedasticity</a:t>
+            </a:r>
+            <a:r>
+              <a:rPr lang="de-DE" sz="1400" dirty="0" smtClean="0">
+                <a:latin typeface="Arial" panose="020B0604020202020204" pitchFamily="34" charset="0"/>
+                <a:cs typeface="Arial" panose="020B0604020202020204" pitchFamily="34" charset="0"/>
+              </a:rPr>
+              <a:t> </a:t>
+            </a:r>
+            <a:r>
+              <a:rPr lang="de-DE" sz="1400" dirty="0" err="1" smtClean="0">
+                <a:latin typeface="Arial" panose="020B0604020202020204" pitchFamily="34" charset="0"/>
+                <a:cs typeface="Arial" panose="020B0604020202020204" pitchFamily="34" charset="0"/>
+              </a:rPr>
+              <a:t>corrected</a:t>
+            </a:r>
+            <a:r>
+              <a:rPr lang="de-DE" sz="1400" dirty="0" smtClean="0">
+                <a:latin typeface="Arial" panose="020B0604020202020204" pitchFamily="34" charset="0"/>
+                <a:cs typeface="Arial" panose="020B0604020202020204" pitchFamily="34" charset="0"/>
+              </a:rPr>
+              <a:t> </a:t>
+            </a:r>
+            <a:r>
+              <a:rPr lang="de-DE" sz="1400" dirty="0" err="1" smtClean="0">
+                <a:latin typeface="Arial" panose="020B0604020202020204" pitchFamily="34" charset="0"/>
+                <a:cs typeface="Arial" panose="020B0604020202020204" pitchFamily="34" charset="0"/>
+              </a:rPr>
+              <a:t>covariance</a:t>
+            </a:r>
+            <a:r>
+              <a:rPr lang="de-DE" sz="1400" dirty="0" smtClean="0">
+                <a:latin typeface="Arial" panose="020B0604020202020204" pitchFamily="34" charset="0"/>
+                <a:cs typeface="Arial" panose="020B0604020202020204" pitchFamily="34" charset="0"/>
+              </a:rPr>
+              <a:t> </a:t>
+            </a:r>
+            <a:r>
+              <a:rPr lang="de-DE" sz="1400" dirty="0" err="1" smtClean="0">
+                <a:latin typeface="Arial" panose="020B0604020202020204" pitchFamily="34" charset="0"/>
+                <a:cs typeface="Arial" panose="020B0604020202020204" pitchFamily="34" charset="0"/>
+              </a:rPr>
+              <a:t>matrices</a:t>
+            </a:r>
+            <a:r>
+              <a:rPr lang="de-DE" sz="1400" dirty="0" smtClean="0">
+                <a:latin typeface="Arial" panose="020B0604020202020204" pitchFamily="34" charset="0"/>
+                <a:cs typeface="Arial" panose="020B0604020202020204" pitchFamily="34" charset="0"/>
+              </a:rPr>
+              <a:t> (</a:t>
+            </a:r>
+            <a:r>
+              <a:rPr lang="de-DE" sz="1400" dirty="0" err="1" smtClean="0">
+                <a:latin typeface="Arial" panose="020B0604020202020204" pitchFamily="34" charset="0"/>
+                <a:cs typeface="Arial" panose="020B0604020202020204" pitchFamily="34" charset="0"/>
+              </a:rPr>
+              <a:t>hccm</a:t>
+            </a:r>
+            <a:r>
+              <a:rPr lang="de-DE" sz="1400" dirty="0" smtClean="0">
+                <a:latin typeface="Arial" panose="020B0604020202020204" pitchFamily="34" charset="0"/>
+                <a:cs typeface="Arial" panose="020B0604020202020204" pitchFamily="34" charset="0"/>
+              </a:rPr>
+              <a:t>): p &lt; 0.05</a:t>
+            </a:r>
+          </a:p>
+          <a:p>
+            <a:r>
+              <a:rPr lang="de-DE" sz="1400" dirty="0" smtClean="0">
+                <a:latin typeface="Arial" panose="020B0604020202020204" pitchFamily="34" charset="0"/>
+                <a:cs typeface="Arial" panose="020B0604020202020204" pitchFamily="34" charset="0"/>
+              </a:rPr>
+              <a:t>- Games-Howell Post-hoc Test </a:t>
+            </a:r>
+            <a:r>
+              <a:rPr lang="de-DE" sz="1400" dirty="0" err="1" smtClean="0">
+                <a:latin typeface="Arial" panose="020B0604020202020204" pitchFamily="34" charset="0"/>
+                <a:cs typeface="Arial" panose="020B0604020202020204" pitchFamily="34" charset="0"/>
+              </a:rPr>
+              <a:t>for</a:t>
+            </a:r>
+            <a:r>
+              <a:rPr lang="de-DE" sz="1400" dirty="0" smtClean="0">
+                <a:latin typeface="Arial" panose="020B0604020202020204" pitchFamily="34" charset="0"/>
+                <a:cs typeface="Arial" panose="020B0604020202020204" pitchFamily="34" charset="0"/>
+              </a:rPr>
+              <a:t> </a:t>
+            </a:r>
+            <a:r>
+              <a:rPr lang="de-DE" sz="1400" dirty="0" err="1" smtClean="0">
+                <a:latin typeface="Arial" panose="020B0604020202020204" pitchFamily="34" charset="0"/>
+                <a:cs typeface="Arial" panose="020B0604020202020204" pitchFamily="34" charset="0"/>
+              </a:rPr>
+              <a:t>pairwise</a:t>
+            </a:r>
+            <a:r>
+              <a:rPr lang="de-DE" sz="1400" dirty="0" smtClean="0">
+                <a:latin typeface="Arial" panose="020B0604020202020204" pitchFamily="34" charset="0"/>
+                <a:cs typeface="Arial" panose="020B0604020202020204" pitchFamily="34" charset="0"/>
+              </a:rPr>
+              <a:t> </a:t>
+            </a:r>
+            <a:r>
+              <a:rPr lang="de-DE" sz="1400" dirty="0" err="1" smtClean="0">
+                <a:latin typeface="Arial" panose="020B0604020202020204" pitchFamily="34" charset="0"/>
+                <a:cs typeface="Arial" panose="020B0604020202020204" pitchFamily="34" charset="0"/>
+              </a:rPr>
+              <a:t>comparisons</a:t>
+            </a:r>
+            <a:endParaRPr lang="de-DE" sz="1400" dirty="0" smtClean="0">
+              <a:latin typeface="Arial" panose="020B0604020202020204" pitchFamily="34" charset="0"/>
+              <a:cs typeface="Arial" panose="020B0604020202020204" pitchFamily="34" charset="0"/>
+            </a:endParaRPr>
+          </a:p>
+          <a:p>
+            <a:r>
+              <a:rPr lang="de-DE" sz="1400" dirty="0" smtClean="0">
+                <a:latin typeface="Arial" panose="020B0604020202020204" pitchFamily="34" charset="0"/>
+                <a:cs typeface="Arial" panose="020B0604020202020204" pitchFamily="34" charset="0"/>
+              </a:rPr>
+              <a:t>- non-</a:t>
+            </a:r>
+            <a:r>
+              <a:rPr lang="de-DE" sz="1400" dirty="0" err="1" smtClean="0">
+                <a:latin typeface="Arial" panose="020B0604020202020204" pitchFamily="34" charset="0"/>
+                <a:cs typeface="Arial" panose="020B0604020202020204" pitchFamily="34" charset="0"/>
+              </a:rPr>
+              <a:t>significant</a:t>
+            </a:r>
+            <a:r>
+              <a:rPr lang="de-DE" sz="1400" dirty="0" smtClean="0">
+                <a:latin typeface="Arial" panose="020B0604020202020204" pitchFamily="34" charset="0"/>
+                <a:cs typeface="Arial" panose="020B0604020202020204" pitchFamily="34" charset="0"/>
+              </a:rPr>
+              <a:t> </a:t>
+            </a:r>
+            <a:r>
+              <a:rPr lang="de-DE" sz="1400" dirty="0" err="1" smtClean="0">
+                <a:latin typeface="Arial" panose="020B0604020202020204" pitchFamily="34" charset="0"/>
+                <a:cs typeface="Arial" panose="020B0604020202020204" pitchFamily="34" charset="0"/>
+              </a:rPr>
+              <a:t>results</a:t>
+            </a:r>
+            <a:r>
+              <a:rPr lang="de-DE" sz="1400" dirty="0" smtClean="0">
+                <a:latin typeface="Arial" panose="020B0604020202020204" pitchFamily="34" charset="0"/>
+                <a:cs typeface="Arial" panose="020B0604020202020204" pitchFamily="34" charset="0"/>
+              </a:rPr>
+              <a:t> not </a:t>
+            </a:r>
+            <a:r>
+              <a:rPr lang="de-DE" sz="1400" dirty="0" err="1" smtClean="0">
+                <a:latin typeface="Arial" panose="020B0604020202020204" pitchFamily="34" charset="0"/>
+                <a:cs typeface="Arial" panose="020B0604020202020204" pitchFamily="34" charset="0"/>
+              </a:rPr>
+              <a:t>shown</a:t>
+            </a:r>
+            <a:endParaRPr lang="en-GB" sz="1400" dirty="0">
+              <a:latin typeface="Arial" panose="020B0604020202020204" pitchFamily="34" charset="0"/>
+              <a:cs typeface="Arial" panose="020B0604020202020204" pitchFamily="34" charset="0"/>
+            </a:endParaRPr>
+          </a:p>
+        </p:txBody>
+      </p:sp>
       <p:grpSp>
         <p:nvGrpSpPr>
-          <p:cNvPr id="29" name="Gruppieren 28"/>
+          <p:cNvPr id="5" name="Gruppieren 4"/>
           <p:cNvGrpSpPr/>
           <p:nvPr/>
         </p:nvGrpSpPr>
         <p:grpSpPr>
           <a:xfrm>
-            <a:off x="1321723" y="273619"/>
-            <a:ext cx="7490466" cy="5295733"/>
-            <a:chOff x="1005840" y="830572"/>
-            <a:chExt cx="7490466" cy="5295733"/>
+            <a:off x="3088223" y="1548857"/>
+            <a:ext cx="4714006" cy="2598246"/>
+            <a:chOff x="2543693" y="1641325"/>
+            <a:chExt cx="4714006" cy="2598246"/>
           </a:xfrm>
         </p:grpSpPr>
-        <p:sp>
-          <p:nvSpPr>
-            <p:cNvPr id="18" name="Textfeld 17"/>
-            <p:cNvSpPr txBox="1"/>
+        <p:grpSp>
+          <p:nvGrpSpPr>
+            <p:cNvPr id="29" name="Gruppieren 28"/>
+            <p:cNvGrpSpPr/>
             <p:nvPr/>
-          </p:nvSpPr>
-          <p:spPr>
+          </p:nvGrpSpPr>
+          <p:grpSpPr>
             <a:xfrm>
-              <a:off x="1005840" y="5356864"/>
-              <a:ext cx="1630680" cy="769441"/>
+              <a:off x="2543693" y="3470129"/>
+              <a:ext cx="4048982" cy="769442"/>
+              <a:chOff x="1005840" y="5356863"/>
+              <a:chExt cx="4048982" cy="769442"/>
             </a:xfrm>
-            <a:prstGeom prst="rect">
-              <a:avLst/>
-            </a:prstGeom>
-            <a:noFill/>
-          </p:spPr>
-          <p:txBody>
-            <a:bodyPr wrap="square" rtlCol="0">
-              <a:spAutoFit/>
-            </a:bodyPr>
-            <a:lstStyle/>
-            <a:p>
-              <a:pPr algn="r"/>
-              <a:r>
-                <a:rPr lang="de-DE" sz="1100" b="1" dirty="0" smtClean="0">
+          </p:grpSpPr>
+          <p:sp>
+            <p:nvSpPr>
+              <p:cNvPr id="18" name="Textfeld 17"/>
+              <p:cNvSpPr txBox="1"/>
+              <p:nvPr/>
+            </p:nvSpPr>
+            <p:spPr>
+              <a:xfrm>
+                <a:off x="1005840" y="5356864"/>
+                <a:ext cx="1630680" cy="769441"/>
+              </a:xfrm>
+              <a:prstGeom prst="rect">
+                <a:avLst/>
+              </a:prstGeom>
+              <a:noFill/>
+            </p:spPr>
+            <p:txBody>
+              <a:bodyPr wrap="square" rtlCol="0">
+                <a:spAutoFit/>
+              </a:bodyPr>
+              <a:lstStyle/>
+              <a:p>
+                <a:pPr algn="r"/>
+                <a:r>
+                  <a:rPr lang="de-DE" sz="1100" b="1" dirty="0" smtClean="0">
+                    <a:latin typeface="Arial" panose="020B0604020202020204" pitchFamily="34" charset="0"/>
+                    <a:cs typeface="Arial" panose="020B0604020202020204" pitchFamily="34" charset="0"/>
+                  </a:rPr>
+                  <a:t>BRAF</a:t>
+                </a:r>
+                <a:r>
+                  <a:rPr lang="en-GB" sz="1100" b="1" baseline="30000" dirty="0" smtClean="0">
+                    <a:latin typeface="Arial" panose="020B0604020202020204" pitchFamily="34" charset="0"/>
+                    <a:cs typeface="Arial" panose="020B0604020202020204" pitchFamily="34" charset="0"/>
+                  </a:rPr>
+                  <a:t>V600 </a:t>
+                </a:r>
+                <a:r>
+                  <a:rPr lang="en-GB" sz="1100" b="1" dirty="0" smtClean="0">
+                    <a:latin typeface="Arial" panose="020B0604020202020204" pitchFamily="34" charset="0"/>
+                    <a:cs typeface="Arial" panose="020B0604020202020204" pitchFamily="34" charset="0"/>
+                  </a:rPr>
+                  <a:t> Mutation</a:t>
+                </a:r>
+              </a:p>
+              <a:p>
+                <a:pPr algn="r"/>
+                <a:r>
+                  <a:rPr lang="de-DE" sz="1100" b="1" dirty="0" smtClean="0">
+                    <a:latin typeface="Arial" panose="020B0604020202020204" pitchFamily="34" charset="0"/>
+                    <a:cs typeface="Arial" panose="020B0604020202020204" pitchFamily="34" charset="0"/>
+                  </a:rPr>
+                  <a:t>BRAF/MEK Inhibitor</a:t>
+                </a:r>
+              </a:p>
+              <a:p>
+                <a:pPr algn="r"/>
+                <a:r>
+                  <a:rPr lang="de-DE" sz="1100" b="1" dirty="0" smtClean="0">
+                    <a:latin typeface="Arial" panose="020B0604020202020204" pitchFamily="34" charset="0"/>
+                    <a:cs typeface="Arial" panose="020B0604020202020204" pitchFamily="34" charset="0"/>
+                  </a:rPr>
+                  <a:t>ICI</a:t>
+                </a:r>
+              </a:p>
+              <a:p>
+                <a:pPr algn="r"/>
+                <a:r>
+                  <a:rPr lang="de-DE" sz="1100" b="1" dirty="0">
+                    <a:latin typeface="Arial" panose="020B0604020202020204" pitchFamily="34" charset="0"/>
+                    <a:cs typeface="Arial" panose="020B0604020202020204" pitchFamily="34" charset="0"/>
+                  </a:rPr>
+                  <a:t>n</a:t>
+                </a:r>
+                <a:endParaRPr lang="de-DE" sz="1100" b="1" dirty="0" smtClean="0">
                   <a:latin typeface="Arial" panose="020B0604020202020204" pitchFamily="34" charset="0"/>
                   <a:cs typeface="Arial" panose="020B0604020202020204" pitchFamily="34" charset="0"/>
-                </a:rPr>
-                <a:t>BRAF</a:t>
-              </a:r>
-              <a:r>
-                <a:rPr lang="en-GB" sz="1100" b="1" baseline="30000" dirty="0" smtClean="0">
-                  <a:latin typeface="Arial" panose="020B0604020202020204" pitchFamily="34" charset="0"/>
-                  <a:cs typeface="Arial" panose="020B0604020202020204" pitchFamily="34" charset="0"/>
-                </a:rPr>
-                <a:t>V600 </a:t>
-              </a:r>
-              <a:r>
-                <a:rPr lang="en-GB" sz="1100" b="1" dirty="0" smtClean="0">
-                  <a:latin typeface="Arial" panose="020B0604020202020204" pitchFamily="34" charset="0"/>
-                  <a:cs typeface="Arial" panose="020B0604020202020204" pitchFamily="34" charset="0"/>
-                </a:rPr>
-                <a:t> Mutation</a:t>
-              </a:r>
-            </a:p>
-            <a:p>
-              <a:pPr algn="r"/>
-              <a:r>
-                <a:rPr lang="de-DE" sz="1100" b="1" dirty="0" smtClean="0">
-                  <a:latin typeface="Arial" panose="020B0604020202020204" pitchFamily="34" charset="0"/>
-                  <a:cs typeface="Arial" panose="020B0604020202020204" pitchFamily="34" charset="0"/>
-                </a:rPr>
-                <a:t>BRAF/MEK Inhibitor</a:t>
-              </a:r>
-            </a:p>
-            <a:p>
-              <a:pPr algn="r"/>
-              <a:r>
-                <a:rPr lang="de-DE" sz="1100" b="1" dirty="0" smtClean="0">
-                  <a:latin typeface="Arial" panose="020B0604020202020204" pitchFamily="34" charset="0"/>
-                  <a:cs typeface="Arial" panose="020B0604020202020204" pitchFamily="34" charset="0"/>
-                </a:rPr>
-                <a:t>ICI</a:t>
-              </a:r>
-            </a:p>
-            <a:p>
-              <a:pPr algn="r"/>
-              <a:r>
-                <a:rPr lang="de-DE" sz="1100" b="1" dirty="0">
-                  <a:latin typeface="Arial" panose="020B0604020202020204" pitchFamily="34" charset="0"/>
-                  <a:cs typeface="Arial" panose="020B0604020202020204" pitchFamily="34" charset="0"/>
-                </a:rPr>
-                <a:t>n</a:t>
-              </a:r>
-              <a:endParaRPr lang="de-DE" sz="1100" b="1" dirty="0" smtClean="0">
-                <a:latin typeface="Arial" panose="020B0604020202020204" pitchFamily="34" charset="0"/>
-                <a:cs typeface="Arial" panose="020B0604020202020204" pitchFamily="34" charset="0"/>
-              </a:endParaRPr>
-            </a:p>
-          </p:txBody>
-        </p:sp>
-        <p:sp>
-          <p:nvSpPr>
-            <p:cNvPr id="19" name="Textfeld 18"/>
-            <p:cNvSpPr txBox="1"/>
-            <p:nvPr/>
-          </p:nvSpPr>
-          <p:spPr>
-            <a:xfrm>
-              <a:off x="2667000" y="5356864"/>
-              <a:ext cx="1059173" cy="600164"/>
-            </a:xfrm>
-            <a:prstGeom prst="rect">
-              <a:avLst/>
-            </a:prstGeom>
-            <a:noFill/>
-          </p:spPr>
-          <p:txBody>
-            <a:bodyPr wrap="square" rtlCol="0">
-              <a:spAutoFit/>
-            </a:bodyPr>
-            <a:lstStyle/>
-            <a:p>
-              <a:r>
-                <a:rPr lang="de-DE" sz="1100" dirty="0" smtClean="0">
-                  <a:latin typeface="Arial" panose="020B0604020202020204" pitchFamily="34" charset="0"/>
-                  <a:cs typeface="Arial" panose="020B0604020202020204" pitchFamily="34" charset="0"/>
-                </a:rPr>
-                <a:t>-       +     +</a:t>
-              </a:r>
-            </a:p>
-            <a:p>
-              <a:r>
-                <a:rPr lang="de-DE" sz="1100" dirty="0" smtClean="0">
-                  <a:latin typeface="Arial" panose="020B0604020202020204" pitchFamily="34" charset="0"/>
-                  <a:cs typeface="Arial" panose="020B0604020202020204" pitchFamily="34" charset="0"/>
-                </a:rPr>
-                <a:t>-       -      +</a:t>
-              </a:r>
-            </a:p>
-            <a:p>
-              <a:r>
-                <a:rPr lang="de-DE" sz="1100" dirty="0" smtClean="0">
-                  <a:latin typeface="Arial" panose="020B0604020202020204" pitchFamily="34" charset="0"/>
-                  <a:cs typeface="Arial" panose="020B0604020202020204" pitchFamily="34" charset="0"/>
-                </a:rPr>
-                <a:t>+      +     +     </a:t>
-              </a:r>
-            </a:p>
-          </p:txBody>
-        </p:sp>
-        <p:sp>
-          <p:nvSpPr>
-            <p:cNvPr id="21" name="Textfeld 20"/>
-            <p:cNvSpPr txBox="1"/>
-            <p:nvPr/>
-          </p:nvSpPr>
-          <p:spPr>
-            <a:xfrm>
-              <a:off x="2667000" y="5356864"/>
-              <a:ext cx="1059173" cy="769441"/>
-            </a:xfrm>
-            <a:prstGeom prst="rect">
-              <a:avLst/>
-            </a:prstGeom>
-            <a:noFill/>
-          </p:spPr>
-          <p:txBody>
-            <a:bodyPr wrap="square" rtlCol="0">
-              <a:spAutoFit/>
-            </a:bodyPr>
-            <a:lstStyle/>
-            <a:p>
-              <a:r>
-                <a:rPr lang="de-DE" sz="1100" dirty="0" smtClean="0">
-                  <a:latin typeface="Arial" panose="020B0604020202020204" pitchFamily="34" charset="0"/>
-                  <a:cs typeface="Arial" panose="020B0604020202020204" pitchFamily="34" charset="0"/>
-                </a:rPr>
-                <a:t>-       +     +</a:t>
-              </a:r>
-            </a:p>
-            <a:p>
-              <a:r>
-                <a:rPr lang="de-DE" sz="1100" dirty="0" smtClean="0">
-                  <a:latin typeface="Arial" panose="020B0604020202020204" pitchFamily="34" charset="0"/>
-                  <a:cs typeface="Arial" panose="020B0604020202020204" pitchFamily="34" charset="0"/>
-                </a:rPr>
-                <a:t>-       -      +</a:t>
-              </a:r>
-            </a:p>
-            <a:p>
-              <a:r>
-                <a:rPr lang="de-DE" sz="1100" dirty="0" smtClean="0">
-                  <a:latin typeface="Arial" panose="020B0604020202020204" pitchFamily="34" charset="0"/>
-                  <a:cs typeface="Arial" panose="020B0604020202020204" pitchFamily="34" charset="0"/>
-                </a:rPr>
-                <a:t>+      +     +</a:t>
-              </a:r>
-            </a:p>
-            <a:p>
-              <a:r>
-                <a:rPr lang="de-DE" sz="1100" dirty="0" smtClean="0">
-                  <a:latin typeface="Arial" panose="020B0604020202020204" pitchFamily="34" charset="0"/>
-                  <a:cs typeface="Arial" panose="020B0604020202020204" pitchFamily="34" charset="0"/>
-                </a:rPr>
-                <a:t>23    8     22     </a:t>
-              </a:r>
-            </a:p>
-          </p:txBody>
-        </p:sp>
-        <p:sp>
-          <p:nvSpPr>
-            <p:cNvPr id="24" name="Textfeld 23"/>
-            <p:cNvSpPr txBox="1"/>
-            <p:nvPr/>
-          </p:nvSpPr>
-          <p:spPr>
-            <a:xfrm>
-              <a:off x="4053840" y="5356863"/>
-              <a:ext cx="1059173" cy="769441"/>
-            </a:xfrm>
-            <a:prstGeom prst="rect">
-              <a:avLst/>
-            </a:prstGeom>
-            <a:noFill/>
-          </p:spPr>
-          <p:txBody>
-            <a:bodyPr wrap="square" rtlCol="0">
-              <a:spAutoFit/>
-            </a:bodyPr>
-            <a:lstStyle/>
-            <a:p>
-              <a:r>
-                <a:rPr lang="de-DE" sz="1100" dirty="0" smtClean="0">
-                  <a:latin typeface="Arial" panose="020B0604020202020204" pitchFamily="34" charset="0"/>
-                  <a:cs typeface="Arial" panose="020B0604020202020204" pitchFamily="34" charset="0"/>
-                </a:rPr>
-                <a:t>-       +     +</a:t>
-              </a:r>
-            </a:p>
-            <a:p>
-              <a:r>
-                <a:rPr lang="de-DE" sz="1100" dirty="0" smtClean="0">
-                  <a:latin typeface="Arial" panose="020B0604020202020204" pitchFamily="34" charset="0"/>
-                  <a:cs typeface="Arial" panose="020B0604020202020204" pitchFamily="34" charset="0"/>
-                </a:rPr>
-                <a:t>-       -      +</a:t>
-              </a:r>
-            </a:p>
-            <a:p>
-              <a:r>
-                <a:rPr lang="de-DE" sz="1100" dirty="0" smtClean="0">
-                  <a:latin typeface="Arial" panose="020B0604020202020204" pitchFamily="34" charset="0"/>
-                  <a:cs typeface="Arial" panose="020B0604020202020204" pitchFamily="34" charset="0"/>
-                </a:rPr>
-                <a:t>+      +     +</a:t>
-              </a:r>
-            </a:p>
-            <a:p>
-              <a:r>
-                <a:rPr lang="de-DE" sz="1100" dirty="0" smtClean="0">
-                  <a:latin typeface="Arial" panose="020B0604020202020204" pitchFamily="34" charset="0"/>
-                  <a:cs typeface="Arial" panose="020B0604020202020204" pitchFamily="34" charset="0"/>
-                </a:rPr>
-                <a:t>23    8     22     </a:t>
-              </a:r>
-            </a:p>
-          </p:txBody>
-        </p:sp>
-        <p:sp>
-          <p:nvSpPr>
-            <p:cNvPr id="25" name="Textfeld 24"/>
-            <p:cNvSpPr txBox="1"/>
-            <p:nvPr/>
-          </p:nvSpPr>
-          <p:spPr>
-            <a:xfrm>
-              <a:off x="5440680" y="5356862"/>
-              <a:ext cx="1059173" cy="769441"/>
-            </a:xfrm>
-            <a:prstGeom prst="rect">
-              <a:avLst/>
-            </a:prstGeom>
-            <a:noFill/>
-          </p:spPr>
-          <p:txBody>
-            <a:bodyPr wrap="square" rtlCol="0">
-              <a:spAutoFit/>
-            </a:bodyPr>
-            <a:lstStyle/>
-            <a:p>
-              <a:r>
-                <a:rPr lang="de-DE" sz="1100" dirty="0" smtClean="0">
-                  <a:latin typeface="Arial" panose="020B0604020202020204" pitchFamily="34" charset="0"/>
-                  <a:cs typeface="Arial" panose="020B0604020202020204" pitchFamily="34" charset="0"/>
-                </a:rPr>
-                <a:t>-       +     +</a:t>
-              </a:r>
-            </a:p>
-            <a:p>
-              <a:r>
-                <a:rPr lang="de-DE" sz="1100" dirty="0" smtClean="0">
-                  <a:latin typeface="Arial" panose="020B0604020202020204" pitchFamily="34" charset="0"/>
-                  <a:cs typeface="Arial" panose="020B0604020202020204" pitchFamily="34" charset="0"/>
-                </a:rPr>
-                <a:t>-       -      +</a:t>
-              </a:r>
-            </a:p>
-            <a:p>
-              <a:r>
-                <a:rPr lang="de-DE" sz="1100" dirty="0" smtClean="0">
-                  <a:latin typeface="Arial" panose="020B0604020202020204" pitchFamily="34" charset="0"/>
-                  <a:cs typeface="Arial" panose="020B0604020202020204" pitchFamily="34" charset="0"/>
-                </a:rPr>
-                <a:t>+      +     +</a:t>
-              </a:r>
-            </a:p>
-            <a:p>
-              <a:r>
-                <a:rPr lang="de-DE" sz="1100" dirty="0" smtClean="0">
-                  <a:latin typeface="Arial" panose="020B0604020202020204" pitchFamily="34" charset="0"/>
-                  <a:cs typeface="Arial" panose="020B0604020202020204" pitchFamily="34" charset="0"/>
-                </a:rPr>
-                <a:t>23    8     22     </a:t>
-              </a:r>
-            </a:p>
-          </p:txBody>
-        </p:sp>
-        <p:sp>
-          <p:nvSpPr>
-            <p:cNvPr id="26" name="Textfeld 25"/>
-            <p:cNvSpPr txBox="1"/>
-            <p:nvPr/>
-          </p:nvSpPr>
-          <p:spPr>
-            <a:xfrm>
-              <a:off x="6827520" y="5356861"/>
-              <a:ext cx="1059173" cy="769441"/>
-            </a:xfrm>
-            <a:prstGeom prst="rect">
-              <a:avLst/>
-            </a:prstGeom>
-            <a:noFill/>
-          </p:spPr>
-          <p:txBody>
-            <a:bodyPr wrap="square" rtlCol="0">
-              <a:spAutoFit/>
-            </a:bodyPr>
-            <a:lstStyle/>
-            <a:p>
-              <a:r>
-                <a:rPr lang="de-DE" sz="1100" dirty="0" smtClean="0">
-                  <a:latin typeface="Arial" panose="020B0604020202020204" pitchFamily="34" charset="0"/>
-                  <a:cs typeface="Arial" panose="020B0604020202020204" pitchFamily="34" charset="0"/>
-                </a:rPr>
-                <a:t>-       +     +</a:t>
-              </a:r>
-            </a:p>
-            <a:p>
-              <a:r>
-                <a:rPr lang="de-DE" sz="1100" dirty="0" smtClean="0">
-                  <a:latin typeface="Arial" panose="020B0604020202020204" pitchFamily="34" charset="0"/>
-                  <a:cs typeface="Arial" panose="020B0604020202020204" pitchFamily="34" charset="0"/>
-                </a:rPr>
-                <a:t>-       -      +</a:t>
-              </a:r>
-            </a:p>
-            <a:p>
-              <a:r>
-                <a:rPr lang="de-DE" sz="1100" dirty="0" smtClean="0">
-                  <a:latin typeface="Arial" panose="020B0604020202020204" pitchFamily="34" charset="0"/>
-                  <a:cs typeface="Arial" panose="020B0604020202020204" pitchFamily="34" charset="0"/>
-                </a:rPr>
-                <a:t>+      +     +</a:t>
-              </a:r>
-            </a:p>
-            <a:p>
-              <a:r>
-                <a:rPr lang="de-DE" sz="1100" dirty="0" smtClean="0">
-                  <a:latin typeface="Arial" panose="020B0604020202020204" pitchFamily="34" charset="0"/>
-                  <a:cs typeface="Arial" panose="020B0604020202020204" pitchFamily="34" charset="0"/>
-                </a:rPr>
-                <a:t>23    8     22     </a:t>
-              </a:r>
-            </a:p>
-          </p:txBody>
-        </p:sp>
+                </a:endParaRPr>
+              </a:p>
+            </p:txBody>
+          </p:sp>
+          <p:sp>
+            <p:nvSpPr>
+              <p:cNvPr id="19" name="Textfeld 18"/>
+              <p:cNvSpPr txBox="1"/>
+              <p:nvPr/>
+            </p:nvSpPr>
+            <p:spPr>
+              <a:xfrm>
+                <a:off x="2667000" y="5356864"/>
+                <a:ext cx="1059173" cy="600164"/>
+              </a:xfrm>
+              <a:prstGeom prst="rect">
+                <a:avLst/>
+              </a:prstGeom>
+              <a:noFill/>
+            </p:spPr>
+            <p:txBody>
+              <a:bodyPr wrap="square" rtlCol="0">
+                <a:spAutoFit/>
+              </a:bodyPr>
+              <a:lstStyle/>
+              <a:p>
+                <a:r>
+                  <a:rPr lang="de-DE" sz="1100" dirty="0" smtClean="0">
+                    <a:latin typeface="Arial" panose="020B0604020202020204" pitchFamily="34" charset="0"/>
+                    <a:cs typeface="Arial" panose="020B0604020202020204" pitchFamily="34" charset="0"/>
+                  </a:rPr>
+                  <a:t>-       +     +</a:t>
+                </a:r>
+              </a:p>
+              <a:p>
+                <a:r>
+                  <a:rPr lang="de-DE" sz="1100" dirty="0" smtClean="0">
+                    <a:latin typeface="Arial" panose="020B0604020202020204" pitchFamily="34" charset="0"/>
+                    <a:cs typeface="Arial" panose="020B0604020202020204" pitchFamily="34" charset="0"/>
+                  </a:rPr>
+                  <a:t>-       -      +</a:t>
+                </a:r>
+              </a:p>
+              <a:p>
+                <a:r>
+                  <a:rPr lang="de-DE" sz="1100" dirty="0" smtClean="0">
+                    <a:latin typeface="Arial" panose="020B0604020202020204" pitchFamily="34" charset="0"/>
+                    <a:cs typeface="Arial" panose="020B0604020202020204" pitchFamily="34" charset="0"/>
+                  </a:rPr>
+                  <a:t>+      +     +     </a:t>
+                </a:r>
+              </a:p>
+            </p:txBody>
+          </p:sp>
+          <p:sp>
+            <p:nvSpPr>
+              <p:cNvPr id="21" name="Textfeld 20"/>
+              <p:cNvSpPr txBox="1"/>
+              <p:nvPr/>
+            </p:nvSpPr>
+            <p:spPr>
+              <a:xfrm>
+                <a:off x="2667000" y="5356864"/>
+                <a:ext cx="1059173" cy="769441"/>
+              </a:xfrm>
+              <a:prstGeom prst="rect">
+                <a:avLst/>
+              </a:prstGeom>
+              <a:noFill/>
+            </p:spPr>
+            <p:txBody>
+              <a:bodyPr wrap="square" rtlCol="0">
+                <a:spAutoFit/>
+              </a:bodyPr>
+              <a:lstStyle/>
+              <a:p>
+                <a:r>
+                  <a:rPr lang="de-DE" sz="1100" dirty="0" smtClean="0">
+                    <a:latin typeface="Arial" panose="020B0604020202020204" pitchFamily="34" charset="0"/>
+                    <a:cs typeface="Arial" panose="020B0604020202020204" pitchFamily="34" charset="0"/>
+                  </a:rPr>
+                  <a:t>-       +     +</a:t>
+                </a:r>
+              </a:p>
+              <a:p>
+                <a:r>
+                  <a:rPr lang="de-DE" sz="1100" dirty="0" smtClean="0">
+                    <a:latin typeface="Arial" panose="020B0604020202020204" pitchFamily="34" charset="0"/>
+                    <a:cs typeface="Arial" panose="020B0604020202020204" pitchFamily="34" charset="0"/>
+                  </a:rPr>
+                  <a:t>-       -      +</a:t>
+                </a:r>
+              </a:p>
+              <a:p>
+                <a:r>
+                  <a:rPr lang="de-DE" sz="1100" dirty="0" smtClean="0">
+                    <a:latin typeface="Arial" panose="020B0604020202020204" pitchFamily="34" charset="0"/>
+                    <a:cs typeface="Arial" panose="020B0604020202020204" pitchFamily="34" charset="0"/>
+                  </a:rPr>
+                  <a:t>+      +     +</a:t>
+                </a:r>
+              </a:p>
+              <a:p>
+                <a:r>
+                  <a:rPr lang="de-DE" sz="1100" dirty="0" smtClean="0">
+                    <a:latin typeface="Arial" panose="020B0604020202020204" pitchFamily="34" charset="0"/>
+                    <a:cs typeface="Arial" panose="020B0604020202020204" pitchFamily="34" charset="0"/>
+                  </a:rPr>
+                  <a:t>23    8     22     </a:t>
+                </a:r>
+              </a:p>
+            </p:txBody>
+          </p:sp>
+          <p:sp>
+            <p:nvSpPr>
+              <p:cNvPr id="24" name="Textfeld 23"/>
+              <p:cNvSpPr txBox="1"/>
+              <p:nvPr/>
+            </p:nvSpPr>
+            <p:spPr>
+              <a:xfrm>
+                <a:off x="3995649" y="5356863"/>
+                <a:ext cx="1059173" cy="769441"/>
+              </a:xfrm>
+              <a:prstGeom prst="rect">
+                <a:avLst/>
+              </a:prstGeom>
+              <a:noFill/>
+            </p:spPr>
+            <p:txBody>
+              <a:bodyPr wrap="square" rtlCol="0">
+                <a:spAutoFit/>
+              </a:bodyPr>
+              <a:lstStyle/>
+              <a:p>
+                <a:r>
+                  <a:rPr lang="de-DE" sz="1100" dirty="0" smtClean="0">
+                    <a:latin typeface="Arial" panose="020B0604020202020204" pitchFamily="34" charset="0"/>
+                    <a:cs typeface="Arial" panose="020B0604020202020204" pitchFamily="34" charset="0"/>
+                  </a:rPr>
+                  <a:t>-       +     +</a:t>
+                </a:r>
+              </a:p>
+              <a:p>
+                <a:r>
+                  <a:rPr lang="de-DE" sz="1100" dirty="0" smtClean="0">
+                    <a:latin typeface="Arial" panose="020B0604020202020204" pitchFamily="34" charset="0"/>
+                    <a:cs typeface="Arial" panose="020B0604020202020204" pitchFamily="34" charset="0"/>
+                  </a:rPr>
+                  <a:t>-       -      +</a:t>
+                </a:r>
+              </a:p>
+              <a:p>
+                <a:r>
+                  <a:rPr lang="de-DE" sz="1100" dirty="0" smtClean="0">
+                    <a:latin typeface="Arial" panose="020B0604020202020204" pitchFamily="34" charset="0"/>
+                    <a:cs typeface="Arial" panose="020B0604020202020204" pitchFamily="34" charset="0"/>
+                  </a:rPr>
+                  <a:t>+      +     +</a:t>
+                </a:r>
+              </a:p>
+              <a:p>
+                <a:r>
+                  <a:rPr lang="de-DE" sz="1100" dirty="0" smtClean="0">
+                    <a:latin typeface="Arial" panose="020B0604020202020204" pitchFamily="34" charset="0"/>
+                    <a:cs typeface="Arial" panose="020B0604020202020204" pitchFamily="34" charset="0"/>
+                  </a:rPr>
+                  <a:t>23    8     22     </a:t>
+                </a:r>
+              </a:p>
+            </p:txBody>
+          </p:sp>
+        </p:grpSp>
         <p:pic>
           <p:nvPicPr>
-            <p:cNvPr id="28" name="Grafik 27"/>
+            <p:cNvPr id="4" name="Grafik 3"/>
             <p:cNvPicPr>
               <a:picLocks noChangeAspect="1"/>
             </p:cNvPicPr>
             <p:nvPr/>
           </p:nvPicPr>
           <p:blipFill>
-            <a:blip r:embed="rId2" cstate="print">
+            <a:blip r:embed="rId3" cstate="print">
               <a:extLst>
                 <a:ext uri="{28A0092B-C50C-407E-A947-70E740481C1C}">
                   <a14:useLocalDpi xmlns:a14="http://schemas.microsoft.com/office/drawing/2010/main" val="0"/>
@@ -3373,8 +4299,8 @@
           </p:blipFill>
           <p:spPr>
             <a:xfrm>
-              <a:off x="2095493" y="830572"/>
-              <a:ext cx="6400813" cy="4572009"/>
+              <a:off x="3600092" y="1641325"/>
+              <a:ext cx="3657607" cy="1828804"/>
             </a:xfrm>
             <a:prstGeom prst="rect">
               <a:avLst/>
@@ -3382,218 +4308,6 @@
           </p:spPr>
         </p:pic>
       </p:grpSp>
-      <p:sp>
-        <p:nvSpPr>
-          <p:cNvPr id="2" name="Textfeld 1"/>
-          <p:cNvSpPr txBox="1"/>
-          <p:nvPr/>
-        </p:nvSpPr>
-        <p:spPr>
-          <a:xfrm>
-            <a:off x="2411376" y="6018236"/>
-            <a:ext cx="9872750" cy="738664"/>
-          </a:xfrm>
-          <a:prstGeom prst="rect">
-            <a:avLst/>
-          </a:prstGeom>
-          <a:noFill/>
-        </p:spPr>
-        <p:txBody>
-          <a:bodyPr wrap="square" rtlCol="0">
-            <a:spAutoFit/>
-          </a:bodyPr>
-          <a:lstStyle/>
-          <a:p>
-            <a:r>
-              <a:rPr lang="de-DE" sz="1400" dirty="0" smtClean="0">
-                <a:latin typeface="Arial" panose="020B0604020202020204" pitchFamily="34" charset="0"/>
-                <a:cs typeface="Arial" panose="020B0604020202020204" pitchFamily="34" charset="0"/>
-              </a:rPr>
-              <a:t>- ANOVA </a:t>
-            </a:r>
-            <a:r>
-              <a:rPr lang="de-DE" sz="1400" dirty="0" err="1" smtClean="0">
-                <a:latin typeface="Arial" panose="020B0604020202020204" pitchFamily="34" charset="0"/>
-                <a:cs typeface="Arial" panose="020B0604020202020204" pitchFamily="34" charset="0"/>
-              </a:rPr>
-              <a:t>with</a:t>
-            </a:r>
-            <a:r>
-              <a:rPr lang="de-DE" sz="1400" dirty="0" smtClean="0">
-                <a:latin typeface="Arial" panose="020B0604020202020204" pitchFamily="34" charset="0"/>
-                <a:cs typeface="Arial" panose="020B0604020202020204" pitchFamily="34" charset="0"/>
-              </a:rPr>
-              <a:t> </a:t>
-            </a:r>
-            <a:r>
-              <a:rPr lang="de-DE" sz="1400" dirty="0" err="1" smtClean="0">
-                <a:latin typeface="Arial" panose="020B0604020202020204" pitchFamily="34" charset="0"/>
-                <a:cs typeface="Arial" panose="020B0604020202020204" pitchFamily="34" charset="0"/>
-              </a:rPr>
-              <a:t>heteroscedasticity</a:t>
-            </a:r>
-            <a:r>
-              <a:rPr lang="de-DE" sz="1400" dirty="0" smtClean="0">
-                <a:latin typeface="Arial" panose="020B0604020202020204" pitchFamily="34" charset="0"/>
-                <a:cs typeface="Arial" panose="020B0604020202020204" pitchFamily="34" charset="0"/>
-              </a:rPr>
-              <a:t> </a:t>
-            </a:r>
-            <a:r>
-              <a:rPr lang="de-DE" sz="1400" dirty="0" err="1" smtClean="0">
-                <a:latin typeface="Arial" panose="020B0604020202020204" pitchFamily="34" charset="0"/>
-                <a:cs typeface="Arial" panose="020B0604020202020204" pitchFamily="34" charset="0"/>
-              </a:rPr>
-              <a:t>corrected</a:t>
-            </a:r>
-            <a:r>
-              <a:rPr lang="de-DE" sz="1400" dirty="0" smtClean="0">
-                <a:latin typeface="Arial" panose="020B0604020202020204" pitchFamily="34" charset="0"/>
-                <a:cs typeface="Arial" panose="020B0604020202020204" pitchFamily="34" charset="0"/>
-              </a:rPr>
-              <a:t> </a:t>
-            </a:r>
-            <a:r>
-              <a:rPr lang="de-DE" sz="1400" dirty="0" err="1" smtClean="0">
-                <a:latin typeface="Arial" panose="020B0604020202020204" pitchFamily="34" charset="0"/>
-                <a:cs typeface="Arial" panose="020B0604020202020204" pitchFamily="34" charset="0"/>
-              </a:rPr>
-              <a:t>covariance</a:t>
-            </a:r>
-            <a:r>
-              <a:rPr lang="de-DE" sz="1400" dirty="0" smtClean="0">
-                <a:latin typeface="Arial" panose="020B0604020202020204" pitchFamily="34" charset="0"/>
-                <a:cs typeface="Arial" panose="020B0604020202020204" pitchFamily="34" charset="0"/>
-              </a:rPr>
-              <a:t> </a:t>
-            </a:r>
-            <a:r>
-              <a:rPr lang="de-DE" sz="1400" dirty="0" err="1" smtClean="0">
-                <a:latin typeface="Arial" panose="020B0604020202020204" pitchFamily="34" charset="0"/>
-                <a:cs typeface="Arial" panose="020B0604020202020204" pitchFamily="34" charset="0"/>
-              </a:rPr>
-              <a:t>matrices</a:t>
-            </a:r>
-            <a:r>
-              <a:rPr lang="de-DE" sz="1400" dirty="0" smtClean="0">
-                <a:latin typeface="Arial" panose="020B0604020202020204" pitchFamily="34" charset="0"/>
-                <a:cs typeface="Arial" panose="020B0604020202020204" pitchFamily="34" charset="0"/>
-              </a:rPr>
-              <a:t> (</a:t>
-            </a:r>
-            <a:r>
-              <a:rPr lang="de-DE" sz="1400" dirty="0" err="1" smtClean="0">
-                <a:latin typeface="Arial" panose="020B0604020202020204" pitchFamily="34" charset="0"/>
-                <a:cs typeface="Arial" panose="020B0604020202020204" pitchFamily="34" charset="0"/>
-              </a:rPr>
-              <a:t>hccm</a:t>
-            </a:r>
-            <a:r>
-              <a:rPr lang="de-DE" sz="1400" dirty="0" smtClean="0">
-                <a:latin typeface="Arial" panose="020B0604020202020204" pitchFamily="34" charset="0"/>
-                <a:cs typeface="Arial" panose="020B0604020202020204" pitchFamily="34" charset="0"/>
-              </a:rPr>
-              <a:t>): p &lt; 0.05</a:t>
-            </a:r>
-          </a:p>
-          <a:p>
-            <a:r>
-              <a:rPr lang="de-DE" sz="1400" dirty="0" smtClean="0">
-                <a:latin typeface="Arial" panose="020B0604020202020204" pitchFamily="34" charset="0"/>
-                <a:cs typeface="Arial" panose="020B0604020202020204" pitchFamily="34" charset="0"/>
-              </a:rPr>
-              <a:t>- Games-Howell Post-hoc Test </a:t>
-            </a:r>
-            <a:r>
-              <a:rPr lang="de-DE" sz="1400" dirty="0" err="1" smtClean="0">
-                <a:latin typeface="Arial" panose="020B0604020202020204" pitchFamily="34" charset="0"/>
-                <a:cs typeface="Arial" panose="020B0604020202020204" pitchFamily="34" charset="0"/>
-              </a:rPr>
-              <a:t>for</a:t>
-            </a:r>
-            <a:r>
-              <a:rPr lang="de-DE" sz="1400" dirty="0" smtClean="0">
-                <a:latin typeface="Arial" panose="020B0604020202020204" pitchFamily="34" charset="0"/>
-                <a:cs typeface="Arial" panose="020B0604020202020204" pitchFamily="34" charset="0"/>
-              </a:rPr>
-              <a:t> </a:t>
-            </a:r>
-            <a:r>
-              <a:rPr lang="de-DE" sz="1400" dirty="0" err="1" smtClean="0">
-                <a:latin typeface="Arial" panose="020B0604020202020204" pitchFamily="34" charset="0"/>
-                <a:cs typeface="Arial" panose="020B0604020202020204" pitchFamily="34" charset="0"/>
-              </a:rPr>
-              <a:t>pairwise</a:t>
-            </a:r>
-            <a:r>
-              <a:rPr lang="de-DE" sz="1400" dirty="0" smtClean="0">
-                <a:latin typeface="Arial" panose="020B0604020202020204" pitchFamily="34" charset="0"/>
-                <a:cs typeface="Arial" panose="020B0604020202020204" pitchFamily="34" charset="0"/>
-              </a:rPr>
-              <a:t> </a:t>
-            </a:r>
-            <a:r>
-              <a:rPr lang="de-DE" sz="1400" dirty="0" err="1" smtClean="0">
-                <a:latin typeface="Arial" panose="020B0604020202020204" pitchFamily="34" charset="0"/>
-                <a:cs typeface="Arial" panose="020B0604020202020204" pitchFamily="34" charset="0"/>
-              </a:rPr>
-              <a:t>comparisons</a:t>
-            </a:r>
-            <a:endParaRPr lang="de-DE" sz="1400" dirty="0" smtClean="0">
-              <a:latin typeface="Arial" panose="020B0604020202020204" pitchFamily="34" charset="0"/>
-              <a:cs typeface="Arial" panose="020B0604020202020204" pitchFamily="34" charset="0"/>
-            </a:endParaRPr>
-          </a:p>
-          <a:p>
-            <a:r>
-              <a:rPr lang="de-DE" sz="1400" dirty="0" smtClean="0">
-                <a:latin typeface="Arial" panose="020B0604020202020204" pitchFamily="34" charset="0"/>
-                <a:cs typeface="Arial" panose="020B0604020202020204" pitchFamily="34" charset="0"/>
-              </a:rPr>
-              <a:t>- non-</a:t>
-            </a:r>
-            <a:r>
-              <a:rPr lang="de-DE" sz="1400" dirty="0" err="1" smtClean="0">
-                <a:latin typeface="Arial" panose="020B0604020202020204" pitchFamily="34" charset="0"/>
-                <a:cs typeface="Arial" panose="020B0604020202020204" pitchFamily="34" charset="0"/>
-              </a:rPr>
-              <a:t>significant</a:t>
-            </a:r>
-            <a:r>
-              <a:rPr lang="de-DE" sz="1400" dirty="0" smtClean="0">
-                <a:latin typeface="Arial" panose="020B0604020202020204" pitchFamily="34" charset="0"/>
-                <a:cs typeface="Arial" panose="020B0604020202020204" pitchFamily="34" charset="0"/>
-              </a:rPr>
-              <a:t> </a:t>
-            </a:r>
-            <a:r>
-              <a:rPr lang="de-DE" sz="1400" dirty="0" err="1" smtClean="0">
-                <a:latin typeface="Arial" panose="020B0604020202020204" pitchFamily="34" charset="0"/>
-                <a:cs typeface="Arial" panose="020B0604020202020204" pitchFamily="34" charset="0"/>
-              </a:rPr>
-              <a:t>results</a:t>
-            </a:r>
-            <a:r>
-              <a:rPr lang="de-DE" sz="1400" dirty="0" smtClean="0">
-                <a:latin typeface="Arial" panose="020B0604020202020204" pitchFamily="34" charset="0"/>
-                <a:cs typeface="Arial" panose="020B0604020202020204" pitchFamily="34" charset="0"/>
-              </a:rPr>
-              <a:t> not </a:t>
-            </a:r>
-            <a:r>
-              <a:rPr lang="de-DE" sz="1400" dirty="0" err="1" smtClean="0">
-                <a:latin typeface="Arial" panose="020B0604020202020204" pitchFamily="34" charset="0"/>
-                <a:cs typeface="Arial" panose="020B0604020202020204" pitchFamily="34" charset="0"/>
-              </a:rPr>
-              <a:t>shown</a:t>
-            </a:r>
-            <a:endParaRPr lang="en-GB" sz="1400" dirty="0">
-              <a:latin typeface="Arial" panose="020B0604020202020204" pitchFamily="34" charset="0"/>
-              <a:cs typeface="Arial" panose="020B0604020202020204" pitchFamily="34" charset="0"/>
-            </a:endParaRPr>
-          </a:p>
-        </p:txBody>
-      </p:sp>
     </p:spTree>
     <p:extLst>
       <p:ext uri="{BB962C8B-B14F-4D97-AF65-F5344CB8AC3E}">
@@ -3633,7 +4347,7 @@
           <p:nvPr/>
         </p:nvPicPr>
         <p:blipFill>
-          <a:blip r:embed="rId2" cstate="print">
+          <a:blip r:embed="rId3" cstate="print">
             <a:extLst>
               <a:ext uri="{28A0092B-C50C-407E-A947-70E740481C1C}">
                 <a14:useLocalDpi xmlns:a14="http://schemas.microsoft.com/office/drawing/2010/main" val="0"/>
@@ -3658,6 +4372,930 @@
     <p:extLst>
       <p:ext uri="{BB962C8B-B14F-4D97-AF65-F5344CB8AC3E}">
         <p14:creationId xmlns:p14="http://schemas.microsoft.com/office/powerpoint/2010/main" val="3892282687"/>
+      </p:ext>
+    </p:extLst>
+  </p:cSld>
+  <p:clrMapOvr>
+    <a:masterClrMapping/>
+  </p:clrMapOvr>
+</p:sld>
+</file>
+
+<file path=ppt/slides/slide3.xml><?xml version="1.0" encoding="utf-8"?>
+<p:sld xmlns:a="http://schemas.openxmlformats.org/drawingml/2006/main" xmlns:r="http://schemas.openxmlformats.org/officeDocument/2006/relationships" xmlns:p="http://schemas.openxmlformats.org/presentationml/2006/main">
+  <p:cSld>
+    <p:spTree>
+      <p:nvGrpSpPr>
+        <p:cNvPr id="1" name=""/>
+        <p:cNvGrpSpPr/>
+        <p:nvPr/>
+      </p:nvGrpSpPr>
+      <p:grpSpPr>
+        <a:xfrm>
+          <a:off x="0" y="0"/>
+          <a:ext cx="0" cy="0"/>
+          <a:chOff x="0" y="0"/>
+          <a:chExt cx="0" cy="0"/>
+        </a:xfrm>
+      </p:grpSpPr>
+      <p:pic>
+        <p:nvPicPr>
+          <p:cNvPr id="4" name="Grafik 3"/>
+          <p:cNvPicPr>
+            <a:picLocks noChangeAspect="1"/>
+          </p:cNvPicPr>
+          <p:nvPr/>
+        </p:nvPicPr>
+        <p:blipFill>
+          <a:blip r:embed="rId3" cstate="print">
+            <a:extLst>
+              <a:ext uri="{28A0092B-C50C-407E-A947-70E740481C1C}">
+                <a14:useLocalDpi xmlns:a14="http://schemas.microsoft.com/office/drawing/2010/main" val="0"/>
+              </a:ext>
+            </a:extLst>
+          </a:blip>
+          <a:stretch>
+            <a:fillRect/>
+          </a:stretch>
+        </p:blipFill>
+        <p:spPr>
+          <a:xfrm>
+            <a:off x="2238375" y="0"/>
+            <a:ext cx="7715250" cy="6858000"/>
+          </a:xfrm>
+          <a:prstGeom prst="rect">
+            <a:avLst/>
+          </a:prstGeom>
+        </p:spPr>
+      </p:pic>
+    </p:spTree>
+    <p:extLst>
+      <p:ext uri="{BB962C8B-B14F-4D97-AF65-F5344CB8AC3E}">
+        <p14:creationId xmlns:p14="http://schemas.microsoft.com/office/powerpoint/2010/main" val="1148976359"/>
+      </p:ext>
+    </p:extLst>
+  </p:cSld>
+  <p:clrMapOvr>
+    <a:masterClrMapping/>
+  </p:clrMapOvr>
+</p:sld>
+</file>
+
+<file path=ppt/slides/slide4.xml><?xml version="1.0" encoding="utf-8"?>
+<p:sld xmlns:a="http://schemas.openxmlformats.org/drawingml/2006/main" xmlns:r="http://schemas.openxmlformats.org/officeDocument/2006/relationships" xmlns:p="http://schemas.openxmlformats.org/presentationml/2006/main">
+  <p:cSld>
+    <p:spTree>
+      <p:nvGrpSpPr>
+        <p:cNvPr id="1" name=""/>
+        <p:cNvGrpSpPr/>
+        <p:nvPr/>
+      </p:nvGrpSpPr>
+      <p:grpSpPr>
+        <a:xfrm>
+          <a:off x="0" y="0"/>
+          <a:ext cx="0" cy="0"/>
+          <a:chOff x="0" y="0"/>
+          <a:chExt cx="0" cy="0"/>
+        </a:xfrm>
+      </p:grpSpPr>
+      <p:sp>
+        <p:nvSpPr>
+          <p:cNvPr id="4" name="Titel 1"/>
+          <p:cNvSpPr>
+            <a:spLocks noGrp="1"/>
+          </p:cNvSpPr>
+          <p:nvPr>
+            <p:ph type="title"/>
+          </p:nvPr>
+        </p:nvSpPr>
+        <p:spPr>
+          <a:xfrm>
+            <a:off x="826419" y="2676525"/>
+            <a:ext cx="10515600" cy="1325563"/>
+          </a:xfrm>
+        </p:spPr>
+        <p:txBody>
+          <a:bodyPr>
+            <a:normAutofit/>
+          </a:bodyPr>
+          <a:lstStyle/>
+          <a:p>
+            <a:pPr algn="ctr"/>
+            <a:r>
+              <a:rPr lang="de-DE" b="1" dirty="0" err="1" smtClean="0"/>
+              <a:t>NBM_mut</a:t>
+            </a:r>
+            <a:r>
+              <a:rPr lang="de-DE" b="1" dirty="0" smtClean="0"/>
+              <a:t> </a:t>
+            </a:r>
+            <a:r>
+              <a:rPr lang="de-DE" b="1" dirty="0" err="1" smtClean="0"/>
+              <a:t>vs</a:t>
+            </a:r>
+            <a:r>
+              <a:rPr lang="de-DE" b="1" dirty="0" smtClean="0"/>
+              <a:t> </a:t>
+            </a:r>
+            <a:r>
+              <a:rPr lang="de-DE" b="1" dirty="0" err="1" smtClean="0"/>
+              <a:t>control</a:t>
+            </a:r>
+            <a:r>
+              <a:rPr lang="de-DE" b="1" dirty="0" smtClean="0"/>
+              <a:t> (Fig.1)</a:t>
+            </a:r>
+            <a:endParaRPr lang="en-GB" b="1" dirty="0"/>
+          </a:p>
+        </p:txBody>
+      </p:sp>
+    </p:spTree>
+    <p:extLst>
+      <p:ext uri="{BB962C8B-B14F-4D97-AF65-F5344CB8AC3E}">
+        <p14:creationId xmlns:p14="http://schemas.microsoft.com/office/powerpoint/2010/main" val="318663543"/>
+      </p:ext>
+    </p:extLst>
+  </p:cSld>
+  <p:clrMapOvr>
+    <a:masterClrMapping/>
+  </p:clrMapOvr>
+</p:sld>
+</file>
+
+<file path=ppt/slides/slide5.xml><?xml version="1.0" encoding="utf-8"?>
+<p:sld xmlns:a="http://schemas.openxmlformats.org/drawingml/2006/main" xmlns:r="http://schemas.openxmlformats.org/officeDocument/2006/relationships" xmlns:p="http://schemas.openxmlformats.org/presentationml/2006/main">
+  <p:cSld>
+    <p:spTree>
+      <p:nvGrpSpPr>
+        <p:cNvPr id="1" name=""/>
+        <p:cNvGrpSpPr/>
+        <p:nvPr/>
+      </p:nvGrpSpPr>
+      <p:grpSpPr>
+        <a:xfrm>
+          <a:off x="0" y="0"/>
+          <a:ext cx="0" cy="0"/>
+          <a:chOff x="0" y="0"/>
+          <a:chExt cx="0" cy="0"/>
+        </a:xfrm>
+      </p:grpSpPr>
+      <p:grpSp>
+        <p:nvGrpSpPr>
+          <p:cNvPr id="59" name="Gruppieren 58"/>
+          <p:cNvGrpSpPr/>
+          <p:nvPr/>
+        </p:nvGrpSpPr>
+        <p:grpSpPr>
+          <a:xfrm>
+            <a:off x="1618294" y="110985"/>
+            <a:ext cx="8691286" cy="6584862"/>
+            <a:chOff x="1618294" y="110985"/>
+            <a:chExt cx="8691286" cy="6584862"/>
+          </a:xfrm>
+        </p:grpSpPr>
+        <p:grpSp>
+          <p:nvGrpSpPr>
+            <p:cNvPr id="56" name="Gruppieren 55"/>
+            <p:cNvGrpSpPr/>
+            <p:nvPr/>
+          </p:nvGrpSpPr>
+          <p:grpSpPr>
+            <a:xfrm>
+              <a:off x="1618294" y="110985"/>
+              <a:ext cx="8691286" cy="6584862"/>
+              <a:chOff x="1618294" y="110985"/>
+              <a:chExt cx="8691286" cy="6584862"/>
+            </a:xfrm>
+          </p:grpSpPr>
+          <p:pic>
+            <p:nvPicPr>
+              <p:cNvPr id="55" name="Grafik 54"/>
+              <p:cNvPicPr>
+                <a:picLocks noChangeAspect="1"/>
+              </p:cNvPicPr>
+              <p:nvPr/>
+            </p:nvPicPr>
+            <p:blipFill rotWithShape="1">
+              <a:blip r:embed="rId2" cstate="print">
+                <a:extLst>
+                  <a:ext uri="{28A0092B-C50C-407E-A947-70E740481C1C}">
+                    <a14:useLocalDpi xmlns:a14="http://schemas.microsoft.com/office/drawing/2010/main" val="0"/>
+                  </a:ext>
+                </a:extLst>
+              </a:blip>
+              <a:srcRect r="20487"/>
+              <a:stretch/>
+            </p:blipFill>
+            <p:spPr>
+              <a:xfrm>
+                <a:off x="2680113" y="110985"/>
+                <a:ext cx="7270688" cy="2743206"/>
+              </a:xfrm>
+              <a:prstGeom prst="rect">
+                <a:avLst/>
+              </a:prstGeom>
+            </p:spPr>
+          </p:pic>
+          <p:grpSp>
+            <p:nvGrpSpPr>
+              <p:cNvPr id="54" name="Gruppieren 53"/>
+              <p:cNvGrpSpPr/>
+              <p:nvPr/>
+            </p:nvGrpSpPr>
+            <p:grpSpPr>
+              <a:xfrm>
+                <a:off x="1618294" y="1715876"/>
+                <a:ext cx="8691286" cy="4979971"/>
+                <a:chOff x="1618294" y="1715876"/>
+                <a:chExt cx="8691286" cy="4979971"/>
+              </a:xfrm>
+            </p:grpSpPr>
+            <p:pic>
+              <p:nvPicPr>
+                <p:cNvPr id="32" name="Grafik 31"/>
+                <p:cNvPicPr>
+                  <a:picLocks noChangeAspect="1"/>
+                </p:cNvPicPr>
+                <p:nvPr/>
+              </p:nvPicPr>
+              <p:blipFill>
+                <a:blip r:embed="rId3" cstate="print">
+                  <a:extLst>
+                    <a:ext uri="{28A0092B-C50C-407E-A947-70E740481C1C}">
+                      <a14:useLocalDpi xmlns:a14="http://schemas.microsoft.com/office/drawing/2010/main" val="0"/>
+                    </a:ext>
+                  </a:extLst>
+                </a:blip>
+                <a:stretch>
+                  <a:fillRect/>
+                </a:stretch>
+              </p:blipFill>
+              <p:spPr>
+                <a:xfrm>
+                  <a:off x="2585046" y="3105361"/>
+                  <a:ext cx="7315215" cy="2743206"/>
+                </a:xfrm>
+                <a:prstGeom prst="rect">
+                  <a:avLst/>
+                </a:prstGeom>
+              </p:spPr>
+            </p:pic>
+            <p:sp>
+              <p:nvSpPr>
+                <p:cNvPr id="33" name="Textfeld 32"/>
+                <p:cNvSpPr txBox="1"/>
+                <p:nvPr/>
+              </p:nvSpPr>
+              <p:spPr>
+                <a:xfrm>
+                  <a:off x="4468174" y="5757127"/>
+                  <a:ext cx="903177" cy="938719"/>
+                </a:xfrm>
+                <a:prstGeom prst="rect">
+                  <a:avLst/>
+                </a:prstGeom>
+                <a:noFill/>
+              </p:spPr>
+              <p:txBody>
+                <a:bodyPr wrap="square" rtlCol="0">
+                  <a:spAutoFit/>
+                </a:bodyPr>
+                <a:lstStyle/>
+                <a:p>
+                  <a:r>
+                    <a:rPr lang="de-DE" sz="1100" dirty="0" smtClean="0">
+                      <a:latin typeface="Arial" panose="020B0604020202020204" pitchFamily="34" charset="0"/>
+                      <a:cs typeface="Arial" panose="020B0604020202020204" pitchFamily="34" charset="0"/>
+                    </a:rPr>
+                    <a:t>-     +     +</a:t>
+                  </a:r>
+                  <a:endParaRPr lang="de-DE" sz="1100" dirty="0" smtClean="0">
+                    <a:latin typeface="Arial" panose="020B0604020202020204" pitchFamily="34" charset="0"/>
+                    <a:cs typeface="Arial" panose="020B0604020202020204" pitchFamily="34" charset="0"/>
+                  </a:endParaRPr>
+                </a:p>
+                <a:p>
+                  <a:r>
+                    <a:rPr lang="de-DE" sz="1100" dirty="0" smtClean="0">
+                      <a:latin typeface="Arial" panose="020B0604020202020204" pitchFamily="34" charset="0"/>
+                      <a:cs typeface="Arial" panose="020B0604020202020204" pitchFamily="34" charset="0"/>
+                    </a:rPr>
+                    <a:t>-     -      +</a:t>
+                  </a:r>
+                  <a:endParaRPr lang="de-DE" sz="1100" dirty="0" smtClean="0">
+                    <a:latin typeface="Arial" panose="020B0604020202020204" pitchFamily="34" charset="0"/>
+                    <a:cs typeface="Arial" panose="020B0604020202020204" pitchFamily="34" charset="0"/>
+                  </a:endParaRPr>
+                </a:p>
+                <a:p>
+                  <a:r>
+                    <a:rPr lang="de-DE" sz="1100" dirty="0" smtClean="0">
+                      <a:latin typeface="Arial" panose="020B0604020202020204" pitchFamily="34" charset="0"/>
+                      <a:cs typeface="Arial" panose="020B0604020202020204" pitchFamily="34" charset="0"/>
+                    </a:rPr>
+                    <a:t>-     -      -</a:t>
+                  </a:r>
+                </a:p>
+                <a:p>
+                  <a:r>
+                    <a:rPr lang="de-DE" sz="1100" dirty="0" smtClean="0">
+                      <a:latin typeface="Arial" panose="020B0604020202020204" pitchFamily="34" charset="0"/>
+                      <a:cs typeface="Arial" panose="020B0604020202020204" pitchFamily="34" charset="0"/>
+                    </a:rPr>
+                    <a:t>-     +     +</a:t>
+                  </a:r>
+                  <a:endParaRPr lang="de-DE" sz="1100" dirty="0" smtClean="0">
+                    <a:latin typeface="Arial" panose="020B0604020202020204" pitchFamily="34" charset="0"/>
+                    <a:cs typeface="Arial" panose="020B0604020202020204" pitchFamily="34" charset="0"/>
+                  </a:endParaRPr>
+                </a:p>
+                <a:p>
+                  <a:r>
+                    <a:rPr lang="de-DE" sz="1100" dirty="0" smtClean="0">
+                      <a:latin typeface="Arial" panose="020B0604020202020204" pitchFamily="34" charset="0"/>
+                      <a:cs typeface="Arial" panose="020B0604020202020204" pitchFamily="34" charset="0"/>
+                    </a:rPr>
+                    <a:t>4    8     12     </a:t>
+                  </a:r>
+                  <a:endParaRPr lang="de-DE" sz="1100" dirty="0" smtClean="0">
+                    <a:latin typeface="Arial" panose="020B0604020202020204" pitchFamily="34" charset="0"/>
+                    <a:cs typeface="Arial" panose="020B0604020202020204" pitchFamily="34" charset="0"/>
+                  </a:endParaRPr>
+                </a:p>
+              </p:txBody>
+            </p:sp>
+            <p:sp>
+              <p:nvSpPr>
+                <p:cNvPr id="34" name="Textfeld 33"/>
+                <p:cNvSpPr txBox="1"/>
+                <p:nvPr/>
+              </p:nvSpPr>
+              <p:spPr>
+                <a:xfrm>
+                  <a:off x="5696899" y="5757127"/>
+                  <a:ext cx="903177" cy="938719"/>
+                </a:xfrm>
+                <a:prstGeom prst="rect">
+                  <a:avLst/>
+                </a:prstGeom>
+                <a:noFill/>
+              </p:spPr>
+              <p:txBody>
+                <a:bodyPr wrap="square" rtlCol="0">
+                  <a:spAutoFit/>
+                </a:bodyPr>
+                <a:lstStyle/>
+                <a:p>
+                  <a:r>
+                    <a:rPr lang="de-DE" sz="1100" dirty="0" smtClean="0">
+                      <a:latin typeface="Arial" panose="020B0604020202020204" pitchFamily="34" charset="0"/>
+                      <a:cs typeface="Arial" panose="020B0604020202020204" pitchFamily="34" charset="0"/>
+                    </a:rPr>
+                    <a:t>-     +     +</a:t>
+                  </a:r>
+                  <a:endParaRPr lang="de-DE" sz="1100" dirty="0" smtClean="0">
+                    <a:latin typeface="Arial" panose="020B0604020202020204" pitchFamily="34" charset="0"/>
+                    <a:cs typeface="Arial" panose="020B0604020202020204" pitchFamily="34" charset="0"/>
+                  </a:endParaRPr>
+                </a:p>
+                <a:p>
+                  <a:r>
+                    <a:rPr lang="de-DE" sz="1100" dirty="0" smtClean="0">
+                      <a:latin typeface="Arial" panose="020B0604020202020204" pitchFamily="34" charset="0"/>
+                      <a:cs typeface="Arial" panose="020B0604020202020204" pitchFamily="34" charset="0"/>
+                    </a:rPr>
+                    <a:t>-     -      +</a:t>
+                  </a:r>
+                  <a:endParaRPr lang="de-DE" sz="1100" dirty="0" smtClean="0">
+                    <a:latin typeface="Arial" panose="020B0604020202020204" pitchFamily="34" charset="0"/>
+                    <a:cs typeface="Arial" panose="020B0604020202020204" pitchFamily="34" charset="0"/>
+                  </a:endParaRPr>
+                </a:p>
+                <a:p>
+                  <a:r>
+                    <a:rPr lang="de-DE" sz="1100" dirty="0" smtClean="0">
+                      <a:latin typeface="Arial" panose="020B0604020202020204" pitchFamily="34" charset="0"/>
+                      <a:cs typeface="Arial" panose="020B0604020202020204" pitchFamily="34" charset="0"/>
+                    </a:rPr>
+                    <a:t>-     -      -</a:t>
+                  </a:r>
+                </a:p>
+                <a:p>
+                  <a:r>
+                    <a:rPr lang="de-DE" sz="1100" dirty="0" smtClean="0">
+                      <a:latin typeface="Arial" panose="020B0604020202020204" pitchFamily="34" charset="0"/>
+                      <a:cs typeface="Arial" panose="020B0604020202020204" pitchFamily="34" charset="0"/>
+                    </a:rPr>
+                    <a:t>-     +     +</a:t>
+                  </a:r>
+                  <a:endParaRPr lang="de-DE" sz="1100" dirty="0" smtClean="0">
+                    <a:latin typeface="Arial" panose="020B0604020202020204" pitchFamily="34" charset="0"/>
+                    <a:cs typeface="Arial" panose="020B0604020202020204" pitchFamily="34" charset="0"/>
+                  </a:endParaRPr>
+                </a:p>
+                <a:p>
+                  <a:r>
+                    <a:rPr lang="de-DE" sz="1100" dirty="0" smtClean="0">
+                      <a:latin typeface="Arial" panose="020B0604020202020204" pitchFamily="34" charset="0"/>
+                      <a:cs typeface="Arial" panose="020B0604020202020204" pitchFamily="34" charset="0"/>
+                    </a:rPr>
+                    <a:t>4    8     12     </a:t>
+                  </a:r>
+                  <a:endParaRPr lang="de-DE" sz="1100" dirty="0" smtClean="0">
+                    <a:latin typeface="Arial" panose="020B0604020202020204" pitchFamily="34" charset="0"/>
+                    <a:cs typeface="Arial" panose="020B0604020202020204" pitchFamily="34" charset="0"/>
+                  </a:endParaRPr>
+                </a:p>
+              </p:txBody>
+            </p:sp>
+            <p:sp>
+              <p:nvSpPr>
+                <p:cNvPr id="35" name="Textfeld 34"/>
+                <p:cNvSpPr txBox="1"/>
+                <p:nvPr/>
+              </p:nvSpPr>
+              <p:spPr>
+                <a:xfrm>
+                  <a:off x="6978753" y="5757127"/>
+                  <a:ext cx="903177" cy="938719"/>
+                </a:xfrm>
+                <a:prstGeom prst="rect">
+                  <a:avLst/>
+                </a:prstGeom>
+                <a:noFill/>
+              </p:spPr>
+              <p:txBody>
+                <a:bodyPr wrap="square" rtlCol="0">
+                  <a:spAutoFit/>
+                </a:bodyPr>
+                <a:lstStyle/>
+                <a:p>
+                  <a:r>
+                    <a:rPr lang="de-DE" sz="1100" dirty="0" smtClean="0">
+                      <a:latin typeface="Arial" panose="020B0604020202020204" pitchFamily="34" charset="0"/>
+                      <a:cs typeface="Arial" panose="020B0604020202020204" pitchFamily="34" charset="0"/>
+                    </a:rPr>
+                    <a:t>-     +     +</a:t>
+                  </a:r>
+                  <a:endParaRPr lang="de-DE" sz="1100" dirty="0" smtClean="0">
+                    <a:latin typeface="Arial" panose="020B0604020202020204" pitchFamily="34" charset="0"/>
+                    <a:cs typeface="Arial" panose="020B0604020202020204" pitchFamily="34" charset="0"/>
+                  </a:endParaRPr>
+                </a:p>
+                <a:p>
+                  <a:r>
+                    <a:rPr lang="de-DE" sz="1100" dirty="0" smtClean="0">
+                      <a:latin typeface="Arial" panose="020B0604020202020204" pitchFamily="34" charset="0"/>
+                      <a:cs typeface="Arial" panose="020B0604020202020204" pitchFamily="34" charset="0"/>
+                    </a:rPr>
+                    <a:t>-     -      +</a:t>
+                  </a:r>
+                  <a:endParaRPr lang="de-DE" sz="1100" dirty="0" smtClean="0">
+                    <a:latin typeface="Arial" panose="020B0604020202020204" pitchFamily="34" charset="0"/>
+                    <a:cs typeface="Arial" panose="020B0604020202020204" pitchFamily="34" charset="0"/>
+                  </a:endParaRPr>
+                </a:p>
+                <a:p>
+                  <a:r>
+                    <a:rPr lang="de-DE" sz="1100" dirty="0" smtClean="0">
+                      <a:latin typeface="Arial" panose="020B0604020202020204" pitchFamily="34" charset="0"/>
+                      <a:cs typeface="Arial" panose="020B0604020202020204" pitchFamily="34" charset="0"/>
+                    </a:rPr>
+                    <a:t>-     -      -</a:t>
+                  </a:r>
+                </a:p>
+                <a:p>
+                  <a:r>
+                    <a:rPr lang="de-DE" sz="1100" dirty="0" smtClean="0">
+                      <a:latin typeface="Arial" panose="020B0604020202020204" pitchFamily="34" charset="0"/>
+                      <a:cs typeface="Arial" panose="020B0604020202020204" pitchFamily="34" charset="0"/>
+                    </a:rPr>
+                    <a:t>-     +     +</a:t>
+                  </a:r>
+                  <a:endParaRPr lang="de-DE" sz="1100" dirty="0" smtClean="0">
+                    <a:latin typeface="Arial" panose="020B0604020202020204" pitchFamily="34" charset="0"/>
+                    <a:cs typeface="Arial" panose="020B0604020202020204" pitchFamily="34" charset="0"/>
+                  </a:endParaRPr>
+                </a:p>
+                <a:p>
+                  <a:r>
+                    <a:rPr lang="de-DE" sz="1100" dirty="0" smtClean="0">
+                      <a:latin typeface="Arial" panose="020B0604020202020204" pitchFamily="34" charset="0"/>
+                      <a:cs typeface="Arial" panose="020B0604020202020204" pitchFamily="34" charset="0"/>
+                    </a:rPr>
+                    <a:t>4    8     12     </a:t>
+                  </a:r>
+                  <a:endParaRPr lang="de-DE" sz="1100" dirty="0" smtClean="0">
+                    <a:latin typeface="Arial" panose="020B0604020202020204" pitchFamily="34" charset="0"/>
+                    <a:cs typeface="Arial" panose="020B0604020202020204" pitchFamily="34" charset="0"/>
+                  </a:endParaRPr>
+                </a:p>
+              </p:txBody>
+            </p:sp>
+            <p:sp>
+              <p:nvSpPr>
+                <p:cNvPr id="36" name="Textfeld 35"/>
+                <p:cNvSpPr txBox="1"/>
+                <p:nvPr/>
+              </p:nvSpPr>
+              <p:spPr>
+                <a:xfrm>
+                  <a:off x="8260607" y="5757126"/>
+                  <a:ext cx="903177" cy="938719"/>
+                </a:xfrm>
+                <a:prstGeom prst="rect">
+                  <a:avLst/>
+                </a:prstGeom>
+                <a:noFill/>
+              </p:spPr>
+              <p:txBody>
+                <a:bodyPr wrap="square" rtlCol="0">
+                  <a:spAutoFit/>
+                </a:bodyPr>
+                <a:lstStyle/>
+                <a:p>
+                  <a:r>
+                    <a:rPr lang="de-DE" sz="1100" dirty="0" smtClean="0">
+                      <a:latin typeface="Arial" panose="020B0604020202020204" pitchFamily="34" charset="0"/>
+                      <a:cs typeface="Arial" panose="020B0604020202020204" pitchFamily="34" charset="0"/>
+                    </a:rPr>
+                    <a:t>-     +     +</a:t>
+                  </a:r>
+                  <a:endParaRPr lang="de-DE" sz="1100" dirty="0" smtClean="0">
+                    <a:latin typeface="Arial" panose="020B0604020202020204" pitchFamily="34" charset="0"/>
+                    <a:cs typeface="Arial" panose="020B0604020202020204" pitchFamily="34" charset="0"/>
+                  </a:endParaRPr>
+                </a:p>
+                <a:p>
+                  <a:r>
+                    <a:rPr lang="de-DE" sz="1100" dirty="0" smtClean="0">
+                      <a:latin typeface="Arial" panose="020B0604020202020204" pitchFamily="34" charset="0"/>
+                      <a:cs typeface="Arial" panose="020B0604020202020204" pitchFamily="34" charset="0"/>
+                    </a:rPr>
+                    <a:t>-     -      +</a:t>
+                  </a:r>
+                  <a:endParaRPr lang="de-DE" sz="1100" dirty="0" smtClean="0">
+                    <a:latin typeface="Arial" panose="020B0604020202020204" pitchFamily="34" charset="0"/>
+                    <a:cs typeface="Arial" panose="020B0604020202020204" pitchFamily="34" charset="0"/>
+                  </a:endParaRPr>
+                </a:p>
+                <a:p>
+                  <a:r>
+                    <a:rPr lang="de-DE" sz="1100" dirty="0" smtClean="0">
+                      <a:latin typeface="Arial" panose="020B0604020202020204" pitchFamily="34" charset="0"/>
+                      <a:cs typeface="Arial" panose="020B0604020202020204" pitchFamily="34" charset="0"/>
+                    </a:rPr>
+                    <a:t>-     -      -</a:t>
+                  </a:r>
+                </a:p>
+                <a:p>
+                  <a:r>
+                    <a:rPr lang="de-DE" sz="1100" dirty="0" smtClean="0">
+                      <a:latin typeface="Arial" panose="020B0604020202020204" pitchFamily="34" charset="0"/>
+                      <a:cs typeface="Arial" panose="020B0604020202020204" pitchFamily="34" charset="0"/>
+                    </a:rPr>
+                    <a:t>-     +     +</a:t>
+                  </a:r>
+                  <a:endParaRPr lang="de-DE" sz="1100" dirty="0" smtClean="0">
+                    <a:latin typeface="Arial" panose="020B0604020202020204" pitchFamily="34" charset="0"/>
+                    <a:cs typeface="Arial" panose="020B0604020202020204" pitchFamily="34" charset="0"/>
+                  </a:endParaRPr>
+                </a:p>
+                <a:p>
+                  <a:r>
+                    <a:rPr lang="de-DE" sz="1100" dirty="0" smtClean="0">
+                      <a:latin typeface="Arial" panose="020B0604020202020204" pitchFamily="34" charset="0"/>
+                      <a:cs typeface="Arial" panose="020B0604020202020204" pitchFamily="34" charset="0"/>
+                    </a:rPr>
+                    <a:t>4    8     12     </a:t>
+                  </a:r>
+                  <a:endParaRPr lang="de-DE" sz="1100" dirty="0" smtClean="0">
+                    <a:latin typeface="Arial" panose="020B0604020202020204" pitchFamily="34" charset="0"/>
+                    <a:cs typeface="Arial" panose="020B0604020202020204" pitchFamily="34" charset="0"/>
+                  </a:endParaRPr>
+                </a:p>
+              </p:txBody>
+            </p:sp>
+            <p:pic>
+              <p:nvPicPr>
+                <p:cNvPr id="51" name="Grafik 50"/>
+                <p:cNvPicPr>
+                  <a:picLocks noChangeAspect="1"/>
+                </p:cNvPicPr>
+                <p:nvPr/>
+              </p:nvPicPr>
+              <p:blipFill rotWithShape="1">
+                <a:blip r:embed="rId4" cstate="print">
+                  <a:extLst>
+                    <a:ext uri="{28A0092B-C50C-407E-A947-70E740481C1C}">
+                      <a14:useLocalDpi xmlns:a14="http://schemas.microsoft.com/office/drawing/2010/main" val="0"/>
+                    </a:ext>
+                  </a:extLst>
+                </a:blip>
+                <a:srcRect l="79306" t="38054" b="31853"/>
+                <a:stretch/>
+              </p:blipFill>
+              <p:spPr>
+                <a:xfrm>
+                  <a:off x="8417276" y="1715876"/>
+                  <a:ext cx="1892304" cy="825501"/>
+                </a:xfrm>
+                <a:prstGeom prst="rect">
+                  <a:avLst/>
+                </a:prstGeom>
+              </p:spPr>
+            </p:pic>
+            <p:grpSp>
+              <p:nvGrpSpPr>
+                <p:cNvPr id="22" name="Gruppieren 21"/>
+                <p:cNvGrpSpPr/>
+                <p:nvPr/>
+              </p:nvGrpSpPr>
+              <p:grpSpPr>
+                <a:xfrm>
+                  <a:off x="1618294" y="5757126"/>
+                  <a:ext cx="2533857" cy="938721"/>
+                  <a:chOff x="944527" y="4579618"/>
+                  <a:chExt cx="2533857" cy="938721"/>
+                </a:xfrm>
+              </p:grpSpPr>
+              <p:sp>
+                <p:nvSpPr>
+                  <p:cNvPr id="9" name="Textfeld 8"/>
+                  <p:cNvSpPr txBox="1"/>
+                  <p:nvPr/>
+                </p:nvSpPr>
+                <p:spPr>
+                  <a:xfrm>
+                    <a:off x="2575207" y="4579620"/>
+                    <a:ext cx="903177" cy="938719"/>
+                  </a:xfrm>
+                  <a:prstGeom prst="rect">
+                    <a:avLst/>
+                  </a:prstGeom>
+                  <a:noFill/>
+                </p:spPr>
+                <p:txBody>
+                  <a:bodyPr wrap="square" rtlCol="0">
+                    <a:spAutoFit/>
+                  </a:bodyPr>
+                  <a:lstStyle/>
+                  <a:p>
+                    <a:r>
+                      <a:rPr lang="de-DE" sz="1100" dirty="0" smtClean="0">
+                        <a:latin typeface="Arial" panose="020B0604020202020204" pitchFamily="34" charset="0"/>
+                        <a:cs typeface="Arial" panose="020B0604020202020204" pitchFamily="34" charset="0"/>
+                      </a:rPr>
+                      <a:t>-     +     +</a:t>
+                    </a:r>
+                    <a:endParaRPr lang="de-DE" sz="1100" dirty="0" smtClean="0">
+                      <a:latin typeface="Arial" panose="020B0604020202020204" pitchFamily="34" charset="0"/>
+                      <a:cs typeface="Arial" panose="020B0604020202020204" pitchFamily="34" charset="0"/>
+                    </a:endParaRPr>
+                  </a:p>
+                  <a:p>
+                    <a:r>
+                      <a:rPr lang="de-DE" sz="1100" dirty="0" smtClean="0">
+                        <a:latin typeface="Arial" panose="020B0604020202020204" pitchFamily="34" charset="0"/>
+                        <a:cs typeface="Arial" panose="020B0604020202020204" pitchFamily="34" charset="0"/>
+                      </a:rPr>
+                      <a:t>-     -      +</a:t>
+                    </a:r>
+                    <a:endParaRPr lang="de-DE" sz="1100" dirty="0" smtClean="0">
+                      <a:latin typeface="Arial" panose="020B0604020202020204" pitchFamily="34" charset="0"/>
+                      <a:cs typeface="Arial" panose="020B0604020202020204" pitchFamily="34" charset="0"/>
+                    </a:endParaRPr>
+                  </a:p>
+                  <a:p>
+                    <a:r>
+                      <a:rPr lang="de-DE" sz="1100" dirty="0" smtClean="0">
+                        <a:latin typeface="Arial" panose="020B0604020202020204" pitchFamily="34" charset="0"/>
+                        <a:cs typeface="Arial" panose="020B0604020202020204" pitchFamily="34" charset="0"/>
+                      </a:rPr>
+                      <a:t>-     -      -</a:t>
+                    </a:r>
+                  </a:p>
+                  <a:p>
+                    <a:r>
+                      <a:rPr lang="de-DE" sz="1100" dirty="0" smtClean="0">
+                        <a:latin typeface="Arial" panose="020B0604020202020204" pitchFamily="34" charset="0"/>
+                        <a:cs typeface="Arial" panose="020B0604020202020204" pitchFamily="34" charset="0"/>
+                      </a:rPr>
+                      <a:t>-     +     +</a:t>
+                    </a:r>
+                    <a:endParaRPr lang="de-DE" sz="1100" dirty="0" smtClean="0">
+                      <a:latin typeface="Arial" panose="020B0604020202020204" pitchFamily="34" charset="0"/>
+                      <a:cs typeface="Arial" panose="020B0604020202020204" pitchFamily="34" charset="0"/>
+                    </a:endParaRPr>
+                  </a:p>
+                  <a:p>
+                    <a:r>
+                      <a:rPr lang="de-DE" sz="1100" dirty="0" smtClean="0">
+                        <a:latin typeface="Arial" panose="020B0604020202020204" pitchFamily="34" charset="0"/>
+                        <a:cs typeface="Arial" panose="020B0604020202020204" pitchFamily="34" charset="0"/>
+                      </a:rPr>
+                      <a:t>4    8     12     </a:t>
+                    </a:r>
+                    <a:endParaRPr lang="de-DE" sz="1100" dirty="0" smtClean="0">
+                      <a:latin typeface="Arial" panose="020B0604020202020204" pitchFamily="34" charset="0"/>
+                      <a:cs typeface="Arial" panose="020B0604020202020204" pitchFamily="34" charset="0"/>
+                    </a:endParaRPr>
+                  </a:p>
+                </p:txBody>
+              </p:sp>
+              <p:sp>
+                <p:nvSpPr>
+                  <p:cNvPr id="8" name="Textfeld 7"/>
+                  <p:cNvSpPr txBox="1"/>
+                  <p:nvPr/>
+                </p:nvSpPr>
+                <p:spPr>
+                  <a:xfrm>
+                    <a:off x="944527" y="4579618"/>
+                    <a:ext cx="1630680" cy="938719"/>
+                  </a:xfrm>
+                  <a:prstGeom prst="rect">
+                    <a:avLst/>
+                  </a:prstGeom>
+                  <a:noFill/>
+                </p:spPr>
+                <p:txBody>
+                  <a:bodyPr wrap="square" rtlCol="0">
+                    <a:spAutoFit/>
+                  </a:bodyPr>
+                  <a:lstStyle/>
+                  <a:p>
+                    <a:pPr algn="r"/>
+                    <a:r>
+                      <a:rPr lang="de-DE" sz="1100" b="1" dirty="0" smtClean="0">
+                        <a:latin typeface="Arial" panose="020B0604020202020204" pitchFamily="34" charset="0"/>
+                        <a:cs typeface="Arial" panose="020B0604020202020204" pitchFamily="34" charset="0"/>
+                      </a:rPr>
+                      <a:t>BRAF</a:t>
+                    </a:r>
+                    <a:r>
+                      <a:rPr lang="en-GB" sz="1100" b="1" baseline="30000" dirty="0" smtClean="0">
+                        <a:latin typeface="Arial" panose="020B0604020202020204" pitchFamily="34" charset="0"/>
+                        <a:cs typeface="Arial" panose="020B0604020202020204" pitchFamily="34" charset="0"/>
+                      </a:rPr>
+                      <a:t>V600 </a:t>
+                    </a:r>
+                    <a:r>
+                      <a:rPr lang="en-GB" sz="1100" b="1" dirty="0" smtClean="0">
+                        <a:latin typeface="Arial" panose="020B0604020202020204" pitchFamily="34" charset="0"/>
+                        <a:cs typeface="Arial" panose="020B0604020202020204" pitchFamily="34" charset="0"/>
+                      </a:rPr>
+                      <a:t> Mutation</a:t>
+                    </a:r>
+                  </a:p>
+                  <a:p>
+                    <a:pPr algn="r"/>
+                    <a:r>
+                      <a:rPr lang="de-DE" sz="1100" b="1" dirty="0" smtClean="0">
+                        <a:latin typeface="Arial" panose="020B0604020202020204" pitchFamily="34" charset="0"/>
+                        <a:cs typeface="Arial" panose="020B0604020202020204" pitchFamily="34" charset="0"/>
+                      </a:rPr>
+                      <a:t>BRAF/MEK </a:t>
+                    </a:r>
+                    <a:r>
+                      <a:rPr lang="de-DE" sz="1100" b="1" dirty="0" smtClean="0">
+                        <a:latin typeface="Arial" panose="020B0604020202020204" pitchFamily="34" charset="0"/>
+                        <a:cs typeface="Arial" panose="020B0604020202020204" pitchFamily="34" charset="0"/>
+                      </a:rPr>
+                      <a:t>Inhibitor</a:t>
+                    </a:r>
+                  </a:p>
+                  <a:p>
+                    <a:pPr algn="r"/>
+                    <a:r>
+                      <a:rPr lang="de-DE" sz="1100" b="1" dirty="0" smtClean="0">
+                        <a:latin typeface="Arial" panose="020B0604020202020204" pitchFamily="34" charset="0"/>
+                        <a:cs typeface="Arial" panose="020B0604020202020204" pitchFamily="34" charset="0"/>
+                      </a:rPr>
+                      <a:t>Brain </a:t>
+                    </a:r>
+                    <a:r>
+                      <a:rPr lang="de-DE" sz="1100" b="1" dirty="0" err="1" smtClean="0">
+                        <a:latin typeface="Arial" panose="020B0604020202020204" pitchFamily="34" charset="0"/>
+                        <a:cs typeface="Arial" panose="020B0604020202020204" pitchFamily="34" charset="0"/>
+                      </a:rPr>
+                      <a:t>metastasis</a:t>
+                    </a:r>
+                    <a:endParaRPr lang="de-DE" sz="1100" b="1" dirty="0" smtClean="0">
+                      <a:latin typeface="Arial" panose="020B0604020202020204" pitchFamily="34" charset="0"/>
+                      <a:cs typeface="Arial" panose="020B0604020202020204" pitchFamily="34" charset="0"/>
+                    </a:endParaRPr>
+                  </a:p>
+                  <a:p>
+                    <a:pPr algn="r"/>
+                    <a:r>
+                      <a:rPr lang="de-DE" sz="1100" b="1" dirty="0" err="1" smtClean="0">
+                        <a:latin typeface="Arial" panose="020B0604020202020204" pitchFamily="34" charset="0"/>
+                        <a:cs typeface="Arial" panose="020B0604020202020204" pitchFamily="34" charset="0"/>
+                      </a:rPr>
+                      <a:t>Melanoma</a:t>
+                    </a:r>
+                    <a:endParaRPr lang="de-DE" sz="1100" b="1" dirty="0" smtClean="0">
+                      <a:latin typeface="Arial" panose="020B0604020202020204" pitchFamily="34" charset="0"/>
+                      <a:cs typeface="Arial" panose="020B0604020202020204" pitchFamily="34" charset="0"/>
+                    </a:endParaRPr>
+                  </a:p>
+                  <a:p>
+                    <a:pPr algn="r"/>
+                    <a:r>
+                      <a:rPr lang="de-DE" sz="1100" b="1" dirty="0">
+                        <a:latin typeface="Arial" panose="020B0604020202020204" pitchFamily="34" charset="0"/>
+                        <a:cs typeface="Arial" panose="020B0604020202020204" pitchFamily="34" charset="0"/>
+                      </a:rPr>
+                      <a:t>n</a:t>
+                    </a:r>
+                    <a:endParaRPr lang="de-DE" sz="1100" b="1" dirty="0" smtClean="0">
+                      <a:latin typeface="Arial" panose="020B0604020202020204" pitchFamily="34" charset="0"/>
+                      <a:cs typeface="Arial" panose="020B0604020202020204" pitchFamily="34" charset="0"/>
+                    </a:endParaRPr>
+                  </a:p>
+                </p:txBody>
+              </p:sp>
+            </p:grpSp>
+          </p:grpSp>
+        </p:grpSp>
+        <p:sp>
+          <p:nvSpPr>
+            <p:cNvPr id="57" name="Textfeld 56"/>
+            <p:cNvSpPr txBox="1"/>
+            <p:nvPr/>
+          </p:nvSpPr>
+          <p:spPr>
+            <a:xfrm>
+              <a:off x="1848007" y="297951"/>
+              <a:ext cx="585627" cy="369332"/>
+            </a:xfrm>
+            <a:prstGeom prst="rect">
+              <a:avLst/>
+            </a:prstGeom>
+            <a:noFill/>
+          </p:spPr>
+          <p:txBody>
+            <a:bodyPr wrap="square" rtlCol="0">
+              <a:spAutoFit/>
+            </a:bodyPr>
+            <a:lstStyle/>
+            <a:p>
+              <a:r>
+                <a:rPr lang="de-DE" b="1" dirty="0" smtClean="0">
+                  <a:latin typeface="Arial" panose="020B0604020202020204" pitchFamily="34" charset="0"/>
+                  <a:cs typeface="Arial" panose="020B0604020202020204" pitchFamily="34" charset="0"/>
+                </a:rPr>
+                <a:t>A</a:t>
+              </a:r>
+              <a:endParaRPr lang="en-GB" b="1" dirty="0">
+                <a:latin typeface="Arial" panose="020B0604020202020204" pitchFamily="34" charset="0"/>
+                <a:cs typeface="Arial" panose="020B0604020202020204" pitchFamily="34" charset="0"/>
+              </a:endParaRPr>
+            </a:p>
+          </p:txBody>
+        </p:sp>
+        <p:sp>
+          <p:nvSpPr>
+            <p:cNvPr id="58" name="Textfeld 57"/>
+            <p:cNvSpPr txBox="1"/>
+            <p:nvPr/>
+          </p:nvSpPr>
+          <p:spPr>
+            <a:xfrm>
+              <a:off x="1848006" y="3027538"/>
+              <a:ext cx="585627" cy="369332"/>
+            </a:xfrm>
+            <a:prstGeom prst="rect">
+              <a:avLst/>
+            </a:prstGeom>
+            <a:noFill/>
+          </p:spPr>
+          <p:txBody>
+            <a:bodyPr wrap="square" rtlCol="0">
+              <a:spAutoFit/>
+            </a:bodyPr>
+            <a:lstStyle/>
+            <a:p>
+              <a:r>
+                <a:rPr lang="de-DE" b="1" dirty="0" smtClean="0">
+                  <a:latin typeface="Arial" panose="020B0604020202020204" pitchFamily="34" charset="0"/>
+                  <a:cs typeface="Arial" panose="020B0604020202020204" pitchFamily="34" charset="0"/>
+                </a:rPr>
+                <a:t>B</a:t>
+              </a:r>
+              <a:endParaRPr lang="en-GB" b="1" dirty="0">
+                <a:latin typeface="Arial" panose="020B0604020202020204" pitchFamily="34" charset="0"/>
+                <a:cs typeface="Arial" panose="020B0604020202020204" pitchFamily="34" charset="0"/>
+              </a:endParaRPr>
+            </a:p>
+          </p:txBody>
+        </p:sp>
+      </p:grpSp>
+    </p:spTree>
+    <p:extLst>
+      <p:ext uri="{BB962C8B-B14F-4D97-AF65-F5344CB8AC3E}">
+        <p14:creationId xmlns:p14="http://schemas.microsoft.com/office/powerpoint/2010/main" val="545406245"/>
       </p:ext>
     </p:extLst>
   </p:cSld>
@@ -3926,4 +5564,265 @@
     </a:ext>
   </a:extLst>
 </a:theme>
+</file>
+
+<file path=ppt/theme/theme2.xml><?xml version="1.0" encoding="utf-8"?>
+<a:theme xmlns:a="http://schemas.openxmlformats.org/drawingml/2006/main" name="Office">
+  <a:themeElements>
+    <a:clrScheme name="Office">
+      <a:dk1>
+        <a:sysClr val="windowText" lastClr="000000"/>
+      </a:dk1>
+      <a:lt1>
+        <a:sysClr val="window" lastClr="FFFFFF"/>
+      </a:lt1>
+      <a:dk2>
+        <a:srgbClr val="44546A"/>
+      </a:dk2>
+      <a:lt2>
+        <a:srgbClr val="E7E6E6"/>
+      </a:lt2>
+      <a:accent1>
+        <a:srgbClr val="5B9BD5"/>
+      </a:accent1>
+      <a:accent2>
+        <a:srgbClr val="ED7D31"/>
+      </a:accent2>
+      <a:accent3>
+        <a:srgbClr val="A5A5A5"/>
+      </a:accent3>
+      <a:accent4>
+        <a:srgbClr val="FFC000"/>
+      </a:accent4>
+      <a:accent5>
+        <a:srgbClr val="4472C4"/>
+      </a:accent5>
+      <a:accent6>
+        <a:srgbClr val="70AD47"/>
+      </a:accent6>
+      <a:hlink>
+        <a:srgbClr val="0563C1"/>
+      </a:hlink>
+      <a:folHlink>
+        <a:srgbClr val="954F72"/>
+      </a:folHlink>
+    </a:clrScheme>
+    <a:fontScheme name="Office">
+      <a:majorFont>
+        <a:latin typeface="Calibri Light" panose="020F0302020204030204"/>
+        <a:ea typeface=""/>
+        <a:cs typeface=""/>
+        <a:font script="Jpan" typeface="游ゴシック Light"/>
+        <a:font script="Hang" typeface="맑은 고딕"/>
+        <a:font script="Hans" typeface="等线 Light"/>
+        <a:font script="Hant" typeface="新細明體"/>
+        <a:font script="Arab" typeface="Times New Roman"/>
+        <a:font script="Hebr" typeface="Times New Roman"/>
+        <a:font script="Thai" typeface="Angsana New"/>
+        <a:font script="Ethi" typeface="Nyala"/>
+        <a:font script="Beng" typeface="Vrinda"/>
+        <a:font script="Gujr" typeface="Shruti"/>
+        <a:font script="Khmr" typeface="MoolBoran"/>
+        <a:font script="Knda" typeface="Tunga"/>
+        <a:font script="Guru" typeface="Raavi"/>
+        <a:font script="Cans" typeface="Euphemia"/>
+        <a:font script="Cher" typeface="Plantagenet Cherokee"/>
+        <a:font script="Yiii" typeface="Microsoft Yi Baiti"/>
+        <a:font script="Tibt" typeface="Microsoft Himalaya"/>
+        <a:font script="Thaa" typeface="MV Boli"/>
+        <a:font script="Deva" typeface="Mangal"/>
+        <a:font script="Telu" typeface="Gautami"/>
+        <a:font script="Taml" typeface="Latha"/>
+        <a:font script="Syrc" typeface="Estrangelo Edessa"/>
+        <a:font script="Orya" typeface="Kalinga"/>
+        <a:font script="Mlym" typeface="Kartika"/>
+        <a:font script="Laoo" typeface="DokChampa"/>
+        <a:font script="Sinh" typeface="Iskoola Pota"/>
+        <a:font script="Mong" typeface="Mongolian Baiti"/>
+        <a:font script="Viet" typeface="Times New Roman"/>
+        <a:font script="Uigh" typeface="Microsoft Uighur"/>
+        <a:font script="Geor" typeface="Sylfaen"/>
+      </a:majorFont>
+      <a:minorFont>
+        <a:latin typeface="Calibri" panose="020F0502020204030204"/>
+        <a:ea typeface=""/>
+        <a:cs typeface=""/>
+        <a:font script="Jpan" typeface="游ゴシック"/>
+        <a:font script="Hang" typeface="맑은 고딕"/>
+        <a:font script="Hans" typeface="等线"/>
+        <a:font script="Hant" typeface="新細明體"/>
+        <a:font script="Arab" typeface="Arial"/>
+        <a:font script="Hebr" typeface="Arial"/>
+        <a:font script="Thai" typeface="Cordia New"/>
+        <a:font script="Ethi" typeface="Nyala"/>
+        <a:font script="Beng" typeface="Vrinda"/>
+        <a:font script="Gujr" typeface="Shruti"/>
+        <a:font script="Khmr" typeface="DaunPenh"/>
+        <a:font script="Knda" typeface="Tunga"/>
+        <a:font script="Guru" typeface="Raavi"/>
+        <a:font script="Cans" typeface="Euphemia"/>
+        <a:font script="Cher" typeface="Plantagenet Cherokee"/>
+        <a:font script="Yiii" typeface="Microsoft Yi Baiti"/>
+        <a:font script="Tibt" typeface="Microsoft Himalaya"/>
+        <a:font script="Thaa" typeface="MV Boli"/>
+        <a:font script="Deva" typeface="Mangal"/>
+        <a:font script="Telu" typeface="Gautami"/>
+        <a:font script="Taml" typeface="Latha"/>
+        <a:font script="Syrc" typeface="Estrangelo Edessa"/>
+        <a:font script="Orya" typeface="Kalinga"/>
+        <a:font script="Mlym" typeface="Kartika"/>
+        <a:font script="Laoo" typeface="DokChampa"/>
+        <a:font script="Sinh" typeface="Iskoola Pota"/>
+        <a:font script="Mong" typeface="Mongolian Baiti"/>
+        <a:font script="Viet" typeface="Arial"/>
+        <a:font script="Uigh" typeface="Microsoft Uighur"/>
+        <a:font script="Geor" typeface="Sylfaen"/>
+      </a:minorFont>
+    </a:fontScheme>
+    <a:fmtScheme name="Office">
+      <a:fillStyleLst>
+        <a:solidFill>
+          <a:schemeClr val="phClr"/>
+        </a:solidFill>
+        <a:gradFill rotWithShape="1">
+          <a:gsLst>
+            <a:gs pos="0">
+              <a:schemeClr val="phClr">
+                <a:lumMod val="110000"/>
+                <a:satMod val="105000"/>
+                <a:tint val="67000"/>
+              </a:schemeClr>
+            </a:gs>
+            <a:gs pos="50000">
+              <a:schemeClr val="phClr">
+                <a:lumMod val="105000"/>
+                <a:satMod val="103000"/>
+                <a:tint val="73000"/>
+              </a:schemeClr>
+            </a:gs>
+            <a:gs pos="100000">
+              <a:schemeClr val="phClr">
+                <a:lumMod val="105000"/>
+                <a:satMod val="109000"/>
+                <a:tint val="81000"/>
+              </a:schemeClr>
+            </a:gs>
+          </a:gsLst>
+          <a:lin ang="5400000" scaled="0"/>
+        </a:gradFill>
+        <a:gradFill rotWithShape="1">
+          <a:gsLst>
+            <a:gs pos="0">
+              <a:schemeClr val="phClr">
+                <a:satMod val="103000"/>
+                <a:lumMod val="102000"/>
+                <a:tint val="94000"/>
+              </a:schemeClr>
+            </a:gs>
+            <a:gs pos="50000">
+              <a:schemeClr val="phClr">
+                <a:satMod val="110000"/>
+                <a:lumMod val="100000"/>
+                <a:shade val="100000"/>
+              </a:schemeClr>
+            </a:gs>
+            <a:gs pos="100000">
+              <a:schemeClr val="phClr">
+                <a:lumMod val="99000"/>
+                <a:satMod val="120000"/>
+                <a:shade val="78000"/>
+              </a:schemeClr>
+            </a:gs>
+          </a:gsLst>
+          <a:lin ang="5400000" scaled="0"/>
+        </a:gradFill>
+      </a:fillStyleLst>
+      <a:lnStyleLst>
+        <a:ln w="6350" cap="flat" cmpd="sng" algn="ctr">
+          <a:solidFill>
+            <a:schemeClr val="phClr"/>
+          </a:solidFill>
+          <a:prstDash val="solid"/>
+          <a:miter lim="800000"/>
+        </a:ln>
+        <a:ln w="12700" cap="flat" cmpd="sng" algn="ctr">
+          <a:solidFill>
+            <a:schemeClr val="phClr"/>
+          </a:solidFill>
+          <a:prstDash val="solid"/>
+          <a:miter lim="800000"/>
+        </a:ln>
+        <a:ln w="19050" cap="flat" cmpd="sng" algn="ctr">
+          <a:solidFill>
+            <a:schemeClr val="phClr"/>
+          </a:solidFill>
+          <a:prstDash val="solid"/>
+          <a:miter lim="800000"/>
+        </a:ln>
+      </a:lnStyleLst>
+      <a:effectStyleLst>
+        <a:effectStyle>
+          <a:effectLst/>
+        </a:effectStyle>
+        <a:effectStyle>
+          <a:effectLst/>
+        </a:effectStyle>
+        <a:effectStyle>
+          <a:effectLst>
+            <a:outerShdw blurRad="57150" dist="19050" dir="5400000" algn="ctr" rotWithShape="0">
+              <a:srgbClr val="000000">
+                <a:alpha val="63000"/>
+              </a:srgbClr>
+            </a:outerShdw>
+          </a:effectLst>
+        </a:effectStyle>
+      </a:effectStyleLst>
+      <a:bgFillStyleLst>
+        <a:solidFill>
+          <a:schemeClr val="phClr"/>
+        </a:solidFill>
+        <a:solidFill>
+          <a:schemeClr val="phClr">
+            <a:tint val="95000"/>
+            <a:satMod val="170000"/>
+          </a:schemeClr>
+        </a:solidFill>
+        <a:gradFill rotWithShape="1">
+          <a:gsLst>
+            <a:gs pos="0">
+              <a:schemeClr val="phClr">
+                <a:tint val="93000"/>
+                <a:satMod val="150000"/>
+                <a:shade val="98000"/>
+                <a:lumMod val="102000"/>
+              </a:schemeClr>
+            </a:gs>
+            <a:gs pos="50000">
+              <a:schemeClr val="phClr">
+                <a:tint val="98000"/>
+                <a:satMod val="130000"/>
+                <a:shade val="90000"/>
+                <a:lumMod val="103000"/>
+              </a:schemeClr>
+            </a:gs>
+            <a:gs pos="100000">
+              <a:schemeClr val="phClr">
+                <a:shade val="63000"/>
+                <a:satMod val="120000"/>
+              </a:schemeClr>
+            </a:gs>
+          </a:gsLst>
+          <a:lin ang="5400000" scaled="0"/>
+        </a:gradFill>
+      </a:bgFillStyleLst>
+    </a:fmtScheme>
+  </a:themeElements>
+  <a:objectDefaults/>
+  <a:extraClrSchemeLst/>
+  <a:extLst>
+    <a:ext uri="{05A4C25C-085E-4340-85A3-A5531E510DB2}">
+      <thm15:themeFamily xmlns:thm15="http://schemas.microsoft.com/office/thememl/2012/main" name="Office Theme" id="{62F939B6-93AF-4DB8-9C6B-D6C7DFDC589F}" vid="{4A3C46E8-61CC-4603-A589-7422A47A8E4A}"/>
+    </a:ext>
+  </a:extLst>
+</a:theme>
 </file>
--- a/Results/BRAF_therapy_Leonie.pptx
+++ b/Results/BRAF_therapy_Leonie.pptx
@@ -5,14 +5,28 @@
     <p:sldMasterId id="2147483648" r:id="rId1"/>
   </p:sldMasterIdLst>
   <p:notesMasterIdLst>
-    <p:notesMasterId r:id="rId7"/>
+    <p:notesMasterId r:id="rId21"/>
   </p:notesMasterIdLst>
   <p:sldIdLst>
-    <p:sldId id="256" r:id="rId2"/>
-    <p:sldId id="257" r:id="rId3"/>
-    <p:sldId id="258" r:id="rId4"/>
-    <p:sldId id="261" r:id="rId5"/>
-    <p:sldId id="259" r:id="rId6"/>
+    <p:sldId id="269" r:id="rId2"/>
+    <p:sldId id="272" r:id="rId3"/>
+    <p:sldId id="266" r:id="rId4"/>
+    <p:sldId id="256" r:id="rId5"/>
+    <p:sldId id="257" r:id="rId6"/>
+    <p:sldId id="258" r:id="rId7"/>
+    <p:sldId id="275" r:id="rId8"/>
+    <p:sldId id="273" r:id="rId9"/>
+    <p:sldId id="261" r:id="rId10"/>
+    <p:sldId id="259" r:id="rId11"/>
+    <p:sldId id="262" r:id="rId12"/>
+    <p:sldId id="263" r:id="rId13"/>
+    <p:sldId id="264" r:id="rId14"/>
+    <p:sldId id="265" r:id="rId15"/>
+    <p:sldId id="267" r:id="rId16"/>
+    <p:sldId id="268" r:id="rId17"/>
+    <p:sldId id="270" r:id="rId18"/>
+    <p:sldId id="271" r:id="rId19"/>
+    <p:sldId id="274" r:id="rId20"/>
   </p:sldIdLst>
   <p:sldSz cx="12192000" cy="6858000"/>
   <p:notesSz cx="6858000" cy="9144000"/>
@@ -201,7 +215,7 @@
           <a:p>
             <a:fld id="{8CFC0820-D7F4-4E10-B570-173F25FBA0FC}" type="datetimeFigureOut">
               <a:rPr lang="en-GB" smtClean="0"/>
-              <a:t>22/03/2021</a:t>
+              <a:t>23/03/2021</a:t>
             </a:fld>
             <a:endParaRPr lang="en-GB"/>
           </a:p>
@@ -622,7 +636,7 @@
           <a:p>
             <a:fld id="{923E4FCC-E176-4FC4-B8DA-44658CEEFA72}" type="slidenum">
               <a:rPr lang="en-GB" smtClean="0"/>
-              <a:t>1</a:t>
+              <a:t>4</a:t>
             </a:fld>
             <a:endParaRPr lang="en-GB"/>
           </a:p>
@@ -730,7 +744,7 @@
           <a:p>
             <a:fld id="{923E4FCC-E176-4FC4-B8DA-44658CEEFA72}" type="slidenum">
               <a:rPr lang="en-GB" smtClean="0"/>
-              <a:t>2</a:t>
+              <a:t>5</a:t>
             </a:fld>
             <a:endParaRPr lang="en-GB"/>
           </a:p>
@@ -870,7 +884,7 @@
           <a:p>
             <a:fld id="{923E4FCC-E176-4FC4-B8DA-44658CEEFA72}" type="slidenum">
               <a:rPr lang="en-GB" smtClean="0"/>
-              <a:t>3</a:t>
+              <a:t>6</a:t>
             </a:fld>
             <a:endParaRPr lang="en-GB"/>
           </a:p>
@@ -1020,7 +1034,7 @@
           <a:p>
             <a:fld id="{BFF39079-B583-4089-A99F-7AE38BC197FF}" type="datetimeFigureOut">
               <a:rPr lang="en-GB" smtClean="0"/>
-              <a:t>22/03/2021</a:t>
+              <a:t>23/03/2021</a:t>
             </a:fld>
             <a:endParaRPr lang="en-GB"/>
           </a:p>
@@ -1190,7 +1204,7 @@
           <a:p>
             <a:fld id="{BFF39079-B583-4089-A99F-7AE38BC197FF}" type="datetimeFigureOut">
               <a:rPr lang="en-GB" smtClean="0"/>
-              <a:t>22/03/2021</a:t>
+              <a:t>23/03/2021</a:t>
             </a:fld>
             <a:endParaRPr lang="en-GB"/>
           </a:p>
@@ -1370,7 +1384,7 @@
           <a:p>
             <a:fld id="{BFF39079-B583-4089-A99F-7AE38BC197FF}" type="datetimeFigureOut">
               <a:rPr lang="en-GB" smtClean="0"/>
-              <a:t>22/03/2021</a:t>
+              <a:t>23/03/2021</a:t>
             </a:fld>
             <a:endParaRPr lang="en-GB"/>
           </a:p>
@@ -1540,7 +1554,7 @@
           <a:p>
             <a:fld id="{BFF39079-B583-4089-A99F-7AE38BC197FF}" type="datetimeFigureOut">
               <a:rPr lang="en-GB" smtClean="0"/>
-              <a:t>22/03/2021</a:t>
+              <a:t>23/03/2021</a:t>
             </a:fld>
             <a:endParaRPr lang="en-GB"/>
           </a:p>
@@ -1786,7 +1800,7 @@
           <a:p>
             <a:fld id="{BFF39079-B583-4089-A99F-7AE38BC197FF}" type="datetimeFigureOut">
               <a:rPr lang="en-GB" smtClean="0"/>
-              <a:t>22/03/2021</a:t>
+              <a:t>23/03/2021</a:t>
             </a:fld>
             <a:endParaRPr lang="en-GB"/>
           </a:p>
@@ -2018,7 +2032,7 @@
           <a:p>
             <a:fld id="{BFF39079-B583-4089-A99F-7AE38BC197FF}" type="datetimeFigureOut">
               <a:rPr lang="en-GB" smtClean="0"/>
-              <a:t>22/03/2021</a:t>
+              <a:t>23/03/2021</a:t>
             </a:fld>
             <a:endParaRPr lang="en-GB"/>
           </a:p>
@@ -2385,7 +2399,7 @@
           <a:p>
             <a:fld id="{BFF39079-B583-4089-A99F-7AE38BC197FF}" type="datetimeFigureOut">
               <a:rPr lang="en-GB" smtClean="0"/>
-              <a:t>22/03/2021</a:t>
+              <a:t>23/03/2021</a:t>
             </a:fld>
             <a:endParaRPr lang="en-GB"/>
           </a:p>
@@ -2503,7 +2517,7 @@
           <a:p>
             <a:fld id="{BFF39079-B583-4089-A99F-7AE38BC197FF}" type="datetimeFigureOut">
               <a:rPr lang="en-GB" smtClean="0"/>
-              <a:t>22/03/2021</a:t>
+              <a:t>23/03/2021</a:t>
             </a:fld>
             <a:endParaRPr lang="en-GB"/>
           </a:p>
@@ -2598,7 +2612,7 @@
           <a:p>
             <a:fld id="{BFF39079-B583-4089-A99F-7AE38BC197FF}" type="datetimeFigureOut">
               <a:rPr lang="en-GB" smtClean="0"/>
-              <a:t>22/03/2021</a:t>
+              <a:t>23/03/2021</a:t>
             </a:fld>
             <a:endParaRPr lang="en-GB"/>
           </a:p>
@@ -2875,7 +2889,7 @@
           <a:p>
             <a:fld id="{BFF39079-B583-4089-A99F-7AE38BC197FF}" type="datetimeFigureOut">
               <a:rPr lang="en-GB" smtClean="0"/>
-              <a:t>22/03/2021</a:t>
+              <a:t>23/03/2021</a:t>
             </a:fld>
             <a:endParaRPr lang="en-GB"/>
           </a:p>
@@ -3128,7 +3142,7 @@
           <a:p>
             <a:fld id="{BFF39079-B583-4089-A99F-7AE38BC197FF}" type="datetimeFigureOut">
               <a:rPr lang="en-GB" smtClean="0"/>
-              <a:t>22/03/2021</a:t>
+              <a:t>23/03/2021</a:t>
             </a:fld>
             <a:endParaRPr lang="en-GB"/>
           </a:p>
@@ -3341,7 +3355,7 @@
           <a:p>
             <a:fld id="{BFF39079-B583-4089-A99F-7AE38BC197FF}" type="datetimeFigureOut">
               <a:rPr lang="en-GB" smtClean="0"/>
-              <a:t>22/03/2021</a:t>
+              <a:t>23/03/2021</a:t>
             </a:fld>
             <a:endParaRPr lang="en-GB"/>
           </a:p>
@@ -3748,6 +3762,2732 @@
       </p:grpSpPr>
       <p:sp>
         <p:nvSpPr>
+          <p:cNvPr id="3" name="Inhaltsplatzhalter 2"/>
+          <p:cNvSpPr>
+            <a:spLocks noGrp="1"/>
+          </p:cNvSpPr>
+          <p:nvPr>
+            <p:ph idx="1"/>
+          </p:nvPr>
+        </p:nvSpPr>
+        <p:spPr>
+          <a:xfrm>
+            <a:off x="819150" y="1025524"/>
+            <a:ext cx="10515600" cy="4918075"/>
+          </a:xfrm>
+        </p:spPr>
+        <p:txBody>
+          <a:bodyPr>
+            <a:normAutofit fontScale="92500" lnSpcReduction="20000"/>
+          </a:bodyPr>
+          <a:lstStyle/>
+          <a:p>
+            <a:r>
+              <a:rPr lang="de-DE" dirty="0" smtClean="0"/>
+              <a:t>Die Ergebnisse unterscheiden sich allgemein von der vorherigen Auswertung </a:t>
+            </a:r>
+          </a:p>
+          <a:p>
+            <a:pPr lvl="1"/>
+            <a:r>
+              <a:rPr lang="de-DE" dirty="0" smtClean="0"/>
+              <a:t>1. durch multiple </a:t>
+            </a:r>
+            <a:r>
+              <a:rPr lang="de-DE" dirty="0" err="1" smtClean="0"/>
+              <a:t>testing</a:t>
+            </a:r>
+            <a:r>
+              <a:rPr lang="de-DE" dirty="0" smtClean="0"/>
+              <a:t> </a:t>
+            </a:r>
+            <a:r>
+              <a:rPr lang="de-DE" dirty="0" err="1" smtClean="0"/>
+              <a:t>correction</a:t>
+            </a:r>
+            <a:r>
+              <a:rPr lang="de-DE" dirty="0" smtClean="0"/>
+              <a:t>: In der vorherigen Analyse hatten wir wahrscheinlich einige falsch positive dabei, die sind jetzt herausgefiltert</a:t>
+            </a:r>
+          </a:p>
+          <a:p>
+            <a:pPr lvl="2"/>
+            <a:r>
+              <a:rPr lang="de-DE" dirty="0" smtClean="0"/>
+              <a:t>Durch die etwas stringentere Analyse ist aber die Interpretation möglicherweise auch einfacher</a:t>
+            </a:r>
+          </a:p>
+          <a:p>
+            <a:pPr lvl="1"/>
+            <a:r>
+              <a:rPr lang="de-DE" dirty="0" smtClean="0"/>
+              <a:t>2. Die Labels BRAF und Hirnmetastase wurden von Leonie ja noch einmal aktualisiert und einige Patienten haben z.B. jetzt einen anderen BRAF Status, da er vorher falsch dokumentiert war</a:t>
+            </a:r>
+          </a:p>
+          <a:p>
+            <a:pPr lvl="1"/>
+            <a:r>
+              <a:rPr lang="de-DE" dirty="0" smtClean="0"/>
+              <a:t>3. Wir haben insgesamt Daten von mehr Patienten und somit auch unterschiedliche Zahlen in den Gruppen</a:t>
+            </a:r>
+          </a:p>
+          <a:p>
+            <a:pPr lvl="1"/>
+            <a:r>
+              <a:rPr lang="de-DE" dirty="0" smtClean="0"/>
+              <a:t>4. Wir unterscheiden Patienten mit BRAF Mutation in solche, die eine </a:t>
+            </a:r>
+            <a:r>
+              <a:rPr lang="de-DE" dirty="0" err="1" smtClean="0"/>
+              <a:t>anti</a:t>
+            </a:r>
+            <a:r>
+              <a:rPr lang="de-DE" dirty="0" smtClean="0"/>
+              <a:t> BRAF Therapie erhielten und Patienten ohne vorangegangen </a:t>
+            </a:r>
+            <a:r>
+              <a:rPr lang="de-DE" dirty="0" err="1" smtClean="0"/>
+              <a:t>anti</a:t>
+            </a:r>
+            <a:r>
+              <a:rPr lang="de-DE" dirty="0" smtClean="0"/>
+              <a:t> BRAF-Therapie</a:t>
+            </a:r>
+          </a:p>
+          <a:p>
+            <a:r>
+              <a:rPr lang="de-DE" dirty="0" smtClean="0"/>
+              <a:t>Die </a:t>
+            </a:r>
+            <a:r>
+              <a:rPr lang="de-DE" dirty="0" err="1" smtClean="0"/>
+              <a:t>Figure</a:t>
+            </a:r>
+            <a:r>
+              <a:rPr lang="de-DE" dirty="0" smtClean="0"/>
+              <a:t> Namen beziehen sich immer auf die Abbildungen in der alten Auswertung sind also analoge Abbildungen</a:t>
+            </a:r>
+          </a:p>
+          <a:p>
+            <a:r>
+              <a:rPr lang="de-DE" dirty="0" smtClean="0"/>
+              <a:t>ROC Kurven sind aufgrund der </a:t>
+            </a:r>
+            <a:r>
+              <a:rPr lang="de-DE" dirty="0" err="1" smtClean="0"/>
+              <a:t>Statifizierung</a:t>
+            </a:r>
+            <a:r>
+              <a:rPr lang="de-DE" dirty="0" smtClean="0"/>
+              <a:t> in vergleichsweise oft sehr kleine Gruppen schlecht möglich  </a:t>
+            </a:r>
+          </a:p>
+        </p:txBody>
+      </p:sp>
+    </p:spTree>
+    <p:extLst>
+      <p:ext uri="{BB962C8B-B14F-4D97-AF65-F5344CB8AC3E}">
+        <p14:creationId xmlns:p14="http://schemas.microsoft.com/office/powerpoint/2010/main" val="3539588287"/>
+      </p:ext>
+    </p:extLst>
+  </p:cSld>
+  <p:clrMapOvr>
+    <a:masterClrMapping/>
+  </p:clrMapOvr>
+</p:sld>
+</file>
+
+<file path=ppt/slides/slide10.xml><?xml version="1.0" encoding="utf-8"?>
+<p:sld xmlns:a="http://schemas.openxmlformats.org/drawingml/2006/main" xmlns:r="http://schemas.openxmlformats.org/officeDocument/2006/relationships" xmlns:p="http://schemas.openxmlformats.org/presentationml/2006/main">
+  <p:cSld>
+    <p:spTree>
+      <p:nvGrpSpPr>
+        <p:cNvPr id="1" name=""/>
+        <p:cNvGrpSpPr/>
+        <p:nvPr/>
+      </p:nvGrpSpPr>
+      <p:grpSpPr>
+        <a:xfrm>
+          <a:off x="0" y="0"/>
+          <a:ext cx="0" cy="0"/>
+          <a:chOff x="0" y="0"/>
+          <a:chExt cx="0" cy="0"/>
+        </a:xfrm>
+      </p:grpSpPr>
+      <p:grpSp>
+        <p:nvGrpSpPr>
+          <p:cNvPr id="59" name="Gruppieren 58"/>
+          <p:cNvGrpSpPr/>
+          <p:nvPr/>
+        </p:nvGrpSpPr>
+        <p:grpSpPr>
+          <a:xfrm>
+            <a:off x="1618294" y="110985"/>
+            <a:ext cx="8691286" cy="6584862"/>
+            <a:chOff x="1618294" y="110985"/>
+            <a:chExt cx="8691286" cy="6584862"/>
+          </a:xfrm>
+        </p:grpSpPr>
+        <p:grpSp>
+          <p:nvGrpSpPr>
+            <p:cNvPr id="56" name="Gruppieren 55"/>
+            <p:cNvGrpSpPr/>
+            <p:nvPr/>
+          </p:nvGrpSpPr>
+          <p:grpSpPr>
+            <a:xfrm>
+              <a:off x="1618294" y="110985"/>
+              <a:ext cx="8691286" cy="6584862"/>
+              <a:chOff x="1618294" y="110985"/>
+              <a:chExt cx="8691286" cy="6584862"/>
+            </a:xfrm>
+          </p:grpSpPr>
+          <p:pic>
+            <p:nvPicPr>
+              <p:cNvPr id="55" name="Grafik 54"/>
+              <p:cNvPicPr>
+                <a:picLocks noChangeAspect="1"/>
+              </p:cNvPicPr>
+              <p:nvPr/>
+            </p:nvPicPr>
+            <p:blipFill rotWithShape="1">
+              <a:blip r:embed="rId2" cstate="print">
+                <a:extLst>
+                  <a:ext uri="{28A0092B-C50C-407E-A947-70E740481C1C}">
+                    <a14:useLocalDpi xmlns:a14="http://schemas.microsoft.com/office/drawing/2010/main" val="0"/>
+                  </a:ext>
+                </a:extLst>
+              </a:blip>
+              <a:srcRect r="20487"/>
+              <a:stretch/>
+            </p:blipFill>
+            <p:spPr>
+              <a:xfrm>
+                <a:off x="2680113" y="110985"/>
+                <a:ext cx="7270688" cy="2743206"/>
+              </a:xfrm>
+              <a:prstGeom prst="rect">
+                <a:avLst/>
+              </a:prstGeom>
+            </p:spPr>
+          </p:pic>
+          <p:grpSp>
+            <p:nvGrpSpPr>
+              <p:cNvPr id="54" name="Gruppieren 53"/>
+              <p:cNvGrpSpPr/>
+              <p:nvPr/>
+            </p:nvGrpSpPr>
+            <p:grpSpPr>
+              <a:xfrm>
+                <a:off x="1618294" y="1715876"/>
+                <a:ext cx="8691286" cy="4979971"/>
+                <a:chOff x="1618294" y="1715876"/>
+                <a:chExt cx="8691286" cy="4979971"/>
+              </a:xfrm>
+            </p:grpSpPr>
+            <p:pic>
+              <p:nvPicPr>
+                <p:cNvPr id="32" name="Grafik 31"/>
+                <p:cNvPicPr>
+                  <a:picLocks noChangeAspect="1"/>
+                </p:cNvPicPr>
+                <p:nvPr/>
+              </p:nvPicPr>
+              <p:blipFill>
+                <a:blip r:embed="rId3" cstate="print">
+                  <a:extLst>
+                    <a:ext uri="{28A0092B-C50C-407E-A947-70E740481C1C}">
+                      <a14:useLocalDpi xmlns:a14="http://schemas.microsoft.com/office/drawing/2010/main" val="0"/>
+                    </a:ext>
+                  </a:extLst>
+                </a:blip>
+                <a:stretch>
+                  <a:fillRect/>
+                </a:stretch>
+              </p:blipFill>
+              <p:spPr>
+                <a:xfrm>
+                  <a:off x="2585046" y="3105361"/>
+                  <a:ext cx="7315215" cy="2743206"/>
+                </a:xfrm>
+                <a:prstGeom prst="rect">
+                  <a:avLst/>
+                </a:prstGeom>
+              </p:spPr>
+            </p:pic>
+            <p:sp>
+              <p:nvSpPr>
+                <p:cNvPr id="33" name="Textfeld 32"/>
+                <p:cNvSpPr txBox="1"/>
+                <p:nvPr/>
+              </p:nvSpPr>
+              <p:spPr>
+                <a:xfrm>
+                  <a:off x="4468174" y="5757127"/>
+                  <a:ext cx="903177" cy="938719"/>
+                </a:xfrm>
+                <a:prstGeom prst="rect">
+                  <a:avLst/>
+                </a:prstGeom>
+                <a:noFill/>
+              </p:spPr>
+              <p:txBody>
+                <a:bodyPr wrap="square" rtlCol="0">
+                  <a:spAutoFit/>
+                </a:bodyPr>
+                <a:lstStyle/>
+                <a:p>
+                  <a:r>
+                    <a:rPr lang="de-DE" sz="1100" dirty="0" smtClean="0">
+                      <a:latin typeface="Arial" panose="020B0604020202020204" pitchFamily="34" charset="0"/>
+                      <a:cs typeface="Arial" panose="020B0604020202020204" pitchFamily="34" charset="0"/>
+                    </a:rPr>
+                    <a:t>-     +     +</a:t>
+                  </a:r>
+                </a:p>
+                <a:p>
+                  <a:r>
+                    <a:rPr lang="de-DE" sz="1100" dirty="0" smtClean="0">
+                      <a:latin typeface="Arial" panose="020B0604020202020204" pitchFamily="34" charset="0"/>
+                      <a:cs typeface="Arial" panose="020B0604020202020204" pitchFamily="34" charset="0"/>
+                    </a:rPr>
+                    <a:t>-     -      +</a:t>
+                  </a:r>
+                </a:p>
+                <a:p>
+                  <a:r>
+                    <a:rPr lang="de-DE" sz="1100" dirty="0" smtClean="0">
+                      <a:latin typeface="Arial" panose="020B0604020202020204" pitchFamily="34" charset="0"/>
+                      <a:cs typeface="Arial" panose="020B0604020202020204" pitchFamily="34" charset="0"/>
+                    </a:rPr>
+                    <a:t>-     -      -</a:t>
+                  </a:r>
+                </a:p>
+                <a:p>
+                  <a:r>
+                    <a:rPr lang="de-DE" sz="1100" dirty="0" smtClean="0">
+                      <a:latin typeface="Arial" panose="020B0604020202020204" pitchFamily="34" charset="0"/>
+                      <a:cs typeface="Arial" panose="020B0604020202020204" pitchFamily="34" charset="0"/>
+                    </a:rPr>
+                    <a:t>-     +     +</a:t>
+                  </a:r>
+                </a:p>
+                <a:p>
+                  <a:r>
+                    <a:rPr lang="de-DE" sz="1100" dirty="0" smtClean="0">
+                      <a:latin typeface="Arial" panose="020B0604020202020204" pitchFamily="34" charset="0"/>
+                      <a:cs typeface="Arial" panose="020B0604020202020204" pitchFamily="34" charset="0"/>
+                    </a:rPr>
+                    <a:t>4    8     12     </a:t>
+                  </a:r>
+                </a:p>
+              </p:txBody>
+            </p:sp>
+            <p:sp>
+              <p:nvSpPr>
+                <p:cNvPr id="34" name="Textfeld 33"/>
+                <p:cNvSpPr txBox="1"/>
+                <p:nvPr/>
+              </p:nvSpPr>
+              <p:spPr>
+                <a:xfrm>
+                  <a:off x="5696899" y="5757127"/>
+                  <a:ext cx="903177" cy="938719"/>
+                </a:xfrm>
+                <a:prstGeom prst="rect">
+                  <a:avLst/>
+                </a:prstGeom>
+                <a:noFill/>
+              </p:spPr>
+              <p:txBody>
+                <a:bodyPr wrap="square" rtlCol="0">
+                  <a:spAutoFit/>
+                </a:bodyPr>
+                <a:lstStyle/>
+                <a:p>
+                  <a:r>
+                    <a:rPr lang="de-DE" sz="1100" dirty="0" smtClean="0">
+                      <a:latin typeface="Arial" panose="020B0604020202020204" pitchFamily="34" charset="0"/>
+                      <a:cs typeface="Arial" panose="020B0604020202020204" pitchFamily="34" charset="0"/>
+                    </a:rPr>
+                    <a:t>-     +     +</a:t>
+                  </a:r>
+                </a:p>
+                <a:p>
+                  <a:r>
+                    <a:rPr lang="de-DE" sz="1100" dirty="0" smtClean="0">
+                      <a:latin typeface="Arial" panose="020B0604020202020204" pitchFamily="34" charset="0"/>
+                      <a:cs typeface="Arial" panose="020B0604020202020204" pitchFamily="34" charset="0"/>
+                    </a:rPr>
+                    <a:t>-     -      +</a:t>
+                  </a:r>
+                </a:p>
+                <a:p>
+                  <a:r>
+                    <a:rPr lang="de-DE" sz="1100" dirty="0" smtClean="0">
+                      <a:latin typeface="Arial" panose="020B0604020202020204" pitchFamily="34" charset="0"/>
+                      <a:cs typeface="Arial" panose="020B0604020202020204" pitchFamily="34" charset="0"/>
+                    </a:rPr>
+                    <a:t>-     -      -</a:t>
+                  </a:r>
+                </a:p>
+                <a:p>
+                  <a:r>
+                    <a:rPr lang="de-DE" sz="1100" dirty="0" smtClean="0">
+                      <a:latin typeface="Arial" panose="020B0604020202020204" pitchFamily="34" charset="0"/>
+                      <a:cs typeface="Arial" panose="020B0604020202020204" pitchFamily="34" charset="0"/>
+                    </a:rPr>
+                    <a:t>-     +     +</a:t>
+                  </a:r>
+                </a:p>
+                <a:p>
+                  <a:r>
+                    <a:rPr lang="de-DE" sz="1100" dirty="0" smtClean="0">
+                      <a:latin typeface="Arial" panose="020B0604020202020204" pitchFamily="34" charset="0"/>
+                      <a:cs typeface="Arial" panose="020B0604020202020204" pitchFamily="34" charset="0"/>
+                    </a:rPr>
+                    <a:t>4    8     12     </a:t>
+                  </a:r>
+                </a:p>
+              </p:txBody>
+            </p:sp>
+            <p:sp>
+              <p:nvSpPr>
+                <p:cNvPr id="35" name="Textfeld 34"/>
+                <p:cNvSpPr txBox="1"/>
+                <p:nvPr/>
+              </p:nvSpPr>
+              <p:spPr>
+                <a:xfrm>
+                  <a:off x="6978753" y="5757127"/>
+                  <a:ext cx="903177" cy="938719"/>
+                </a:xfrm>
+                <a:prstGeom prst="rect">
+                  <a:avLst/>
+                </a:prstGeom>
+                <a:noFill/>
+              </p:spPr>
+              <p:txBody>
+                <a:bodyPr wrap="square" rtlCol="0">
+                  <a:spAutoFit/>
+                </a:bodyPr>
+                <a:lstStyle/>
+                <a:p>
+                  <a:r>
+                    <a:rPr lang="de-DE" sz="1100" dirty="0" smtClean="0">
+                      <a:latin typeface="Arial" panose="020B0604020202020204" pitchFamily="34" charset="0"/>
+                      <a:cs typeface="Arial" panose="020B0604020202020204" pitchFamily="34" charset="0"/>
+                    </a:rPr>
+                    <a:t>-     +     +</a:t>
+                  </a:r>
+                </a:p>
+                <a:p>
+                  <a:r>
+                    <a:rPr lang="de-DE" sz="1100" dirty="0" smtClean="0">
+                      <a:latin typeface="Arial" panose="020B0604020202020204" pitchFamily="34" charset="0"/>
+                      <a:cs typeface="Arial" panose="020B0604020202020204" pitchFamily="34" charset="0"/>
+                    </a:rPr>
+                    <a:t>-     -      +</a:t>
+                  </a:r>
+                </a:p>
+                <a:p>
+                  <a:r>
+                    <a:rPr lang="de-DE" sz="1100" dirty="0" smtClean="0">
+                      <a:latin typeface="Arial" panose="020B0604020202020204" pitchFamily="34" charset="0"/>
+                      <a:cs typeface="Arial" panose="020B0604020202020204" pitchFamily="34" charset="0"/>
+                    </a:rPr>
+                    <a:t>-     -      -</a:t>
+                  </a:r>
+                </a:p>
+                <a:p>
+                  <a:r>
+                    <a:rPr lang="de-DE" sz="1100" dirty="0" smtClean="0">
+                      <a:latin typeface="Arial" panose="020B0604020202020204" pitchFamily="34" charset="0"/>
+                      <a:cs typeface="Arial" panose="020B0604020202020204" pitchFamily="34" charset="0"/>
+                    </a:rPr>
+                    <a:t>-     +     +</a:t>
+                  </a:r>
+                </a:p>
+                <a:p>
+                  <a:r>
+                    <a:rPr lang="de-DE" sz="1100" dirty="0" smtClean="0">
+                      <a:latin typeface="Arial" panose="020B0604020202020204" pitchFamily="34" charset="0"/>
+                      <a:cs typeface="Arial" panose="020B0604020202020204" pitchFamily="34" charset="0"/>
+                    </a:rPr>
+                    <a:t>4    8     12     </a:t>
+                  </a:r>
+                </a:p>
+              </p:txBody>
+            </p:sp>
+            <p:sp>
+              <p:nvSpPr>
+                <p:cNvPr id="36" name="Textfeld 35"/>
+                <p:cNvSpPr txBox="1"/>
+                <p:nvPr/>
+              </p:nvSpPr>
+              <p:spPr>
+                <a:xfrm>
+                  <a:off x="8260607" y="5757126"/>
+                  <a:ext cx="903177" cy="938719"/>
+                </a:xfrm>
+                <a:prstGeom prst="rect">
+                  <a:avLst/>
+                </a:prstGeom>
+                <a:noFill/>
+              </p:spPr>
+              <p:txBody>
+                <a:bodyPr wrap="square" rtlCol="0">
+                  <a:spAutoFit/>
+                </a:bodyPr>
+                <a:lstStyle/>
+                <a:p>
+                  <a:r>
+                    <a:rPr lang="de-DE" sz="1100" dirty="0" smtClean="0">
+                      <a:latin typeface="Arial" panose="020B0604020202020204" pitchFamily="34" charset="0"/>
+                      <a:cs typeface="Arial" panose="020B0604020202020204" pitchFamily="34" charset="0"/>
+                    </a:rPr>
+                    <a:t>-     +     +</a:t>
+                  </a:r>
+                </a:p>
+                <a:p>
+                  <a:r>
+                    <a:rPr lang="de-DE" sz="1100" dirty="0" smtClean="0">
+                      <a:latin typeface="Arial" panose="020B0604020202020204" pitchFamily="34" charset="0"/>
+                      <a:cs typeface="Arial" panose="020B0604020202020204" pitchFamily="34" charset="0"/>
+                    </a:rPr>
+                    <a:t>-     -      +</a:t>
+                  </a:r>
+                </a:p>
+                <a:p>
+                  <a:r>
+                    <a:rPr lang="de-DE" sz="1100" dirty="0" smtClean="0">
+                      <a:latin typeface="Arial" panose="020B0604020202020204" pitchFamily="34" charset="0"/>
+                      <a:cs typeface="Arial" panose="020B0604020202020204" pitchFamily="34" charset="0"/>
+                    </a:rPr>
+                    <a:t>-     -      -</a:t>
+                  </a:r>
+                </a:p>
+                <a:p>
+                  <a:r>
+                    <a:rPr lang="de-DE" sz="1100" dirty="0" smtClean="0">
+                      <a:latin typeface="Arial" panose="020B0604020202020204" pitchFamily="34" charset="0"/>
+                      <a:cs typeface="Arial" panose="020B0604020202020204" pitchFamily="34" charset="0"/>
+                    </a:rPr>
+                    <a:t>-     +     +</a:t>
+                  </a:r>
+                </a:p>
+                <a:p>
+                  <a:r>
+                    <a:rPr lang="de-DE" sz="1100" dirty="0" smtClean="0">
+                      <a:latin typeface="Arial" panose="020B0604020202020204" pitchFamily="34" charset="0"/>
+                      <a:cs typeface="Arial" panose="020B0604020202020204" pitchFamily="34" charset="0"/>
+                    </a:rPr>
+                    <a:t>4    8     12     </a:t>
+                  </a:r>
+                </a:p>
+              </p:txBody>
+            </p:sp>
+            <p:pic>
+              <p:nvPicPr>
+                <p:cNvPr id="51" name="Grafik 50"/>
+                <p:cNvPicPr>
+                  <a:picLocks noChangeAspect="1"/>
+                </p:cNvPicPr>
+                <p:nvPr/>
+              </p:nvPicPr>
+              <p:blipFill rotWithShape="1">
+                <a:blip r:embed="rId4" cstate="print">
+                  <a:extLst>
+                    <a:ext uri="{28A0092B-C50C-407E-A947-70E740481C1C}">
+                      <a14:useLocalDpi xmlns:a14="http://schemas.microsoft.com/office/drawing/2010/main" val="0"/>
+                    </a:ext>
+                  </a:extLst>
+                </a:blip>
+                <a:srcRect l="79306" t="38054" b="31853"/>
+                <a:stretch/>
+              </p:blipFill>
+              <p:spPr>
+                <a:xfrm>
+                  <a:off x="8417276" y="1715876"/>
+                  <a:ext cx="1892304" cy="825501"/>
+                </a:xfrm>
+                <a:prstGeom prst="rect">
+                  <a:avLst/>
+                </a:prstGeom>
+              </p:spPr>
+            </p:pic>
+            <p:grpSp>
+              <p:nvGrpSpPr>
+                <p:cNvPr id="22" name="Gruppieren 21"/>
+                <p:cNvGrpSpPr/>
+                <p:nvPr/>
+              </p:nvGrpSpPr>
+              <p:grpSpPr>
+                <a:xfrm>
+                  <a:off x="1618294" y="5757126"/>
+                  <a:ext cx="2533857" cy="938721"/>
+                  <a:chOff x="944527" y="4579618"/>
+                  <a:chExt cx="2533857" cy="938721"/>
+                </a:xfrm>
+              </p:grpSpPr>
+              <p:sp>
+                <p:nvSpPr>
+                  <p:cNvPr id="9" name="Textfeld 8"/>
+                  <p:cNvSpPr txBox="1"/>
+                  <p:nvPr/>
+                </p:nvSpPr>
+                <p:spPr>
+                  <a:xfrm>
+                    <a:off x="2575207" y="4579620"/>
+                    <a:ext cx="903177" cy="938719"/>
+                  </a:xfrm>
+                  <a:prstGeom prst="rect">
+                    <a:avLst/>
+                  </a:prstGeom>
+                  <a:noFill/>
+                </p:spPr>
+                <p:txBody>
+                  <a:bodyPr wrap="square" rtlCol="0">
+                    <a:spAutoFit/>
+                  </a:bodyPr>
+                  <a:lstStyle/>
+                  <a:p>
+                    <a:r>
+                      <a:rPr lang="de-DE" sz="1100" dirty="0" smtClean="0">
+                        <a:latin typeface="Arial" panose="020B0604020202020204" pitchFamily="34" charset="0"/>
+                        <a:cs typeface="Arial" panose="020B0604020202020204" pitchFamily="34" charset="0"/>
+                      </a:rPr>
+                      <a:t>-     +     +</a:t>
+                    </a:r>
+                  </a:p>
+                  <a:p>
+                    <a:r>
+                      <a:rPr lang="de-DE" sz="1100" dirty="0" smtClean="0">
+                        <a:latin typeface="Arial" panose="020B0604020202020204" pitchFamily="34" charset="0"/>
+                        <a:cs typeface="Arial" panose="020B0604020202020204" pitchFamily="34" charset="0"/>
+                      </a:rPr>
+                      <a:t>-     -      +</a:t>
+                    </a:r>
+                  </a:p>
+                  <a:p>
+                    <a:r>
+                      <a:rPr lang="de-DE" sz="1100" dirty="0" smtClean="0">
+                        <a:latin typeface="Arial" panose="020B0604020202020204" pitchFamily="34" charset="0"/>
+                        <a:cs typeface="Arial" panose="020B0604020202020204" pitchFamily="34" charset="0"/>
+                      </a:rPr>
+                      <a:t>-     -      -</a:t>
+                    </a:r>
+                  </a:p>
+                  <a:p>
+                    <a:r>
+                      <a:rPr lang="de-DE" sz="1100" dirty="0" smtClean="0">
+                        <a:latin typeface="Arial" panose="020B0604020202020204" pitchFamily="34" charset="0"/>
+                        <a:cs typeface="Arial" panose="020B0604020202020204" pitchFamily="34" charset="0"/>
+                      </a:rPr>
+                      <a:t>-     +     +</a:t>
+                    </a:r>
+                  </a:p>
+                  <a:p>
+                    <a:r>
+                      <a:rPr lang="de-DE" sz="1100" dirty="0" smtClean="0">
+                        <a:latin typeface="Arial" panose="020B0604020202020204" pitchFamily="34" charset="0"/>
+                        <a:cs typeface="Arial" panose="020B0604020202020204" pitchFamily="34" charset="0"/>
+                      </a:rPr>
+                      <a:t>4    8     12     </a:t>
+                    </a:r>
+                  </a:p>
+                </p:txBody>
+              </p:sp>
+              <p:sp>
+                <p:nvSpPr>
+                  <p:cNvPr id="8" name="Textfeld 7"/>
+                  <p:cNvSpPr txBox="1"/>
+                  <p:nvPr/>
+                </p:nvSpPr>
+                <p:spPr>
+                  <a:xfrm>
+                    <a:off x="944527" y="4579618"/>
+                    <a:ext cx="1630680" cy="938719"/>
+                  </a:xfrm>
+                  <a:prstGeom prst="rect">
+                    <a:avLst/>
+                  </a:prstGeom>
+                  <a:noFill/>
+                </p:spPr>
+                <p:txBody>
+                  <a:bodyPr wrap="square" rtlCol="0">
+                    <a:spAutoFit/>
+                  </a:bodyPr>
+                  <a:lstStyle/>
+                  <a:p>
+                    <a:pPr algn="r"/>
+                    <a:r>
+                      <a:rPr lang="de-DE" sz="1100" b="1" dirty="0" smtClean="0">
+                        <a:latin typeface="Arial" panose="020B0604020202020204" pitchFamily="34" charset="0"/>
+                        <a:cs typeface="Arial" panose="020B0604020202020204" pitchFamily="34" charset="0"/>
+                      </a:rPr>
+                      <a:t>BRAF</a:t>
+                    </a:r>
+                    <a:r>
+                      <a:rPr lang="en-GB" sz="1100" b="1" baseline="30000" dirty="0" smtClean="0">
+                        <a:latin typeface="Arial" panose="020B0604020202020204" pitchFamily="34" charset="0"/>
+                        <a:cs typeface="Arial" panose="020B0604020202020204" pitchFamily="34" charset="0"/>
+                      </a:rPr>
+                      <a:t>V600 </a:t>
+                    </a:r>
+                    <a:r>
+                      <a:rPr lang="en-GB" sz="1100" b="1" dirty="0" smtClean="0">
+                        <a:latin typeface="Arial" panose="020B0604020202020204" pitchFamily="34" charset="0"/>
+                        <a:cs typeface="Arial" panose="020B0604020202020204" pitchFamily="34" charset="0"/>
+                      </a:rPr>
+                      <a:t> Mutation</a:t>
+                    </a:r>
+                  </a:p>
+                  <a:p>
+                    <a:pPr algn="r"/>
+                    <a:r>
+                      <a:rPr lang="de-DE" sz="1100" b="1" dirty="0" smtClean="0">
+                        <a:latin typeface="Arial" panose="020B0604020202020204" pitchFamily="34" charset="0"/>
+                        <a:cs typeface="Arial" panose="020B0604020202020204" pitchFamily="34" charset="0"/>
+                      </a:rPr>
+                      <a:t>BRAF/MEK Inhibitor</a:t>
+                    </a:r>
+                  </a:p>
+                  <a:p>
+                    <a:pPr algn="r"/>
+                    <a:r>
+                      <a:rPr lang="de-DE" sz="1100" b="1" dirty="0" smtClean="0">
+                        <a:latin typeface="Arial" panose="020B0604020202020204" pitchFamily="34" charset="0"/>
+                        <a:cs typeface="Arial" panose="020B0604020202020204" pitchFamily="34" charset="0"/>
+                      </a:rPr>
+                      <a:t>Brain </a:t>
+                    </a:r>
+                    <a:r>
+                      <a:rPr lang="de-DE" sz="1100" b="1" dirty="0" err="1" smtClean="0">
+                        <a:latin typeface="Arial" panose="020B0604020202020204" pitchFamily="34" charset="0"/>
+                        <a:cs typeface="Arial" panose="020B0604020202020204" pitchFamily="34" charset="0"/>
+                      </a:rPr>
+                      <a:t>metastasis</a:t>
+                    </a:r>
+                    <a:endParaRPr lang="de-DE" sz="1100" b="1" dirty="0" smtClean="0">
+                      <a:latin typeface="Arial" panose="020B0604020202020204" pitchFamily="34" charset="0"/>
+                      <a:cs typeface="Arial" panose="020B0604020202020204" pitchFamily="34" charset="0"/>
+                    </a:endParaRPr>
+                  </a:p>
+                  <a:p>
+                    <a:pPr algn="r"/>
+                    <a:r>
+                      <a:rPr lang="de-DE" sz="1100" b="1" dirty="0" err="1" smtClean="0">
+                        <a:latin typeface="Arial" panose="020B0604020202020204" pitchFamily="34" charset="0"/>
+                        <a:cs typeface="Arial" panose="020B0604020202020204" pitchFamily="34" charset="0"/>
+                      </a:rPr>
+                      <a:t>Melanoma</a:t>
+                    </a:r>
+                    <a:endParaRPr lang="de-DE" sz="1100" b="1" dirty="0" smtClean="0">
+                      <a:latin typeface="Arial" panose="020B0604020202020204" pitchFamily="34" charset="0"/>
+                      <a:cs typeface="Arial" panose="020B0604020202020204" pitchFamily="34" charset="0"/>
+                    </a:endParaRPr>
+                  </a:p>
+                  <a:p>
+                    <a:pPr algn="r"/>
+                    <a:r>
+                      <a:rPr lang="de-DE" sz="1100" b="1" dirty="0">
+                        <a:latin typeface="Arial" panose="020B0604020202020204" pitchFamily="34" charset="0"/>
+                        <a:cs typeface="Arial" panose="020B0604020202020204" pitchFamily="34" charset="0"/>
+                      </a:rPr>
+                      <a:t>n</a:t>
+                    </a:r>
+                    <a:endParaRPr lang="de-DE" sz="1100" b="1" dirty="0" smtClean="0">
+                      <a:latin typeface="Arial" panose="020B0604020202020204" pitchFamily="34" charset="0"/>
+                      <a:cs typeface="Arial" panose="020B0604020202020204" pitchFamily="34" charset="0"/>
+                    </a:endParaRPr>
+                  </a:p>
+                </p:txBody>
+              </p:sp>
+            </p:grpSp>
+          </p:grpSp>
+        </p:grpSp>
+        <p:sp>
+          <p:nvSpPr>
+            <p:cNvPr id="57" name="Textfeld 56"/>
+            <p:cNvSpPr txBox="1"/>
+            <p:nvPr/>
+          </p:nvSpPr>
+          <p:spPr>
+            <a:xfrm>
+              <a:off x="1848007" y="297951"/>
+              <a:ext cx="585627" cy="369332"/>
+            </a:xfrm>
+            <a:prstGeom prst="rect">
+              <a:avLst/>
+            </a:prstGeom>
+            <a:noFill/>
+          </p:spPr>
+          <p:txBody>
+            <a:bodyPr wrap="square" rtlCol="0">
+              <a:spAutoFit/>
+            </a:bodyPr>
+            <a:lstStyle/>
+            <a:p>
+              <a:r>
+                <a:rPr lang="de-DE" b="1" dirty="0" smtClean="0">
+                  <a:latin typeface="Arial" panose="020B0604020202020204" pitchFamily="34" charset="0"/>
+                  <a:cs typeface="Arial" panose="020B0604020202020204" pitchFamily="34" charset="0"/>
+                </a:rPr>
+                <a:t>A</a:t>
+              </a:r>
+              <a:endParaRPr lang="en-GB" b="1" dirty="0">
+                <a:latin typeface="Arial" panose="020B0604020202020204" pitchFamily="34" charset="0"/>
+                <a:cs typeface="Arial" panose="020B0604020202020204" pitchFamily="34" charset="0"/>
+              </a:endParaRPr>
+            </a:p>
+          </p:txBody>
+        </p:sp>
+        <p:sp>
+          <p:nvSpPr>
+            <p:cNvPr id="58" name="Textfeld 57"/>
+            <p:cNvSpPr txBox="1"/>
+            <p:nvPr/>
+          </p:nvSpPr>
+          <p:spPr>
+            <a:xfrm>
+              <a:off x="1848006" y="3027538"/>
+              <a:ext cx="585627" cy="369332"/>
+            </a:xfrm>
+            <a:prstGeom prst="rect">
+              <a:avLst/>
+            </a:prstGeom>
+            <a:noFill/>
+          </p:spPr>
+          <p:txBody>
+            <a:bodyPr wrap="square" rtlCol="0">
+              <a:spAutoFit/>
+            </a:bodyPr>
+            <a:lstStyle/>
+            <a:p>
+              <a:r>
+                <a:rPr lang="de-DE" b="1" dirty="0" smtClean="0">
+                  <a:latin typeface="Arial" panose="020B0604020202020204" pitchFamily="34" charset="0"/>
+                  <a:cs typeface="Arial" panose="020B0604020202020204" pitchFamily="34" charset="0"/>
+                </a:rPr>
+                <a:t>B</a:t>
+              </a:r>
+              <a:endParaRPr lang="en-GB" b="1" dirty="0">
+                <a:latin typeface="Arial" panose="020B0604020202020204" pitchFamily="34" charset="0"/>
+                <a:cs typeface="Arial" panose="020B0604020202020204" pitchFamily="34" charset="0"/>
+              </a:endParaRPr>
+            </a:p>
+          </p:txBody>
+        </p:sp>
+      </p:grpSp>
+    </p:spTree>
+    <p:extLst>
+      <p:ext uri="{BB962C8B-B14F-4D97-AF65-F5344CB8AC3E}">
+        <p14:creationId xmlns:p14="http://schemas.microsoft.com/office/powerpoint/2010/main" val="545406245"/>
+      </p:ext>
+    </p:extLst>
+  </p:cSld>
+  <p:clrMapOvr>
+    <a:masterClrMapping/>
+  </p:clrMapOvr>
+</p:sld>
+</file>
+
+<file path=ppt/slides/slide11.xml><?xml version="1.0" encoding="utf-8"?>
+<p:sld xmlns:a="http://schemas.openxmlformats.org/drawingml/2006/main" xmlns:r="http://schemas.openxmlformats.org/officeDocument/2006/relationships" xmlns:p="http://schemas.openxmlformats.org/presentationml/2006/main">
+  <p:cSld>
+    <p:spTree>
+      <p:nvGrpSpPr>
+        <p:cNvPr id="1" name=""/>
+        <p:cNvGrpSpPr/>
+        <p:nvPr/>
+      </p:nvGrpSpPr>
+      <p:grpSpPr>
+        <a:xfrm>
+          <a:off x="0" y="0"/>
+          <a:ext cx="0" cy="0"/>
+          <a:chOff x="0" y="0"/>
+          <a:chExt cx="0" cy="0"/>
+        </a:xfrm>
+      </p:grpSpPr>
+      <p:sp>
+        <p:nvSpPr>
+          <p:cNvPr id="2" name="Titel 1"/>
+          <p:cNvSpPr>
+            <a:spLocks noGrp="1"/>
+          </p:cNvSpPr>
+          <p:nvPr>
+            <p:ph type="title"/>
+          </p:nvPr>
+        </p:nvSpPr>
+        <p:spPr>
+          <a:xfrm>
+            <a:off x="1269714" y="2841197"/>
+            <a:ext cx="10515600" cy="1325563"/>
+          </a:xfrm>
+        </p:spPr>
+        <p:txBody>
+          <a:bodyPr/>
+          <a:lstStyle/>
+          <a:p>
+            <a:r>
+              <a:rPr lang="de-DE" dirty="0" err="1" smtClean="0"/>
+              <a:t>BM_wt</a:t>
+            </a:r>
+            <a:r>
+              <a:rPr lang="de-DE" dirty="0" smtClean="0"/>
+              <a:t> </a:t>
+            </a:r>
+            <a:r>
+              <a:rPr lang="de-DE" dirty="0" err="1" smtClean="0"/>
+              <a:t>vs</a:t>
+            </a:r>
+            <a:r>
+              <a:rPr lang="de-DE" dirty="0" smtClean="0"/>
+              <a:t> </a:t>
+            </a:r>
+            <a:r>
+              <a:rPr lang="de-DE" dirty="0" err="1" smtClean="0"/>
+              <a:t>control</a:t>
+            </a:r>
+            <a:r>
+              <a:rPr lang="de-DE" dirty="0" smtClean="0"/>
+              <a:t> (Fig. 2)</a:t>
+            </a:r>
+            <a:endParaRPr lang="en-GB" dirty="0"/>
+          </a:p>
+        </p:txBody>
+      </p:sp>
+    </p:spTree>
+    <p:extLst>
+      <p:ext uri="{BB962C8B-B14F-4D97-AF65-F5344CB8AC3E}">
+        <p14:creationId xmlns:p14="http://schemas.microsoft.com/office/powerpoint/2010/main" val="1221104444"/>
+      </p:ext>
+    </p:extLst>
+  </p:cSld>
+  <p:clrMapOvr>
+    <a:masterClrMapping/>
+  </p:clrMapOvr>
+</p:sld>
+</file>
+
+<file path=ppt/slides/slide12.xml><?xml version="1.0" encoding="utf-8"?>
+<p:sld xmlns:a="http://schemas.openxmlformats.org/drawingml/2006/main" xmlns:r="http://schemas.openxmlformats.org/officeDocument/2006/relationships" xmlns:p="http://schemas.openxmlformats.org/presentationml/2006/main">
+  <p:cSld>
+    <p:spTree>
+      <p:nvGrpSpPr>
+        <p:cNvPr id="1" name=""/>
+        <p:cNvGrpSpPr/>
+        <p:nvPr/>
+      </p:nvGrpSpPr>
+      <p:grpSpPr>
+        <a:xfrm>
+          <a:off x="0" y="0"/>
+          <a:ext cx="0" cy="0"/>
+          <a:chOff x="0" y="0"/>
+          <a:chExt cx="0" cy="0"/>
+        </a:xfrm>
+      </p:grpSpPr>
+      <p:grpSp>
+        <p:nvGrpSpPr>
+          <p:cNvPr id="10" name="Gruppieren 9"/>
+          <p:cNvGrpSpPr/>
+          <p:nvPr/>
+        </p:nvGrpSpPr>
+        <p:grpSpPr>
+          <a:xfrm>
+            <a:off x="4061296" y="2198561"/>
+            <a:ext cx="3588994" cy="2871230"/>
+            <a:chOff x="4032721" y="2198561"/>
+            <a:chExt cx="3588994" cy="2871230"/>
+          </a:xfrm>
+        </p:grpSpPr>
+        <p:grpSp>
+          <p:nvGrpSpPr>
+            <p:cNvPr id="7" name="Gruppieren 6"/>
+            <p:cNvGrpSpPr/>
+            <p:nvPr/>
+          </p:nvGrpSpPr>
+          <p:grpSpPr>
+            <a:xfrm>
+              <a:off x="4032721" y="2360486"/>
+              <a:ext cx="3588994" cy="2709305"/>
+              <a:chOff x="3878609" y="2514598"/>
+              <a:chExt cx="3588994" cy="2709305"/>
+            </a:xfrm>
+          </p:grpSpPr>
+          <p:pic>
+            <p:nvPicPr>
+              <p:cNvPr id="4" name="Grafik 3"/>
+              <p:cNvPicPr>
+                <a:picLocks noChangeAspect="1"/>
+              </p:cNvPicPr>
+              <p:nvPr/>
+            </p:nvPicPr>
+            <p:blipFill>
+              <a:blip r:embed="rId2" cstate="print">
+                <a:extLst>
+                  <a:ext uri="{28A0092B-C50C-407E-A947-70E740481C1C}">
+                    <a14:useLocalDpi xmlns:a14="http://schemas.microsoft.com/office/drawing/2010/main" val="0"/>
+                  </a:ext>
+                </a:extLst>
+              </a:blip>
+              <a:stretch>
+                <a:fillRect/>
+              </a:stretch>
+            </p:blipFill>
+            <p:spPr>
+              <a:xfrm>
+                <a:off x="4724397" y="2514598"/>
+                <a:ext cx="2743206" cy="1828804"/>
+              </a:xfrm>
+              <a:prstGeom prst="rect">
+                <a:avLst/>
+              </a:prstGeom>
+            </p:spPr>
+          </p:pic>
+          <p:sp>
+            <p:nvSpPr>
+              <p:cNvPr id="5" name="Textfeld 4"/>
+              <p:cNvSpPr txBox="1"/>
+              <p:nvPr/>
+            </p:nvSpPr>
+            <p:spPr>
+              <a:xfrm>
+                <a:off x="5509289" y="4253674"/>
+                <a:ext cx="903177" cy="938719"/>
+              </a:xfrm>
+              <a:prstGeom prst="rect">
+                <a:avLst/>
+              </a:prstGeom>
+              <a:noFill/>
+            </p:spPr>
+            <p:txBody>
+              <a:bodyPr wrap="square" rtlCol="0">
+                <a:spAutoFit/>
+              </a:bodyPr>
+              <a:lstStyle/>
+              <a:p>
+                <a:r>
+                  <a:rPr lang="de-DE" sz="1100" dirty="0" smtClean="0">
+                    <a:latin typeface="Arial" panose="020B0604020202020204" pitchFamily="34" charset="0"/>
+                    <a:cs typeface="Arial" panose="020B0604020202020204" pitchFamily="34" charset="0"/>
+                  </a:rPr>
+                  <a:t>-             -</a:t>
+                </a:r>
+              </a:p>
+              <a:p>
+                <a:r>
+                  <a:rPr lang="de-DE" sz="1100" dirty="0" smtClean="0">
+                    <a:latin typeface="Arial" panose="020B0604020202020204" pitchFamily="34" charset="0"/>
+                    <a:cs typeface="Arial" panose="020B0604020202020204" pitchFamily="34" charset="0"/>
+                  </a:rPr>
+                  <a:t>-             -</a:t>
+                </a:r>
+              </a:p>
+              <a:p>
+                <a:r>
+                  <a:rPr lang="de-DE" sz="1100" dirty="0" smtClean="0">
+                    <a:latin typeface="Arial" panose="020B0604020202020204" pitchFamily="34" charset="0"/>
+                    <a:cs typeface="Arial" panose="020B0604020202020204" pitchFamily="34" charset="0"/>
+                  </a:rPr>
+                  <a:t>+            -</a:t>
+                </a:r>
+              </a:p>
+              <a:p>
+                <a:r>
+                  <a:rPr lang="de-DE" sz="1100" dirty="0" smtClean="0">
+                    <a:latin typeface="Arial" panose="020B0604020202020204" pitchFamily="34" charset="0"/>
+                    <a:cs typeface="Arial" panose="020B0604020202020204" pitchFamily="34" charset="0"/>
+                  </a:rPr>
+                  <a:t>+            -</a:t>
+                </a:r>
+              </a:p>
+              <a:p>
+                <a:r>
+                  <a:rPr lang="de-DE" sz="1100" dirty="0" smtClean="0">
+                    <a:latin typeface="Arial" panose="020B0604020202020204" pitchFamily="34" charset="0"/>
+                    <a:cs typeface="Arial" panose="020B0604020202020204" pitchFamily="34" charset="0"/>
+                  </a:rPr>
+                  <a:t>4            4     </a:t>
+                </a:r>
+              </a:p>
+            </p:txBody>
+          </p:sp>
+          <p:sp>
+            <p:nvSpPr>
+              <p:cNvPr id="6" name="Textfeld 5"/>
+              <p:cNvSpPr txBox="1"/>
+              <p:nvPr/>
+            </p:nvSpPr>
+            <p:spPr>
+              <a:xfrm>
+                <a:off x="3878609" y="4285184"/>
+                <a:ext cx="1630680" cy="938719"/>
+              </a:xfrm>
+              <a:prstGeom prst="rect">
+                <a:avLst/>
+              </a:prstGeom>
+              <a:noFill/>
+            </p:spPr>
+            <p:txBody>
+              <a:bodyPr wrap="square" rtlCol="0">
+                <a:spAutoFit/>
+              </a:bodyPr>
+              <a:lstStyle/>
+              <a:p>
+                <a:pPr algn="r"/>
+                <a:r>
+                  <a:rPr lang="de-DE" sz="1100" b="1" dirty="0" smtClean="0">
+                    <a:latin typeface="Arial" panose="020B0604020202020204" pitchFamily="34" charset="0"/>
+                    <a:cs typeface="Arial" panose="020B0604020202020204" pitchFamily="34" charset="0"/>
+                  </a:rPr>
+                  <a:t>BRAF</a:t>
+                </a:r>
+                <a:r>
+                  <a:rPr lang="en-GB" sz="1100" b="1" baseline="30000" dirty="0" smtClean="0">
+                    <a:latin typeface="Arial" panose="020B0604020202020204" pitchFamily="34" charset="0"/>
+                    <a:cs typeface="Arial" panose="020B0604020202020204" pitchFamily="34" charset="0"/>
+                  </a:rPr>
+                  <a:t>V600 </a:t>
+                </a:r>
+                <a:r>
+                  <a:rPr lang="en-GB" sz="1100" b="1" dirty="0" smtClean="0">
+                    <a:latin typeface="Arial" panose="020B0604020202020204" pitchFamily="34" charset="0"/>
+                    <a:cs typeface="Arial" panose="020B0604020202020204" pitchFamily="34" charset="0"/>
+                  </a:rPr>
+                  <a:t> Mutation</a:t>
+                </a:r>
+              </a:p>
+              <a:p>
+                <a:pPr algn="r"/>
+                <a:r>
+                  <a:rPr lang="de-DE" sz="1100" b="1" dirty="0" smtClean="0">
+                    <a:latin typeface="Arial" panose="020B0604020202020204" pitchFamily="34" charset="0"/>
+                    <a:cs typeface="Arial" panose="020B0604020202020204" pitchFamily="34" charset="0"/>
+                  </a:rPr>
+                  <a:t>BRAF/MEK Inhibitor</a:t>
+                </a:r>
+              </a:p>
+              <a:p>
+                <a:pPr algn="r"/>
+                <a:r>
+                  <a:rPr lang="de-DE" sz="1100" b="1" dirty="0" smtClean="0">
+                    <a:latin typeface="Arial" panose="020B0604020202020204" pitchFamily="34" charset="0"/>
+                    <a:cs typeface="Arial" panose="020B0604020202020204" pitchFamily="34" charset="0"/>
+                  </a:rPr>
+                  <a:t>Brain </a:t>
+                </a:r>
+                <a:r>
+                  <a:rPr lang="de-DE" sz="1100" b="1" dirty="0" err="1" smtClean="0">
+                    <a:latin typeface="Arial" panose="020B0604020202020204" pitchFamily="34" charset="0"/>
+                    <a:cs typeface="Arial" panose="020B0604020202020204" pitchFamily="34" charset="0"/>
+                  </a:rPr>
+                  <a:t>metastasis</a:t>
+                </a:r>
+                <a:endParaRPr lang="de-DE" sz="1100" b="1" dirty="0" smtClean="0">
+                  <a:latin typeface="Arial" panose="020B0604020202020204" pitchFamily="34" charset="0"/>
+                  <a:cs typeface="Arial" panose="020B0604020202020204" pitchFamily="34" charset="0"/>
+                </a:endParaRPr>
+              </a:p>
+              <a:p>
+                <a:pPr algn="r"/>
+                <a:r>
+                  <a:rPr lang="de-DE" sz="1100" b="1" dirty="0" err="1" smtClean="0">
+                    <a:latin typeface="Arial" panose="020B0604020202020204" pitchFamily="34" charset="0"/>
+                    <a:cs typeface="Arial" panose="020B0604020202020204" pitchFamily="34" charset="0"/>
+                  </a:rPr>
+                  <a:t>Melanoma</a:t>
+                </a:r>
+                <a:endParaRPr lang="de-DE" sz="1100" b="1" dirty="0" smtClean="0">
+                  <a:latin typeface="Arial" panose="020B0604020202020204" pitchFamily="34" charset="0"/>
+                  <a:cs typeface="Arial" panose="020B0604020202020204" pitchFamily="34" charset="0"/>
+                </a:endParaRPr>
+              </a:p>
+              <a:p>
+                <a:pPr algn="r"/>
+                <a:r>
+                  <a:rPr lang="de-DE" sz="1100" b="1" dirty="0">
+                    <a:latin typeface="Arial" panose="020B0604020202020204" pitchFamily="34" charset="0"/>
+                    <a:cs typeface="Arial" panose="020B0604020202020204" pitchFamily="34" charset="0"/>
+                  </a:rPr>
+                  <a:t>n</a:t>
+                </a:r>
+                <a:endParaRPr lang="de-DE" sz="1100" b="1" dirty="0" smtClean="0">
+                  <a:latin typeface="Arial" panose="020B0604020202020204" pitchFamily="34" charset="0"/>
+                  <a:cs typeface="Arial" panose="020B0604020202020204" pitchFamily="34" charset="0"/>
+                </a:endParaRPr>
+              </a:p>
+            </p:txBody>
+          </p:sp>
+        </p:grpSp>
+        <p:pic>
+          <p:nvPicPr>
+            <p:cNvPr id="9" name="Grafik 8"/>
+            <p:cNvPicPr>
+              <a:picLocks noChangeAspect="1"/>
+            </p:cNvPicPr>
+            <p:nvPr/>
+          </p:nvPicPr>
+          <p:blipFill rotWithShape="1">
+            <a:blip r:embed="rId3" cstate="print">
+              <a:extLst>
+                <a:ext uri="{28A0092B-C50C-407E-A947-70E740481C1C}">
+                  <a14:useLocalDpi xmlns:a14="http://schemas.microsoft.com/office/drawing/2010/main" val="0"/>
+                </a:ext>
+              </a:extLst>
+            </a:blip>
+            <a:srcRect l="8282" t="51729" r="79218" b="42369"/>
+            <a:stretch/>
+          </p:blipFill>
+          <p:spPr>
+            <a:xfrm>
+              <a:off x="5652178" y="2198561"/>
+              <a:ext cx="914400" cy="161925"/>
+            </a:xfrm>
+            <a:prstGeom prst="rect">
+              <a:avLst/>
+            </a:prstGeom>
+          </p:spPr>
+        </p:pic>
+      </p:grpSp>
+    </p:spTree>
+    <p:extLst>
+      <p:ext uri="{BB962C8B-B14F-4D97-AF65-F5344CB8AC3E}">
+        <p14:creationId xmlns:p14="http://schemas.microsoft.com/office/powerpoint/2010/main" val="1833149426"/>
+      </p:ext>
+    </p:extLst>
+  </p:cSld>
+  <p:clrMapOvr>
+    <a:masterClrMapping/>
+  </p:clrMapOvr>
+</p:sld>
+</file>
+
+<file path=ppt/slides/slide13.xml><?xml version="1.0" encoding="utf-8"?>
+<p:sld xmlns:a="http://schemas.openxmlformats.org/drawingml/2006/main" xmlns:r="http://schemas.openxmlformats.org/officeDocument/2006/relationships" xmlns:p="http://schemas.openxmlformats.org/presentationml/2006/main">
+  <p:cSld>
+    <p:spTree>
+      <p:nvGrpSpPr>
+        <p:cNvPr id="1" name=""/>
+        <p:cNvGrpSpPr/>
+        <p:nvPr/>
+      </p:nvGrpSpPr>
+      <p:grpSpPr>
+        <a:xfrm>
+          <a:off x="0" y="0"/>
+          <a:ext cx="0" cy="0"/>
+          <a:chOff x="0" y="0"/>
+          <a:chExt cx="0" cy="0"/>
+        </a:xfrm>
+      </p:grpSpPr>
+      <p:sp>
+        <p:nvSpPr>
+          <p:cNvPr id="2" name="Titel 1"/>
+          <p:cNvSpPr>
+            <a:spLocks noGrp="1"/>
+          </p:cNvSpPr>
+          <p:nvPr>
+            <p:ph type="title"/>
+          </p:nvPr>
+        </p:nvSpPr>
+        <p:spPr>
+          <a:xfrm>
+            <a:off x="1875890" y="2214474"/>
+            <a:ext cx="10515600" cy="1325563"/>
+          </a:xfrm>
+        </p:spPr>
+        <p:txBody>
+          <a:bodyPr/>
+          <a:lstStyle/>
+          <a:p>
+            <a:r>
+              <a:rPr lang="de-DE" dirty="0" err="1" smtClean="0"/>
+              <a:t>BM_mut</a:t>
+            </a:r>
+            <a:r>
+              <a:rPr lang="de-DE" dirty="0" smtClean="0"/>
+              <a:t> </a:t>
+            </a:r>
+            <a:r>
+              <a:rPr lang="de-DE" dirty="0" err="1" smtClean="0"/>
+              <a:t>vs</a:t>
+            </a:r>
+            <a:r>
+              <a:rPr lang="de-DE" dirty="0" smtClean="0"/>
+              <a:t> </a:t>
+            </a:r>
+            <a:r>
+              <a:rPr lang="de-DE" dirty="0" err="1" smtClean="0"/>
+              <a:t>control</a:t>
+            </a:r>
+            <a:r>
+              <a:rPr lang="de-DE" dirty="0" smtClean="0"/>
+              <a:t> (Fig. 3)</a:t>
+            </a:r>
+            <a:endParaRPr lang="en-GB" dirty="0"/>
+          </a:p>
+        </p:txBody>
+      </p:sp>
+    </p:spTree>
+    <p:extLst>
+      <p:ext uri="{BB962C8B-B14F-4D97-AF65-F5344CB8AC3E}">
+        <p14:creationId xmlns:p14="http://schemas.microsoft.com/office/powerpoint/2010/main" val="4292195065"/>
+      </p:ext>
+    </p:extLst>
+  </p:cSld>
+  <p:clrMapOvr>
+    <a:masterClrMapping/>
+  </p:clrMapOvr>
+</p:sld>
+</file>
+
+<file path=ppt/slides/slide14.xml><?xml version="1.0" encoding="utf-8"?>
+<p:sld xmlns:a="http://schemas.openxmlformats.org/drawingml/2006/main" xmlns:r="http://schemas.openxmlformats.org/officeDocument/2006/relationships" xmlns:p="http://schemas.openxmlformats.org/presentationml/2006/main">
+  <p:cSld>
+    <p:spTree>
+      <p:nvGrpSpPr>
+        <p:cNvPr id="1" name=""/>
+        <p:cNvGrpSpPr/>
+        <p:nvPr/>
+      </p:nvGrpSpPr>
+      <p:grpSpPr>
+        <a:xfrm>
+          <a:off x="0" y="0"/>
+          <a:ext cx="0" cy="0"/>
+          <a:chOff x="0" y="0"/>
+          <a:chExt cx="0" cy="0"/>
+        </a:xfrm>
+      </p:grpSpPr>
+      <p:pic>
+        <p:nvPicPr>
+          <p:cNvPr id="9" name="Grafik 8"/>
+          <p:cNvPicPr>
+            <a:picLocks noChangeAspect="1"/>
+          </p:cNvPicPr>
+          <p:nvPr/>
+        </p:nvPicPr>
+        <p:blipFill rotWithShape="1">
+          <a:blip r:embed="rId2" cstate="print">
+            <a:extLst>
+              <a:ext uri="{28A0092B-C50C-407E-A947-70E740481C1C}">
+                <a14:useLocalDpi xmlns:a14="http://schemas.microsoft.com/office/drawing/2010/main" val="0"/>
+              </a:ext>
+            </a:extLst>
+          </a:blip>
+          <a:srcRect r="19326"/>
+          <a:stretch/>
+        </p:blipFill>
+        <p:spPr>
+          <a:xfrm>
+            <a:off x="1921250" y="811654"/>
+            <a:ext cx="7376864" cy="1828804"/>
+          </a:xfrm>
+          <a:prstGeom prst="rect">
+            <a:avLst/>
+          </a:prstGeom>
+        </p:spPr>
+      </p:pic>
+      <p:pic>
+        <p:nvPicPr>
+          <p:cNvPr id="8" name="Grafik 7"/>
+          <p:cNvPicPr>
+            <a:picLocks noChangeAspect="1"/>
+          </p:cNvPicPr>
+          <p:nvPr/>
+        </p:nvPicPr>
+        <p:blipFill rotWithShape="1">
+          <a:blip r:embed="rId3" cstate="print">
+            <a:extLst>
+              <a:ext uri="{28A0092B-C50C-407E-A947-70E740481C1C}">
+                <a14:useLocalDpi xmlns:a14="http://schemas.microsoft.com/office/drawing/2010/main" val="0"/>
+              </a:ext>
+            </a:extLst>
+          </a:blip>
+          <a:srcRect l="80313" t="38170" r="136" b="35987"/>
+          <a:stretch/>
+        </p:blipFill>
+        <p:spPr>
+          <a:xfrm>
+            <a:off x="7736440" y="1931541"/>
+            <a:ext cx="1787704" cy="708917"/>
+          </a:xfrm>
+          <a:prstGeom prst="rect">
+            <a:avLst/>
+          </a:prstGeom>
+        </p:spPr>
+      </p:pic>
+      <p:grpSp>
+        <p:nvGrpSpPr>
+          <p:cNvPr id="14" name="Gruppieren 13"/>
+          <p:cNvGrpSpPr/>
+          <p:nvPr/>
+        </p:nvGrpSpPr>
+        <p:grpSpPr>
+          <a:xfrm>
+            <a:off x="2341409" y="3202966"/>
+            <a:ext cx="4740913" cy="2700242"/>
+            <a:chOff x="2341409" y="3202966"/>
+            <a:chExt cx="4740913" cy="2700242"/>
+          </a:xfrm>
+        </p:grpSpPr>
+        <p:pic>
+          <p:nvPicPr>
+            <p:cNvPr id="7" name="Grafik 6"/>
+            <p:cNvPicPr>
+              <a:picLocks noChangeAspect="1"/>
+            </p:cNvPicPr>
+            <p:nvPr/>
+          </p:nvPicPr>
+          <p:blipFill>
+            <a:blip r:embed="rId4" cstate="print">
+              <a:extLst>
+                <a:ext uri="{28A0092B-C50C-407E-A947-70E740481C1C}">
+                  <a14:useLocalDpi xmlns:a14="http://schemas.microsoft.com/office/drawing/2010/main" val="0"/>
+                </a:ext>
+              </a:extLst>
+            </a:blip>
+            <a:stretch>
+              <a:fillRect/>
+            </a:stretch>
+          </p:blipFill>
+          <p:spPr>
+            <a:xfrm>
+              <a:off x="3424715" y="3202966"/>
+              <a:ext cx="3657607" cy="1828804"/>
+            </a:xfrm>
+            <a:prstGeom prst="rect">
+              <a:avLst/>
+            </a:prstGeom>
+          </p:spPr>
+        </p:pic>
+        <p:sp>
+          <p:nvSpPr>
+            <p:cNvPr id="11" name="Textfeld 10"/>
+            <p:cNvSpPr txBox="1"/>
+            <p:nvPr/>
+          </p:nvSpPr>
+          <p:spPr>
+            <a:xfrm>
+              <a:off x="3972089" y="4949219"/>
+              <a:ext cx="903177" cy="938719"/>
+            </a:xfrm>
+            <a:prstGeom prst="rect">
+              <a:avLst/>
+            </a:prstGeom>
+            <a:noFill/>
+          </p:spPr>
+          <p:txBody>
+            <a:bodyPr wrap="square" rtlCol="0">
+              <a:spAutoFit/>
+            </a:bodyPr>
+            <a:lstStyle/>
+            <a:p>
+              <a:r>
+                <a:rPr lang="de-DE" sz="1100" dirty="0" smtClean="0">
+                  <a:latin typeface="Arial" panose="020B0604020202020204" pitchFamily="34" charset="0"/>
+                  <a:cs typeface="Arial" panose="020B0604020202020204" pitchFamily="34" charset="0"/>
+                </a:rPr>
+                <a:t>+     +      -</a:t>
+              </a:r>
+            </a:p>
+            <a:p>
+              <a:r>
+                <a:rPr lang="de-DE" sz="1100" dirty="0" smtClean="0">
+                  <a:latin typeface="Arial" panose="020B0604020202020204" pitchFamily="34" charset="0"/>
+                  <a:cs typeface="Arial" panose="020B0604020202020204" pitchFamily="34" charset="0"/>
+                </a:rPr>
+                <a:t>-      +      -</a:t>
+              </a:r>
+            </a:p>
+            <a:p>
+              <a:r>
+                <a:rPr lang="de-DE" sz="1100" dirty="0" smtClean="0">
+                  <a:latin typeface="Arial" panose="020B0604020202020204" pitchFamily="34" charset="0"/>
+                  <a:cs typeface="Arial" panose="020B0604020202020204" pitchFamily="34" charset="0"/>
+                </a:rPr>
+                <a:t>+     +      -</a:t>
+              </a:r>
+            </a:p>
+            <a:p>
+              <a:r>
+                <a:rPr lang="de-DE" sz="1100" dirty="0" smtClean="0">
+                  <a:latin typeface="Arial" panose="020B0604020202020204" pitchFamily="34" charset="0"/>
+                  <a:cs typeface="Arial" panose="020B0604020202020204" pitchFamily="34" charset="0"/>
+                </a:rPr>
+                <a:t>+     +      -</a:t>
+              </a:r>
+            </a:p>
+            <a:p>
+              <a:r>
+                <a:rPr lang="de-DE" sz="1100" dirty="0" smtClean="0">
+                  <a:latin typeface="Arial" panose="020B0604020202020204" pitchFamily="34" charset="0"/>
+                  <a:cs typeface="Arial" panose="020B0604020202020204" pitchFamily="34" charset="0"/>
+                </a:rPr>
+                <a:t>3     9      4     </a:t>
+              </a:r>
+            </a:p>
+          </p:txBody>
+        </p:sp>
+        <p:sp>
+          <p:nvSpPr>
+            <p:cNvPr id="12" name="Textfeld 11"/>
+            <p:cNvSpPr txBox="1"/>
+            <p:nvPr/>
+          </p:nvSpPr>
+          <p:spPr>
+            <a:xfrm>
+              <a:off x="2341409" y="4964489"/>
+              <a:ext cx="1630680" cy="938719"/>
+            </a:xfrm>
+            <a:prstGeom prst="rect">
+              <a:avLst/>
+            </a:prstGeom>
+            <a:noFill/>
+          </p:spPr>
+          <p:txBody>
+            <a:bodyPr wrap="square" rtlCol="0">
+              <a:spAutoFit/>
+            </a:bodyPr>
+            <a:lstStyle/>
+            <a:p>
+              <a:pPr algn="r"/>
+              <a:r>
+                <a:rPr lang="de-DE" sz="1100" b="1" dirty="0" smtClean="0">
+                  <a:latin typeface="Arial" panose="020B0604020202020204" pitchFamily="34" charset="0"/>
+                  <a:cs typeface="Arial" panose="020B0604020202020204" pitchFamily="34" charset="0"/>
+                </a:rPr>
+                <a:t>BRAF</a:t>
+              </a:r>
+              <a:r>
+                <a:rPr lang="en-GB" sz="1100" b="1" baseline="30000" dirty="0" smtClean="0">
+                  <a:latin typeface="Arial" panose="020B0604020202020204" pitchFamily="34" charset="0"/>
+                  <a:cs typeface="Arial" panose="020B0604020202020204" pitchFamily="34" charset="0"/>
+                </a:rPr>
+                <a:t>V600 </a:t>
+              </a:r>
+              <a:r>
+                <a:rPr lang="en-GB" sz="1100" b="1" dirty="0" smtClean="0">
+                  <a:latin typeface="Arial" panose="020B0604020202020204" pitchFamily="34" charset="0"/>
+                  <a:cs typeface="Arial" panose="020B0604020202020204" pitchFamily="34" charset="0"/>
+                </a:rPr>
+                <a:t> Mutation</a:t>
+              </a:r>
+            </a:p>
+            <a:p>
+              <a:pPr algn="r"/>
+              <a:r>
+                <a:rPr lang="de-DE" sz="1100" b="1" dirty="0" smtClean="0">
+                  <a:latin typeface="Arial" panose="020B0604020202020204" pitchFamily="34" charset="0"/>
+                  <a:cs typeface="Arial" panose="020B0604020202020204" pitchFamily="34" charset="0"/>
+                </a:rPr>
+                <a:t>BRAF/MEK Inhibitor</a:t>
+              </a:r>
+            </a:p>
+            <a:p>
+              <a:pPr algn="r"/>
+              <a:r>
+                <a:rPr lang="de-DE" sz="1100" b="1" dirty="0" smtClean="0">
+                  <a:latin typeface="Arial" panose="020B0604020202020204" pitchFamily="34" charset="0"/>
+                  <a:cs typeface="Arial" panose="020B0604020202020204" pitchFamily="34" charset="0"/>
+                </a:rPr>
+                <a:t>Brain </a:t>
+              </a:r>
+              <a:r>
+                <a:rPr lang="de-DE" sz="1100" b="1" dirty="0" err="1" smtClean="0">
+                  <a:latin typeface="Arial" panose="020B0604020202020204" pitchFamily="34" charset="0"/>
+                  <a:cs typeface="Arial" panose="020B0604020202020204" pitchFamily="34" charset="0"/>
+                </a:rPr>
+                <a:t>metastasis</a:t>
+              </a:r>
+              <a:endParaRPr lang="de-DE" sz="1100" b="1" dirty="0" smtClean="0">
+                <a:latin typeface="Arial" panose="020B0604020202020204" pitchFamily="34" charset="0"/>
+                <a:cs typeface="Arial" panose="020B0604020202020204" pitchFamily="34" charset="0"/>
+              </a:endParaRPr>
+            </a:p>
+            <a:p>
+              <a:pPr algn="r"/>
+              <a:r>
+                <a:rPr lang="de-DE" sz="1100" b="1" dirty="0" err="1" smtClean="0">
+                  <a:latin typeface="Arial" panose="020B0604020202020204" pitchFamily="34" charset="0"/>
+                  <a:cs typeface="Arial" panose="020B0604020202020204" pitchFamily="34" charset="0"/>
+                </a:rPr>
+                <a:t>Melanoma</a:t>
+              </a:r>
+              <a:endParaRPr lang="de-DE" sz="1100" b="1" dirty="0" smtClean="0">
+                <a:latin typeface="Arial" panose="020B0604020202020204" pitchFamily="34" charset="0"/>
+                <a:cs typeface="Arial" panose="020B0604020202020204" pitchFamily="34" charset="0"/>
+              </a:endParaRPr>
+            </a:p>
+            <a:p>
+              <a:pPr algn="r"/>
+              <a:r>
+                <a:rPr lang="de-DE" sz="1100" b="1" dirty="0">
+                  <a:latin typeface="Arial" panose="020B0604020202020204" pitchFamily="34" charset="0"/>
+                  <a:cs typeface="Arial" panose="020B0604020202020204" pitchFamily="34" charset="0"/>
+                </a:rPr>
+                <a:t>n</a:t>
+              </a:r>
+              <a:endParaRPr lang="de-DE" sz="1100" b="1" dirty="0" smtClean="0">
+                <a:latin typeface="Arial" panose="020B0604020202020204" pitchFamily="34" charset="0"/>
+                <a:cs typeface="Arial" panose="020B0604020202020204" pitchFamily="34" charset="0"/>
+              </a:endParaRPr>
+            </a:p>
+          </p:txBody>
+        </p:sp>
+        <p:sp>
+          <p:nvSpPr>
+            <p:cNvPr id="13" name="Textfeld 12"/>
+            <p:cNvSpPr txBox="1"/>
+            <p:nvPr/>
+          </p:nvSpPr>
+          <p:spPr>
+            <a:xfrm>
+              <a:off x="5253518" y="4964488"/>
+              <a:ext cx="903177" cy="938719"/>
+            </a:xfrm>
+            <a:prstGeom prst="rect">
+              <a:avLst/>
+            </a:prstGeom>
+            <a:noFill/>
+          </p:spPr>
+          <p:txBody>
+            <a:bodyPr wrap="square" rtlCol="0">
+              <a:spAutoFit/>
+            </a:bodyPr>
+            <a:lstStyle/>
+            <a:p>
+              <a:r>
+                <a:rPr lang="de-DE" sz="1100" dirty="0" smtClean="0">
+                  <a:latin typeface="Arial" panose="020B0604020202020204" pitchFamily="34" charset="0"/>
+                  <a:cs typeface="Arial" panose="020B0604020202020204" pitchFamily="34" charset="0"/>
+                </a:rPr>
+                <a:t>+     +      -</a:t>
+              </a:r>
+            </a:p>
+            <a:p>
+              <a:r>
+                <a:rPr lang="de-DE" sz="1100" dirty="0" smtClean="0">
+                  <a:latin typeface="Arial" panose="020B0604020202020204" pitchFamily="34" charset="0"/>
+                  <a:cs typeface="Arial" panose="020B0604020202020204" pitchFamily="34" charset="0"/>
+                </a:rPr>
+                <a:t>-      +      -</a:t>
+              </a:r>
+            </a:p>
+            <a:p>
+              <a:r>
+                <a:rPr lang="de-DE" sz="1100" dirty="0" smtClean="0">
+                  <a:latin typeface="Arial" panose="020B0604020202020204" pitchFamily="34" charset="0"/>
+                  <a:cs typeface="Arial" panose="020B0604020202020204" pitchFamily="34" charset="0"/>
+                </a:rPr>
+                <a:t>+     +      -</a:t>
+              </a:r>
+            </a:p>
+            <a:p>
+              <a:r>
+                <a:rPr lang="de-DE" sz="1100" dirty="0" smtClean="0">
+                  <a:latin typeface="Arial" panose="020B0604020202020204" pitchFamily="34" charset="0"/>
+                  <a:cs typeface="Arial" panose="020B0604020202020204" pitchFamily="34" charset="0"/>
+                </a:rPr>
+                <a:t>+     +      -</a:t>
+              </a:r>
+            </a:p>
+            <a:p>
+              <a:r>
+                <a:rPr lang="de-DE" sz="1100" dirty="0" smtClean="0">
+                  <a:latin typeface="Arial" panose="020B0604020202020204" pitchFamily="34" charset="0"/>
+                  <a:cs typeface="Arial" panose="020B0604020202020204" pitchFamily="34" charset="0"/>
+                </a:rPr>
+                <a:t>3     9      4     </a:t>
+              </a:r>
+            </a:p>
+          </p:txBody>
+        </p:sp>
+      </p:grpSp>
+    </p:spTree>
+    <p:extLst>
+      <p:ext uri="{BB962C8B-B14F-4D97-AF65-F5344CB8AC3E}">
+        <p14:creationId xmlns:p14="http://schemas.microsoft.com/office/powerpoint/2010/main" val="3567929281"/>
+      </p:ext>
+    </p:extLst>
+  </p:cSld>
+  <p:clrMapOvr>
+    <a:masterClrMapping/>
+  </p:clrMapOvr>
+</p:sld>
+</file>
+
+<file path=ppt/slides/slide15.xml><?xml version="1.0" encoding="utf-8"?>
+<p:sld xmlns:a="http://schemas.openxmlformats.org/drawingml/2006/main" xmlns:r="http://schemas.openxmlformats.org/officeDocument/2006/relationships" xmlns:p="http://schemas.openxmlformats.org/presentationml/2006/main">
+  <p:cSld>
+    <p:spTree>
+      <p:nvGrpSpPr>
+        <p:cNvPr id="1" name=""/>
+        <p:cNvGrpSpPr/>
+        <p:nvPr/>
+      </p:nvGrpSpPr>
+      <p:grpSpPr>
+        <a:xfrm>
+          <a:off x="0" y="0"/>
+          <a:ext cx="0" cy="0"/>
+          <a:chOff x="0" y="0"/>
+          <a:chExt cx="0" cy="0"/>
+        </a:xfrm>
+      </p:grpSpPr>
+      <p:sp>
+        <p:nvSpPr>
+          <p:cNvPr id="2" name="Titel 1"/>
+          <p:cNvSpPr>
+            <a:spLocks noGrp="1"/>
+          </p:cNvSpPr>
+          <p:nvPr>
+            <p:ph type="title"/>
+          </p:nvPr>
+        </p:nvSpPr>
+        <p:spPr>
+          <a:xfrm>
+            <a:off x="981075" y="2422525"/>
+            <a:ext cx="10515600" cy="1325563"/>
+          </a:xfrm>
+        </p:spPr>
+        <p:txBody>
+          <a:bodyPr/>
+          <a:lstStyle/>
+          <a:p>
+            <a:r>
+              <a:rPr lang="de-DE" dirty="0" err="1" smtClean="0"/>
+              <a:t>NBM_wt</a:t>
+            </a:r>
+            <a:r>
+              <a:rPr lang="de-DE" dirty="0" smtClean="0"/>
+              <a:t> </a:t>
+            </a:r>
+            <a:r>
+              <a:rPr lang="de-DE" dirty="0" err="1" smtClean="0"/>
+              <a:t>vs</a:t>
+            </a:r>
+            <a:r>
+              <a:rPr lang="de-DE" dirty="0" smtClean="0"/>
+              <a:t> </a:t>
+            </a:r>
+            <a:r>
+              <a:rPr lang="de-DE" dirty="0" err="1" smtClean="0"/>
+              <a:t>NBM_mut</a:t>
+            </a:r>
+            <a:r>
+              <a:rPr lang="de-DE" dirty="0" smtClean="0"/>
+              <a:t> (Fig. 4)</a:t>
+            </a:r>
+            <a:endParaRPr lang="en-GB" dirty="0"/>
+          </a:p>
+        </p:txBody>
+      </p:sp>
+    </p:spTree>
+    <p:extLst>
+      <p:ext uri="{BB962C8B-B14F-4D97-AF65-F5344CB8AC3E}">
+        <p14:creationId xmlns:p14="http://schemas.microsoft.com/office/powerpoint/2010/main" val="3496721673"/>
+      </p:ext>
+    </p:extLst>
+  </p:cSld>
+  <p:clrMapOvr>
+    <a:masterClrMapping/>
+  </p:clrMapOvr>
+</p:sld>
+</file>
+
+<file path=ppt/slides/slide16.xml><?xml version="1.0" encoding="utf-8"?>
+<p:sld xmlns:a="http://schemas.openxmlformats.org/drawingml/2006/main" xmlns:r="http://schemas.openxmlformats.org/officeDocument/2006/relationships" xmlns:p="http://schemas.openxmlformats.org/presentationml/2006/main">
+  <p:cSld>
+    <p:spTree>
+      <p:nvGrpSpPr>
+        <p:cNvPr id="1" name=""/>
+        <p:cNvGrpSpPr/>
+        <p:nvPr/>
+      </p:nvGrpSpPr>
+      <p:grpSpPr>
+        <a:xfrm>
+          <a:off x="0" y="0"/>
+          <a:ext cx="0" cy="0"/>
+          <a:chOff x="0" y="0"/>
+          <a:chExt cx="0" cy="0"/>
+        </a:xfrm>
+      </p:grpSpPr>
+      <p:sp>
+        <p:nvSpPr>
+          <p:cNvPr id="2" name="Titel 1"/>
+          <p:cNvSpPr>
+            <a:spLocks noGrp="1"/>
+          </p:cNvSpPr>
+          <p:nvPr>
+            <p:ph type="title"/>
+          </p:nvPr>
+        </p:nvSpPr>
+        <p:spPr/>
+        <p:txBody>
+          <a:bodyPr/>
+          <a:lstStyle/>
+          <a:p>
+            <a:endParaRPr lang="en-GB"/>
+          </a:p>
+        </p:txBody>
+      </p:sp>
+      <p:sp>
+        <p:nvSpPr>
+          <p:cNvPr id="3" name="Inhaltsplatzhalter 2"/>
+          <p:cNvSpPr>
+            <a:spLocks noGrp="1"/>
+          </p:cNvSpPr>
+          <p:nvPr>
+            <p:ph idx="1"/>
+          </p:nvPr>
+        </p:nvSpPr>
+        <p:spPr/>
+        <p:txBody>
+          <a:bodyPr/>
+          <a:lstStyle/>
+          <a:p>
+            <a:r>
+              <a:rPr lang="de-DE" dirty="0" err="1" smtClean="0"/>
+              <a:t>No</a:t>
+            </a:r>
+            <a:r>
+              <a:rPr lang="de-DE" dirty="0" smtClean="0"/>
+              <a:t> </a:t>
+            </a:r>
+            <a:r>
+              <a:rPr lang="de-DE" dirty="0" err="1" smtClean="0"/>
+              <a:t>significant</a:t>
+            </a:r>
+            <a:r>
+              <a:rPr lang="de-DE" dirty="0" smtClean="0"/>
+              <a:t> </a:t>
+            </a:r>
+            <a:r>
+              <a:rPr lang="de-DE" dirty="0" err="1" smtClean="0"/>
+              <a:t>differences</a:t>
+            </a:r>
+            <a:r>
+              <a:rPr lang="de-DE" dirty="0" smtClean="0"/>
+              <a:t> </a:t>
+            </a:r>
+            <a:r>
+              <a:rPr lang="de-DE" dirty="0" err="1" smtClean="0"/>
+              <a:t>between</a:t>
+            </a:r>
+            <a:r>
+              <a:rPr lang="de-DE" dirty="0" smtClean="0"/>
+              <a:t> </a:t>
+            </a:r>
+            <a:r>
+              <a:rPr lang="de-DE" dirty="0" err="1" smtClean="0"/>
+              <a:t>the</a:t>
+            </a:r>
+            <a:r>
+              <a:rPr lang="de-DE" dirty="0" smtClean="0"/>
+              <a:t> </a:t>
+            </a:r>
+            <a:r>
+              <a:rPr lang="de-DE" dirty="0" err="1" smtClean="0"/>
+              <a:t>groups</a:t>
+            </a:r>
+            <a:r>
+              <a:rPr lang="de-DE" dirty="0" smtClean="0"/>
+              <a:t> (</a:t>
+            </a:r>
+            <a:r>
+              <a:rPr lang="de-DE" dirty="0" err="1" smtClean="0"/>
+              <a:t>when</a:t>
+            </a:r>
+            <a:r>
+              <a:rPr lang="de-DE" dirty="0" smtClean="0"/>
+              <a:t> </a:t>
+            </a:r>
+            <a:r>
+              <a:rPr lang="de-DE" dirty="0" err="1" smtClean="0"/>
+              <a:t>split</a:t>
+            </a:r>
+            <a:r>
+              <a:rPr lang="de-DE" dirty="0" smtClean="0"/>
+              <a:t> </a:t>
+            </a:r>
+            <a:r>
+              <a:rPr lang="de-DE" dirty="0" err="1" smtClean="0"/>
+              <a:t>by</a:t>
+            </a:r>
+            <a:r>
+              <a:rPr lang="de-DE" dirty="0" smtClean="0"/>
+              <a:t> </a:t>
+            </a:r>
+            <a:r>
+              <a:rPr lang="de-DE" dirty="0" err="1" smtClean="0"/>
+              <a:t>prior</a:t>
+            </a:r>
+            <a:r>
+              <a:rPr lang="de-DE" dirty="0" smtClean="0"/>
+              <a:t> BRAF </a:t>
+            </a:r>
+            <a:r>
+              <a:rPr lang="de-DE" dirty="0" err="1" smtClean="0"/>
+              <a:t>therapy</a:t>
+            </a:r>
+            <a:r>
+              <a:rPr lang="de-DE" dirty="0" smtClean="0"/>
+              <a:t>)</a:t>
+            </a:r>
+          </a:p>
+          <a:p>
+            <a:r>
+              <a:rPr lang="de-DE" dirty="0" smtClean="0"/>
+              <a:t>But </a:t>
+            </a:r>
+            <a:r>
+              <a:rPr lang="de-DE" dirty="0" err="1" smtClean="0"/>
+              <a:t>with</a:t>
+            </a:r>
+            <a:r>
+              <a:rPr lang="de-DE" dirty="0" smtClean="0"/>
+              <a:t> </a:t>
+            </a:r>
+            <a:r>
+              <a:rPr lang="de-DE" dirty="0" err="1" smtClean="0"/>
+              <a:t>the</a:t>
+            </a:r>
+            <a:r>
+              <a:rPr lang="de-DE" dirty="0" smtClean="0"/>
+              <a:t> </a:t>
+            </a:r>
+            <a:r>
+              <a:rPr lang="de-DE" dirty="0" err="1" smtClean="0"/>
+              <a:t>miRNAs</a:t>
+            </a:r>
+            <a:r>
+              <a:rPr lang="de-DE" dirty="0" smtClean="0"/>
+              <a:t> </a:t>
+            </a:r>
+            <a:r>
+              <a:rPr lang="de-DE" dirty="0" err="1" smtClean="0"/>
+              <a:t>from</a:t>
+            </a:r>
+            <a:r>
+              <a:rPr lang="de-DE" dirty="0" smtClean="0"/>
+              <a:t> </a:t>
+            </a:r>
+            <a:r>
+              <a:rPr lang="de-DE" dirty="0" err="1" smtClean="0"/>
+              <a:t>the</a:t>
+            </a:r>
+            <a:r>
+              <a:rPr lang="de-DE" dirty="0" smtClean="0"/>
+              <a:t> </a:t>
+            </a:r>
+            <a:r>
+              <a:rPr lang="de-DE" dirty="0" err="1" smtClean="0"/>
+              <a:t>old</a:t>
+            </a:r>
+            <a:r>
+              <a:rPr lang="de-DE" dirty="0" smtClean="0"/>
+              <a:t> </a:t>
+            </a:r>
+            <a:r>
+              <a:rPr lang="de-DE" dirty="0" err="1" smtClean="0"/>
+              <a:t>figure</a:t>
+            </a:r>
+            <a:r>
+              <a:rPr lang="de-DE" dirty="0" smtClean="0"/>
+              <a:t>:</a:t>
+            </a:r>
+          </a:p>
+          <a:p>
+            <a:endParaRPr lang="de-DE" dirty="0"/>
+          </a:p>
+          <a:p>
+            <a:endParaRPr lang="en-GB" dirty="0"/>
+          </a:p>
+        </p:txBody>
+      </p:sp>
+      <p:pic>
+        <p:nvPicPr>
+          <p:cNvPr id="7" name="Grafik 6"/>
+          <p:cNvPicPr>
+            <a:picLocks noChangeAspect="1"/>
+          </p:cNvPicPr>
+          <p:nvPr/>
+        </p:nvPicPr>
+        <p:blipFill>
+          <a:blip r:embed="rId2" cstate="print">
+            <a:extLst>
+              <a:ext uri="{28A0092B-C50C-407E-A947-70E740481C1C}">
+                <a14:useLocalDpi xmlns:a14="http://schemas.microsoft.com/office/drawing/2010/main" val="0"/>
+              </a:ext>
+            </a:extLst>
+          </a:blip>
+          <a:stretch>
+            <a:fillRect/>
+          </a:stretch>
+        </p:blipFill>
+        <p:spPr>
+          <a:xfrm>
+            <a:off x="1885940" y="3200397"/>
+            <a:ext cx="9144019" cy="2743206"/>
+          </a:xfrm>
+          <a:prstGeom prst="rect">
+            <a:avLst/>
+          </a:prstGeom>
+        </p:spPr>
+      </p:pic>
+    </p:spTree>
+    <p:extLst>
+      <p:ext uri="{BB962C8B-B14F-4D97-AF65-F5344CB8AC3E}">
+        <p14:creationId xmlns:p14="http://schemas.microsoft.com/office/powerpoint/2010/main" val="2746629671"/>
+      </p:ext>
+    </p:extLst>
+  </p:cSld>
+  <p:clrMapOvr>
+    <a:masterClrMapping/>
+  </p:clrMapOvr>
+</p:sld>
+</file>
+
+<file path=ppt/slides/slide17.xml><?xml version="1.0" encoding="utf-8"?>
+<p:sld xmlns:a="http://schemas.openxmlformats.org/drawingml/2006/main" xmlns:r="http://schemas.openxmlformats.org/officeDocument/2006/relationships" xmlns:p="http://schemas.openxmlformats.org/presentationml/2006/main">
+  <p:cSld>
+    <p:spTree>
+      <p:nvGrpSpPr>
+        <p:cNvPr id="1" name=""/>
+        <p:cNvGrpSpPr/>
+        <p:nvPr/>
+      </p:nvGrpSpPr>
+      <p:grpSpPr>
+        <a:xfrm>
+          <a:off x="0" y="0"/>
+          <a:ext cx="0" cy="0"/>
+          <a:chOff x="0" y="0"/>
+          <a:chExt cx="0" cy="0"/>
+        </a:xfrm>
+      </p:grpSpPr>
+      <p:sp>
+        <p:nvSpPr>
+          <p:cNvPr id="4" name="Titel 1"/>
+          <p:cNvSpPr txBox="1">
+            <a:spLocks/>
+          </p:cNvSpPr>
+          <p:nvPr/>
+        </p:nvSpPr>
+        <p:spPr>
+          <a:xfrm>
+            <a:off x="981075" y="2422525"/>
+            <a:ext cx="10515600" cy="1325563"/>
+          </a:xfrm>
+          <a:prstGeom prst="rect">
+            <a:avLst/>
+          </a:prstGeom>
+        </p:spPr>
+        <p:txBody>
+          <a:bodyPr vert="horz" lIns="91440" tIns="45720" rIns="91440" bIns="45720" rtlCol="0" anchor="ctr">
+            <a:normAutofit/>
+          </a:bodyPr>
+          <a:lstStyle>
+            <a:lvl1pPr algn="l" defTabSz="914400" rtl="0" eaLnBrk="1" latinLnBrk="0" hangingPunct="1">
+              <a:lnSpc>
+                <a:spcPct val="90000"/>
+              </a:lnSpc>
+              <a:spcBef>
+                <a:spcPct val="0"/>
+              </a:spcBef>
+              <a:buNone/>
+              <a:defRPr sz="4400" kern="1200">
+                <a:solidFill>
+                  <a:schemeClr val="tx1"/>
+                </a:solidFill>
+                <a:latin typeface="+mj-lt"/>
+                <a:ea typeface="+mj-ea"/>
+                <a:cs typeface="+mj-cs"/>
+              </a:defRPr>
+            </a:lvl1pPr>
+          </a:lstStyle>
+          <a:p>
+            <a:r>
+              <a:rPr lang="de-DE" dirty="0" err="1" smtClean="0"/>
+              <a:t>NBM_wt</a:t>
+            </a:r>
+            <a:r>
+              <a:rPr lang="de-DE" dirty="0" smtClean="0"/>
+              <a:t> </a:t>
+            </a:r>
+            <a:r>
+              <a:rPr lang="de-DE" dirty="0" err="1" smtClean="0"/>
+              <a:t>vs</a:t>
+            </a:r>
+            <a:r>
+              <a:rPr lang="de-DE" dirty="0" smtClean="0"/>
+              <a:t> </a:t>
+            </a:r>
+            <a:r>
+              <a:rPr lang="de-DE" dirty="0" err="1" smtClean="0"/>
+              <a:t>BM_wt</a:t>
+            </a:r>
+            <a:r>
+              <a:rPr lang="de-DE" dirty="0" smtClean="0"/>
+              <a:t> (Fig. 6)</a:t>
+            </a:r>
+            <a:endParaRPr lang="en-GB" dirty="0"/>
+          </a:p>
+        </p:txBody>
+      </p:sp>
+    </p:spTree>
+    <p:extLst>
+      <p:ext uri="{BB962C8B-B14F-4D97-AF65-F5344CB8AC3E}">
+        <p14:creationId xmlns:p14="http://schemas.microsoft.com/office/powerpoint/2010/main" val="3404828482"/>
+      </p:ext>
+    </p:extLst>
+  </p:cSld>
+  <p:clrMapOvr>
+    <a:masterClrMapping/>
+  </p:clrMapOvr>
+</p:sld>
+</file>
+
+<file path=ppt/slides/slide18.xml><?xml version="1.0" encoding="utf-8"?>
+<p:sld xmlns:a="http://schemas.openxmlformats.org/drawingml/2006/main" xmlns:r="http://schemas.openxmlformats.org/officeDocument/2006/relationships" xmlns:p="http://schemas.openxmlformats.org/presentationml/2006/main">
+  <p:cSld>
+    <p:spTree>
+      <p:nvGrpSpPr>
+        <p:cNvPr id="1" name=""/>
+        <p:cNvGrpSpPr/>
+        <p:nvPr/>
+      </p:nvGrpSpPr>
+      <p:grpSpPr>
+        <a:xfrm>
+          <a:off x="0" y="0"/>
+          <a:ext cx="0" cy="0"/>
+          <a:chOff x="0" y="0"/>
+          <a:chExt cx="0" cy="0"/>
+        </a:xfrm>
+      </p:grpSpPr>
+      <p:grpSp>
+        <p:nvGrpSpPr>
+          <p:cNvPr id="11" name="Gruppieren 10"/>
+          <p:cNvGrpSpPr/>
+          <p:nvPr/>
+        </p:nvGrpSpPr>
+        <p:grpSpPr>
+          <a:xfrm>
+            <a:off x="3613782" y="2349738"/>
+            <a:ext cx="3577596" cy="2853403"/>
+            <a:chOff x="3613782" y="2349738"/>
+            <a:chExt cx="3577596" cy="2853403"/>
+          </a:xfrm>
+        </p:grpSpPr>
+        <p:grpSp>
+          <p:nvGrpSpPr>
+            <p:cNvPr id="9" name="Gruppieren 8"/>
+            <p:cNvGrpSpPr/>
+            <p:nvPr/>
+          </p:nvGrpSpPr>
+          <p:grpSpPr>
+            <a:xfrm>
+              <a:off x="3613782" y="2514598"/>
+              <a:ext cx="3577596" cy="2688543"/>
+              <a:chOff x="3613782" y="2514598"/>
+              <a:chExt cx="3577596" cy="2688543"/>
+            </a:xfrm>
+          </p:grpSpPr>
+          <p:pic>
+            <p:nvPicPr>
+              <p:cNvPr id="6" name="Grafik 5"/>
+              <p:cNvPicPr>
+                <a:picLocks noChangeAspect="1"/>
+              </p:cNvPicPr>
+              <p:nvPr/>
+            </p:nvPicPr>
+            <p:blipFill>
+              <a:blip r:embed="rId2" cstate="print">
+                <a:extLst>
+                  <a:ext uri="{28A0092B-C50C-407E-A947-70E740481C1C}">
+                    <a14:useLocalDpi xmlns:a14="http://schemas.microsoft.com/office/drawing/2010/main" val="0"/>
+                  </a:ext>
+                </a:extLst>
+              </a:blip>
+              <a:stretch>
+                <a:fillRect/>
+              </a:stretch>
+            </p:blipFill>
+            <p:spPr>
+              <a:xfrm>
+                <a:off x="4448172" y="2514598"/>
+                <a:ext cx="2743206" cy="1828804"/>
+              </a:xfrm>
+              <a:prstGeom prst="rect">
+                <a:avLst/>
+              </a:prstGeom>
+            </p:spPr>
+          </p:pic>
+          <p:sp>
+            <p:nvSpPr>
+              <p:cNvPr id="7" name="Textfeld 6"/>
+              <p:cNvSpPr txBox="1"/>
+              <p:nvPr/>
+            </p:nvSpPr>
+            <p:spPr>
+              <a:xfrm>
+                <a:off x="5244462" y="4261487"/>
+                <a:ext cx="903177" cy="938719"/>
+              </a:xfrm>
+              <a:prstGeom prst="rect">
+                <a:avLst/>
+              </a:prstGeom>
+              <a:noFill/>
+            </p:spPr>
+            <p:txBody>
+              <a:bodyPr wrap="square" rtlCol="0">
+                <a:spAutoFit/>
+              </a:bodyPr>
+              <a:lstStyle/>
+              <a:p>
+                <a:r>
+                  <a:rPr lang="de-DE" sz="1100" dirty="0" smtClean="0">
+                    <a:latin typeface="Arial" panose="020B0604020202020204" pitchFamily="34" charset="0"/>
+                    <a:cs typeface="Arial" panose="020B0604020202020204" pitchFamily="34" charset="0"/>
+                  </a:rPr>
+                  <a:t>-              -</a:t>
+                </a:r>
+              </a:p>
+              <a:p>
+                <a:r>
+                  <a:rPr lang="de-DE" sz="1100" dirty="0" smtClean="0">
+                    <a:latin typeface="Arial" panose="020B0604020202020204" pitchFamily="34" charset="0"/>
+                    <a:cs typeface="Arial" panose="020B0604020202020204" pitchFamily="34" charset="0"/>
+                  </a:rPr>
+                  <a:t>-              -</a:t>
+                </a:r>
+              </a:p>
+              <a:p>
+                <a:r>
+                  <a:rPr lang="de-DE" sz="1100" dirty="0" smtClean="0">
+                    <a:latin typeface="Arial" panose="020B0604020202020204" pitchFamily="34" charset="0"/>
+                    <a:cs typeface="Arial" panose="020B0604020202020204" pitchFamily="34" charset="0"/>
+                  </a:rPr>
+                  <a:t>+             -</a:t>
+                </a:r>
+              </a:p>
+              <a:p>
+                <a:r>
+                  <a:rPr lang="de-DE" sz="1100" dirty="0" smtClean="0">
+                    <a:latin typeface="Arial" panose="020B0604020202020204" pitchFamily="34" charset="0"/>
+                    <a:cs typeface="Arial" panose="020B0604020202020204" pitchFamily="34" charset="0"/>
+                  </a:rPr>
+                  <a:t>+            +</a:t>
+                </a:r>
+              </a:p>
+              <a:p>
+                <a:r>
+                  <a:rPr lang="de-DE" sz="1100" dirty="0" smtClean="0">
+                    <a:latin typeface="Arial" panose="020B0604020202020204" pitchFamily="34" charset="0"/>
+                    <a:cs typeface="Arial" panose="020B0604020202020204" pitchFamily="34" charset="0"/>
+                  </a:rPr>
+                  <a:t>5            26     </a:t>
+                </a:r>
+              </a:p>
+            </p:txBody>
+          </p:sp>
+          <p:sp>
+            <p:nvSpPr>
+              <p:cNvPr id="8" name="Textfeld 7"/>
+              <p:cNvSpPr txBox="1"/>
+              <p:nvPr/>
+            </p:nvSpPr>
+            <p:spPr>
+              <a:xfrm>
+                <a:off x="3613782" y="4264422"/>
+                <a:ext cx="1630680" cy="938719"/>
+              </a:xfrm>
+              <a:prstGeom prst="rect">
+                <a:avLst/>
+              </a:prstGeom>
+              <a:noFill/>
+            </p:spPr>
+            <p:txBody>
+              <a:bodyPr wrap="square" rtlCol="0">
+                <a:spAutoFit/>
+              </a:bodyPr>
+              <a:lstStyle/>
+              <a:p>
+                <a:pPr algn="r"/>
+                <a:r>
+                  <a:rPr lang="de-DE" sz="1100" b="1" dirty="0" smtClean="0">
+                    <a:latin typeface="Arial" panose="020B0604020202020204" pitchFamily="34" charset="0"/>
+                    <a:cs typeface="Arial" panose="020B0604020202020204" pitchFamily="34" charset="0"/>
+                  </a:rPr>
+                  <a:t>BRAF</a:t>
+                </a:r>
+                <a:r>
+                  <a:rPr lang="en-GB" sz="1100" b="1" baseline="30000" dirty="0" smtClean="0">
+                    <a:latin typeface="Arial" panose="020B0604020202020204" pitchFamily="34" charset="0"/>
+                    <a:cs typeface="Arial" panose="020B0604020202020204" pitchFamily="34" charset="0"/>
+                  </a:rPr>
+                  <a:t>V600 </a:t>
+                </a:r>
+                <a:r>
+                  <a:rPr lang="en-GB" sz="1100" b="1" dirty="0" smtClean="0">
+                    <a:latin typeface="Arial" panose="020B0604020202020204" pitchFamily="34" charset="0"/>
+                    <a:cs typeface="Arial" panose="020B0604020202020204" pitchFamily="34" charset="0"/>
+                  </a:rPr>
+                  <a:t> Mutation</a:t>
+                </a:r>
+              </a:p>
+              <a:p>
+                <a:pPr algn="r"/>
+                <a:r>
+                  <a:rPr lang="de-DE" sz="1100" b="1" dirty="0" smtClean="0">
+                    <a:latin typeface="Arial" panose="020B0604020202020204" pitchFamily="34" charset="0"/>
+                    <a:cs typeface="Arial" panose="020B0604020202020204" pitchFamily="34" charset="0"/>
+                  </a:rPr>
+                  <a:t>BRAF/MEK Inhibitor</a:t>
+                </a:r>
+              </a:p>
+              <a:p>
+                <a:pPr algn="r"/>
+                <a:r>
+                  <a:rPr lang="de-DE" sz="1100" b="1" dirty="0" smtClean="0">
+                    <a:latin typeface="Arial" panose="020B0604020202020204" pitchFamily="34" charset="0"/>
+                    <a:cs typeface="Arial" panose="020B0604020202020204" pitchFamily="34" charset="0"/>
+                  </a:rPr>
+                  <a:t>Brain </a:t>
+                </a:r>
+                <a:r>
+                  <a:rPr lang="de-DE" sz="1100" b="1" dirty="0" err="1" smtClean="0">
+                    <a:latin typeface="Arial" panose="020B0604020202020204" pitchFamily="34" charset="0"/>
+                    <a:cs typeface="Arial" panose="020B0604020202020204" pitchFamily="34" charset="0"/>
+                  </a:rPr>
+                  <a:t>metastasis</a:t>
+                </a:r>
+                <a:endParaRPr lang="de-DE" sz="1100" b="1" dirty="0" smtClean="0">
+                  <a:latin typeface="Arial" panose="020B0604020202020204" pitchFamily="34" charset="0"/>
+                  <a:cs typeface="Arial" panose="020B0604020202020204" pitchFamily="34" charset="0"/>
+                </a:endParaRPr>
+              </a:p>
+              <a:p>
+                <a:pPr algn="r"/>
+                <a:r>
+                  <a:rPr lang="de-DE" sz="1100" b="1" dirty="0" err="1" smtClean="0">
+                    <a:latin typeface="Arial" panose="020B0604020202020204" pitchFamily="34" charset="0"/>
+                    <a:cs typeface="Arial" panose="020B0604020202020204" pitchFamily="34" charset="0"/>
+                  </a:rPr>
+                  <a:t>Melanoma</a:t>
+                </a:r>
+                <a:endParaRPr lang="de-DE" sz="1100" b="1" dirty="0" smtClean="0">
+                  <a:latin typeface="Arial" panose="020B0604020202020204" pitchFamily="34" charset="0"/>
+                  <a:cs typeface="Arial" panose="020B0604020202020204" pitchFamily="34" charset="0"/>
+                </a:endParaRPr>
+              </a:p>
+              <a:p>
+                <a:pPr algn="r"/>
+                <a:r>
+                  <a:rPr lang="de-DE" sz="1100" b="1" dirty="0">
+                    <a:latin typeface="Arial" panose="020B0604020202020204" pitchFamily="34" charset="0"/>
+                    <a:cs typeface="Arial" panose="020B0604020202020204" pitchFamily="34" charset="0"/>
+                  </a:rPr>
+                  <a:t>n</a:t>
+                </a:r>
+                <a:endParaRPr lang="de-DE" sz="1100" b="1" dirty="0" smtClean="0">
+                  <a:latin typeface="Arial" panose="020B0604020202020204" pitchFamily="34" charset="0"/>
+                  <a:cs typeface="Arial" panose="020B0604020202020204" pitchFamily="34" charset="0"/>
+                </a:endParaRPr>
+              </a:p>
+            </p:txBody>
+          </p:sp>
+        </p:grpSp>
+        <p:pic>
+          <p:nvPicPr>
+            <p:cNvPr id="10" name="Grafik 9"/>
+            <p:cNvPicPr>
+              <a:picLocks noChangeAspect="1"/>
+            </p:cNvPicPr>
+            <p:nvPr/>
+          </p:nvPicPr>
+          <p:blipFill rotWithShape="1">
+            <a:blip r:embed="rId3" cstate="print">
+              <a:extLst>
+                <a:ext uri="{28A0092B-C50C-407E-A947-70E740481C1C}">
+                  <a14:useLocalDpi xmlns:a14="http://schemas.microsoft.com/office/drawing/2010/main" val="0"/>
+                </a:ext>
+              </a:extLst>
+            </a:blip>
+            <a:srcRect l="8282" t="51729" r="79218" b="42369"/>
+            <a:stretch/>
+          </p:blipFill>
+          <p:spPr>
+            <a:xfrm>
+              <a:off x="5244462" y="2349738"/>
+              <a:ext cx="914400" cy="161925"/>
+            </a:xfrm>
+            <a:prstGeom prst="rect">
+              <a:avLst/>
+            </a:prstGeom>
+          </p:spPr>
+        </p:pic>
+      </p:grpSp>
+    </p:spTree>
+    <p:extLst>
+      <p:ext uri="{BB962C8B-B14F-4D97-AF65-F5344CB8AC3E}">
+        <p14:creationId xmlns:p14="http://schemas.microsoft.com/office/powerpoint/2010/main" val="1822393618"/>
+      </p:ext>
+    </p:extLst>
+  </p:cSld>
+  <p:clrMapOvr>
+    <a:masterClrMapping/>
+  </p:clrMapOvr>
+</p:sld>
+</file>
+
+<file path=ppt/slides/slide19.xml><?xml version="1.0" encoding="utf-8"?>
+<p:sld xmlns:a="http://schemas.openxmlformats.org/drawingml/2006/main" xmlns:r="http://schemas.openxmlformats.org/officeDocument/2006/relationships" xmlns:p="http://schemas.openxmlformats.org/presentationml/2006/main">
+  <p:cSld>
+    <p:spTree>
+      <p:nvGrpSpPr>
+        <p:cNvPr id="1" name=""/>
+        <p:cNvGrpSpPr/>
+        <p:nvPr/>
+      </p:nvGrpSpPr>
+      <p:grpSpPr>
+        <a:xfrm>
+          <a:off x="0" y="0"/>
+          <a:ext cx="0" cy="0"/>
+          <a:chOff x="0" y="0"/>
+          <a:chExt cx="0" cy="0"/>
+        </a:xfrm>
+      </p:grpSpPr>
+      <p:sp>
+        <p:nvSpPr>
+          <p:cNvPr id="2" name="Titel 1"/>
+          <p:cNvSpPr>
+            <a:spLocks noGrp="1"/>
+          </p:cNvSpPr>
+          <p:nvPr>
+            <p:ph type="title"/>
+          </p:nvPr>
+        </p:nvSpPr>
+        <p:spPr/>
+        <p:txBody>
+          <a:bodyPr/>
+          <a:lstStyle/>
+          <a:p>
+            <a:endParaRPr lang="en-GB"/>
+          </a:p>
+        </p:txBody>
+      </p:sp>
+      <p:sp>
+        <p:nvSpPr>
+          <p:cNvPr id="3" name="Inhaltsplatzhalter 2"/>
+          <p:cNvSpPr>
+            <a:spLocks noGrp="1"/>
+          </p:cNvSpPr>
+          <p:nvPr>
+            <p:ph idx="1"/>
+          </p:nvPr>
+        </p:nvSpPr>
+        <p:spPr/>
+        <p:txBody>
+          <a:bodyPr/>
+          <a:lstStyle/>
+          <a:p>
+            <a:r>
+              <a:rPr lang="de-DE" dirty="0" smtClean="0"/>
+              <a:t>Die 2 </a:t>
+            </a:r>
+            <a:r>
+              <a:rPr lang="de-DE" dirty="0" err="1" smtClean="0"/>
+              <a:t>miRNAs</a:t>
+            </a:r>
+            <a:r>
+              <a:rPr lang="de-DE" dirty="0" smtClean="0"/>
+              <a:t> aus Fig. 9 sind nach multiple </a:t>
+            </a:r>
+            <a:r>
+              <a:rPr lang="de-DE" dirty="0" err="1" smtClean="0"/>
+              <a:t>testing</a:t>
+            </a:r>
+            <a:r>
+              <a:rPr lang="de-DE" dirty="0" smtClean="0"/>
+              <a:t> </a:t>
+            </a:r>
+            <a:r>
+              <a:rPr lang="de-DE" dirty="0" err="1" smtClean="0"/>
+              <a:t>correction</a:t>
+            </a:r>
+            <a:r>
+              <a:rPr lang="de-DE" dirty="0" smtClean="0"/>
+              <a:t> nicht mehr signifikant</a:t>
+            </a:r>
+          </a:p>
+          <a:p>
+            <a:endParaRPr lang="en-GB" dirty="0"/>
+          </a:p>
+        </p:txBody>
+      </p:sp>
+    </p:spTree>
+    <p:extLst>
+      <p:ext uri="{BB962C8B-B14F-4D97-AF65-F5344CB8AC3E}">
+        <p14:creationId xmlns:p14="http://schemas.microsoft.com/office/powerpoint/2010/main" val="2324445806"/>
+      </p:ext>
+    </p:extLst>
+  </p:cSld>
+  <p:clrMapOvr>
+    <a:masterClrMapping/>
+  </p:clrMapOvr>
+</p:sld>
+</file>
+
+<file path=ppt/slides/slide2.xml><?xml version="1.0" encoding="utf-8"?>
+<p:sld xmlns:a="http://schemas.openxmlformats.org/drawingml/2006/main" xmlns:r="http://schemas.openxmlformats.org/officeDocument/2006/relationships" xmlns:p="http://schemas.openxmlformats.org/presentationml/2006/main">
+  <p:cSld>
+    <p:spTree>
+      <p:nvGrpSpPr>
+        <p:cNvPr id="1" name=""/>
+        <p:cNvGrpSpPr/>
+        <p:nvPr/>
+      </p:nvGrpSpPr>
+      <p:grpSpPr>
+        <a:xfrm>
+          <a:off x="0" y="0"/>
+          <a:ext cx="0" cy="0"/>
+          <a:chOff x="0" y="0"/>
+          <a:chExt cx="0" cy="0"/>
+        </a:xfrm>
+      </p:grpSpPr>
+      <p:sp>
+        <p:nvSpPr>
+          <p:cNvPr id="2" name="Titel 1"/>
+          <p:cNvSpPr>
+            <a:spLocks noGrp="1"/>
+          </p:cNvSpPr>
+          <p:nvPr>
+            <p:ph type="title"/>
+          </p:nvPr>
+        </p:nvSpPr>
+        <p:spPr/>
+        <p:txBody>
+          <a:bodyPr/>
+          <a:lstStyle/>
+          <a:p>
+            <a:r>
+              <a:rPr lang="de-DE" dirty="0" smtClean="0"/>
+              <a:t>Statistik</a:t>
+            </a:r>
+            <a:endParaRPr lang="en-GB" dirty="0"/>
+          </a:p>
+        </p:txBody>
+      </p:sp>
+      <p:sp>
+        <p:nvSpPr>
+          <p:cNvPr id="3" name="Inhaltsplatzhalter 2"/>
+          <p:cNvSpPr>
+            <a:spLocks noGrp="1"/>
+          </p:cNvSpPr>
+          <p:nvPr>
+            <p:ph idx="1"/>
+          </p:nvPr>
+        </p:nvSpPr>
+        <p:spPr/>
+        <p:txBody>
+          <a:bodyPr>
+            <a:normAutofit lnSpcReduction="10000"/>
+          </a:bodyPr>
+          <a:lstStyle/>
+          <a:p>
+            <a:r>
+              <a:rPr lang="de-DE" dirty="0" smtClean="0"/>
+              <a:t>Alle statistischen Analysen wurden mit log2 transformierten Werten durchgeführt, da Genexpression log-normalverteilt ist</a:t>
+            </a:r>
+          </a:p>
+          <a:p>
+            <a:r>
+              <a:rPr lang="de-DE" dirty="0" smtClean="0"/>
+              <a:t>Die Darstellung der Expression erfolgte aber im </a:t>
+            </a:r>
+            <a:r>
+              <a:rPr lang="de-DE" dirty="0" err="1" smtClean="0"/>
+              <a:t>untransformierten</a:t>
+            </a:r>
+            <a:r>
+              <a:rPr lang="de-DE" dirty="0" smtClean="0"/>
+              <a:t> Raum</a:t>
+            </a:r>
+          </a:p>
+          <a:p>
+            <a:r>
+              <a:rPr lang="de-DE" dirty="0" smtClean="0"/>
+              <a:t>Zunächst wurde für jede Analyse ein ANOVA mit </a:t>
+            </a:r>
+            <a:r>
+              <a:rPr lang="de-DE" dirty="0" err="1" smtClean="0"/>
+              <a:t>hccm</a:t>
+            </a:r>
+            <a:r>
+              <a:rPr lang="de-DE" dirty="0" smtClean="0"/>
+              <a:t> (</a:t>
+            </a:r>
+            <a:r>
+              <a:rPr lang="de-DE" dirty="0" err="1" smtClean="0"/>
+              <a:t>heteroscedasticity</a:t>
+            </a:r>
+            <a:r>
+              <a:rPr lang="de-DE" dirty="0" smtClean="0"/>
+              <a:t> </a:t>
+            </a:r>
+            <a:r>
+              <a:rPr lang="de-DE" dirty="0" err="1" smtClean="0"/>
+              <a:t>corrected</a:t>
+            </a:r>
+            <a:r>
+              <a:rPr lang="de-DE" dirty="0" smtClean="0"/>
+              <a:t> </a:t>
+            </a:r>
+            <a:r>
+              <a:rPr lang="de-DE" dirty="0" err="1" smtClean="0"/>
+              <a:t>covariance</a:t>
+            </a:r>
+            <a:r>
+              <a:rPr lang="de-DE" dirty="0" smtClean="0"/>
+              <a:t> </a:t>
+            </a:r>
+            <a:r>
+              <a:rPr lang="de-DE" dirty="0" err="1" smtClean="0"/>
+              <a:t>matrices</a:t>
+            </a:r>
+            <a:r>
+              <a:rPr lang="de-DE" dirty="0" smtClean="0"/>
+              <a:t>; wenn Gruppengrößen nicht gleich oder Varianzen einzelner Gruppen unterschiedlich) durchgeführt, dieser wurde mittels </a:t>
+            </a:r>
+            <a:r>
+              <a:rPr lang="de-DE" dirty="0" err="1" smtClean="0"/>
+              <a:t>holm</a:t>
+            </a:r>
+            <a:r>
+              <a:rPr lang="de-DE" dirty="0" smtClean="0"/>
+              <a:t> </a:t>
+            </a:r>
+            <a:r>
+              <a:rPr lang="de-DE" dirty="0" err="1" smtClean="0"/>
+              <a:t>correction</a:t>
+            </a:r>
+            <a:r>
+              <a:rPr lang="de-DE" dirty="0" smtClean="0"/>
+              <a:t> </a:t>
+            </a:r>
+            <a:r>
+              <a:rPr lang="de-DE" dirty="0" err="1" smtClean="0"/>
+              <a:t>adjusted</a:t>
+            </a:r>
+            <a:endParaRPr lang="de-DE" dirty="0" smtClean="0"/>
+          </a:p>
+          <a:p>
+            <a:r>
+              <a:rPr lang="de-DE" dirty="0" smtClean="0"/>
+              <a:t>Anschließend wurde ein Games-Howell Post-hoc Test zwischen den Gruppen durchgeführt, für die der </a:t>
+            </a:r>
+            <a:r>
+              <a:rPr lang="de-DE" dirty="0" err="1" smtClean="0"/>
+              <a:t>adjusted</a:t>
+            </a:r>
+            <a:r>
+              <a:rPr lang="de-DE" dirty="0" smtClean="0"/>
+              <a:t> ANOVA signifikant war </a:t>
+            </a:r>
+            <a:endParaRPr lang="en-GB" dirty="0"/>
+          </a:p>
+        </p:txBody>
+      </p:sp>
+    </p:spTree>
+    <p:extLst>
+      <p:ext uri="{BB962C8B-B14F-4D97-AF65-F5344CB8AC3E}">
+        <p14:creationId xmlns:p14="http://schemas.microsoft.com/office/powerpoint/2010/main" val="2375535646"/>
+      </p:ext>
+    </p:extLst>
+  </p:cSld>
+  <p:clrMapOvr>
+    <a:masterClrMapping/>
+  </p:clrMapOvr>
+</p:sld>
+</file>
+
+<file path=ppt/slides/slide3.xml><?xml version="1.0" encoding="utf-8"?>
+<p:sld xmlns:a="http://schemas.openxmlformats.org/drawingml/2006/main" xmlns:r="http://schemas.openxmlformats.org/officeDocument/2006/relationships" xmlns:p="http://schemas.openxmlformats.org/presentationml/2006/main">
+  <p:cSld>
+    <p:spTree>
+      <p:nvGrpSpPr>
+        <p:cNvPr id="1" name=""/>
+        <p:cNvGrpSpPr/>
+        <p:nvPr/>
+      </p:nvGrpSpPr>
+      <p:grpSpPr>
+        <a:xfrm>
+          <a:off x="0" y="0"/>
+          <a:ext cx="0" cy="0"/>
+          <a:chOff x="0" y="0"/>
+          <a:chExt cx="0" cy="0"/>
+        </a:xfrm>
+      </p:grpSpPr>
+      <p:sp>
+        <p:nvSpPr>
+          <p:cNvPr id="2" name="Titel 1"/>
+          <p:cNvSpPr>
+            <a:spLocks noGrp="1"/>
+          </p:cNvSpPr>
+          <p:nvPr>
+            <p:ph type="title"/>
+          </p:nvPr>
+        </p:nvSpPr>
+        <p:spPr>
+          <a:xfrm>
+            <a:off x="923925" y="2203450"/>
+            <a:ext cx="10515600" cy="1325563"/>
+          </a:xfrm>
+        </p:spPr>
+        <p:txBody>
+          <a:bodyPr/>
+          <a:lstStyle/>
+          <a:p>
+            <a:r>
+              <a:rPr lang="de-DE" dirty="0" smtClean="0"/>
+              <a:t>Unterschiede in BRAF Status unabhängig von Hirnmetastasen </a:t>
+            </a:r>
+            <a:endParaRPr lang="en-GB" dirty="0"/>
+          </a:p>
+        </p:txBody>
+      </p:sp>
+    </p:spTree>
+    <p:extLst>
+      <p:ext uri="{BB962C8B-B14F-4D97-AF65-F5344CB8AC3E}">
+        <p14:creationId xmlns:p14="http://schemas.microsoft.com/office/powerpoint/2010/main" val="1202830284"/>
+      </p:ext>
+    </p:extLst>
+  </p:cSld>
+  <p:clrMapOvr>
+    <a:masterClrMapping/>
+  </p:clrMapOvr>
+</p:sld>
+</file>
+
+<file path=ppt/slides/slide4.xml><?xml version="1.0" encoding="utf-8"?>
+<p:sld xmlns:a="http://schemas.openxmlformats.org/drawingml/2006/main" xmlns:r="http://schemas.openxmlformats.org/officeDocument/2006/relationships" xmlns:p="http://schemas.openxmlformats.org/presentationml/2006/main">
+  <p:cSld>
+    <p:spTree>
+      <p:nvGrpSpPr>
+        <p:cNvPr id="1" name=""/>
+        <p:cNvGrpSpPr/>
+        <p:nvPr/>
+      </p:nvGrpSpPr>
+      <p:grpSpPr>
+        <a:xfrm>
+          <a:off x="0" y="0"/>
+          <a:ext cx="0" cy="0"/>
+          <a:chOff x="0" y="0"/>
+          <a:chExt cx="0" cy="0"/>
+        </a:xfrm>
+      </p:grpSpPr>
+      <p:sp>
+        <p:nvSpPr>
           <p:cNvPr id="2" name="Textfeld 1"/>
           <p:cNvSpPr txBox="1"/>
           <p:nvPr/>
@@ -3773,14 +6513,7 @@
                 <a:latin typeface="Arial" panose="020B0604020202020204" pitchFamily="34" charset="0"/>
                 <a:cs typeface="Arial" panose="020B0604020202020204" pitchFamily="34" charset="0"/>
               </a:rPr>
-              <a:t>- </a:t>
-            </a:r>
-            <a:r>
-              <a:rPr lang="de-DE" sz="1400" dirty="0" smtClean="0">
-                <a:latin typeface="Arial" panose="020B0604020202020204" pitchFamily="34" charset="0"/>
-                <a:cs typeface="Arial" panose="020B0604020202020204" pitchFamily="34" charset="0"/>
-              </a:rPr>
-              <a:t>Statistical </a:t>
+              <a:t>- Statistical </a:t>
             </a:r>
             <a:r>
               <a:rPr lang="de-DE" sz="1400" dirty="0" err="1" smtClean="0">
@@ -4321,7 +7054,7 @@
 </p:sld>
 </file>
 
-<file path=ppt/slides/slide2.xml><?xml version="1.0" encoding="utf-8"?>
+<file path=ppt/slides/slide5.xml><?xml version="1.0" encoding="utf-8"?>
 <p:sld xmlns:a="http://schemas.openxmlformats.org/drawingml/2006/main" xmlns:r="http://schemas.openxmlformats.org/officeDocument/2006/relationships" xmlns:p="http://schemas.openxmlformats.org/presentationml/2006/main">
   <p:cSld>
     <p:spTree>
@@ -4340,7 +7073,7 @@
       </p:grpSpPr>
       <p:pic>
         <p:nvPicPr>
-          <p:cNvPr id="7" name="Grafik 6"/>
+          <p:cNvPr id="3" name="Grafik 2"/>
           <p:cNvPicPr>
             <a:picLocks noChangeAspect="1"/>
           </p:cNvPicPr>
@@ -4360,7 +7093,7 @@
         </p:blipFill>
         <p:spPr>
           <a:xfrm>
-            <a:off x="2383386" y="0"/>
+            <a:off x="1787703" y="102741"/>
             <a:ext cx="7715250" cy="6858000"/>
           </a:xfrm>
           <a:prstGeom prst="rect">
@@ -4381,7 +7114,7 @@
 </p:sld>
 </file>
 
-<file path=ppt/slides/slide3.xml><?xml version="1.0" encoding="utf-8"?>
+<file path=ppt/slides/slide6.xml><?xml version="1.0" encoding="utf-8"?>
 <p:sld xmlns:a="http://schemas.openxmlformats.org/drawingml/2006/main" xmlns:r="http://schemas.openxmlformats.org/officeDocument/2006/relationships" xmlns:p="http://schemas.openxmlformats.org/presentationml/2006/main">
   <p:cSld>
     <p:spTree>
@@ -4400,7 +7133,7 @@
       </p:grpSpPr>
       <p:pic>
         <p:nvPicPr>
-          <p:cNvPr id="4" name="Grafik 3"/>
+          <p:cNvPr id="3" name="Grafik 2"/>
           <p:cNvPicPr>
             <a:picLocks noChangeAspect="1"/>
           </p:cNvPicPr>
@@ -4420,7 +7153,7 @@
         </p:blipFill>
         <p:spPr>
           <a:xfrm>
-            <a:off x="2238375" y="0"/>
+            <a:off x="2094537" y="0"/>
             <a:ext cx="7715250" cy="6858000"/>
           </a:xfrm>
           <a:prstGeom prst="rect">
@@ -4441,7 +7174,7 @@
 </p:sld>
 </file>
 
-<file path=ppt/slides/slide4.xml><?xml version="1.0" encoding="utf-8"?>
+<file path=ppt/slides/slide7.xml><?xml version="1.0" encoding="utf-8"?>
 <p:sld xmlns:a="http://schemas.openxmlformats.org/drawingml/2006/main" xmlns:r="http://schemas.openxmlformats.org/officeDocument/2006/relationships" xmlns:p="http://schemas.openxmlformats.org/presentationml/2006/main">
   <p:cSld>
     <p:spTree>
@@ -4460,7 +7193,7 @@
       </p:grpSpPr>
       <p:sp>
         <p:nvSpPr>
-          <p:cNvPr id="4" name="Titel 1"/>
+          <p:cNvPr id="2" name="Titel 1"/>
           <p:cNvSpPr>
             <a:spLocks noGrp="1"/>
           </p:cNvSpPr>
@@ -4468,51 +7201,495 @@
             <p:ph type="title"/>
           </p:nvPr>
         </p:nvSpPr>
+        <p:spPr/>
+        <p:txBody>
+          <a:bodyPr/>
+          <a:lstStyle/>
+          <a:p>
+            <a:r>
+              <a:rPr lang="de-DE" dirty="0" err="1" smtClean="0"/>
+              <a:t>Pathway</a:t>
+            </a:r>
+            <a:r>
+              <a:rPr lang="de-DE" dirty="0" smtClean="0"/>
+              <a:t> Analyse Cluster 1</a:t>
+            </a:r>
+            <a:endParaRPr lang="en-GB" dirty="0"/>
+          </a:p>
+        </p:txBody>
+      </p:sp>
+      <p:pic>
+        <p:nvPicPr>
+          <p:cNvPr id="5" name="Grafik 4"/>
+          <p:cNvPicPr>
+            <a:picLocks noChangeAspect="1"/>
+          </p:cNvPicPr>
+          <p:nvPr/>
+        </p:nvPicPr>
+        <p:blipFill>
+          <a:blip r:embed="rId2" cstate="print">
+            <a:extLst>
+              <a:ext uri="{28A0092B-C50C-407E-A947-70E740481C1C}">
+                <a14:useLocalDpi xmlns:a14="http://schemas.microsoft.com/office/drawing/2010/main" val="0"/>
+              </a:ext>
+            </a:extLst>
+          </a:blip>
+          <a:stretch>
+            <a:fillRect/>
+          </a:stretch>
+        </p:blipFill>
         <p:spPr>
           <a:xfrm>
-            <a:off x="826419" y="2676525"/>
-            <a:ext cx="10515600" cy="1325563"/>
+            <a:off x="7596021" y="1975204"/>
+            <a:ext cx="1589076" cy="794538"/>
           </a:xfrm>
+          <a:prstGeom prst="rect">
+            <a:avLst/>
+          </a:prstGeom>
         </p:spPr>
-        <p:txBody>
-          <a:bodyPr>
-            <a:normAutofit/>
+      </p:pic>
+      <p:grpSp>
+        <p:nvGrpSpPr>
+          <p:cNvPr id="9" name="Gruppieren 8"/>
+          <p:cNvGrpSpPr/>
+          <p:nvPr/>
+        </p:nvGrpSpPr>
+        <p:grpSpPr>
+          <a:xfrm>
+            <a:off x="1303101" y="1690688"/>
+            <a:ext cx="9236476" cy="3657607"/>
+            <a:chOff x="388701" y="1826227"/>
+            <a:chExt cx="9236476" cy="3657607"/>
+          </a:xfrm>
+        </p:grpSpPr>
+        <p:pic>
+          <p:nvPicPr>
+            <p:cNvPr id="4" name="Grafik 3"/>
+            <p:cNvPicPr>
+              <a:picLocks noChangeAspect="1"/>
+            </p:cNvPicPr>
+            <p:nvPr/>
+          </p:nvPicPr>
+          <p:blipFill>
+            <a:blip r:embed="rId3" cstate="print">
+              <a:extLst>
+                <a:ext uri="{28A0092B-C50C-407E-A947-70E740481C1C}">
+                  <a14:useLocalDpi xmlns:a14="http://schemas.microsoft.com/office/drawing/2010/main" val="0"/>
+                </a:ext>
+              </a:extLst>
+            </a:blip>
+            <a:stretch>
+              <a:fillRect/>
+            </a:stretch>
+          </p:blipFill>
+          <p:spPr>
+            <a:xfrm>
+              <a:off x="5053168" y="1826227"/>
+              <a:ext cx="4572009" cy="3657607"/>
+            </a:xfrm>
+            <a:prstGeom prst="rect">
+              <a:avLst/>
+            </a:prstGeom>
+          </p:spPr>
+        </p:pic>
+        <p:pic>
+          <p:nvPicPr>
+            <p:cNvPr id="8" name="Grafik 7"/>
+            <p:cNvPicPr>
+              <a:picLocks noChangeAspect="1"/>
+            </p:cNvPicPr>
+            <p:nvPr/>
+          </p:nvPicPr>
+          <p:blipFill>
+            <a:blip r:embed="rId4" cstate="print">
+              <a:extLst>
+                <a:ext uri="{28A0092B-C50C-407E-A947-70E740481C1C}">
+                  <a14:useLocalDpi xmlns:a14="http://schemas.microsoft.com/office/drawing/2010/main" val="0"/>
+                </a:ext>
+              </a:extLst>
+            </a:blip>
+            <a:stretch>
+              <a:fillRect/>
+            </a:stretch>
+          </p:blipFill>
+          <p:spPr>
+            <a:xfrm>
+              <a:off x="388701" y="1826227"/>
+              <a:ext cx="4572009" cy="3657607"/>
+            </a:xfrm>
+            <a:prstGeom prst="rect">
+              <a:avLst/>
+            </a:prstGeom>
+          </p:spPr>
+        </p:pic>
+      </p:grpSp>
+      <p:sp>
+        <p:nvSpPr>
+          <p:cNvPr id="10" name="Textfeld 9"/>
+          <p:cNvSpPr txBox="1"/>
+          <p:nvPr/>
+        </p:nvSpPr>
+        <p:spPr>
+          <a:xfrm>
+            <a:off x="2145591" y="5372971"/>
+            <a:ext cx="8393986" cy="1477328"/>
+          </a:xfrm>
+          <a:prstGeom prst="rect">
+            <a:avLst/>
+          </a:prstGeom>
+          <a:noFill/>
+        </p:spPr>
+        <p:txBody>
+          <a:bodyPr wrap="square" rtlCol="0">
+            <a:spAutoFit/>
           </a:bodyPr>
           <a:lstStyle/>
           <a:p>
-            <a:pPr algn="ctr"/>
-            <a:r>
-              <a:rPr lang="de-DE" b="1" dirty="0" err="1" smtClean="0"/>
-              <a:t>NBM_mut</a:t>
-            </a:r>
-            <a:r>
-              <a:rPr lang="de-DE" b="1" dirty="0" smtClean="0"/>
+            <a:pPr marL="285750" indent="-285750">
+              <a:buFontTx/>
+              <a:buChar char="-"/>
+            </a:pPr>
+            <a:r>
+              <a:rPr lang="de-DE" dirty="0" err="1" smtClean="0"/>
+              <a:t>Pathways</a:t>
+            </a:r>
+            <a:r>
+              <a:rPr lang="de-DE" dirty="0" smtClean="0"/>
               <a:t> </a:t>
             </a:r>
             <a:r>
-              <a:rPr lang="de-DE" b="1" dirty="0" err="1" smtClean="0"/>
-              <a:t>vs</a:t>
-            </a:r>
-            <a:r>
-              <a:rPr lang="de-DE" b="1" dirty="0" smtClean="0"/>
+              <a:rPr lang="de-DE" dirty="0" err="1" smtClean="0"/>
+              <a:t>with</a:t>
+            </a:r>
+            <a:r>
+              <a:rPr lang="de-DE" dirty="0" smtClean="0"/>
+              <a:t> a negative </a:t>
+            </a:r>
+            <a:r>
+              <a:rPr lang="de-DE" dirty="0" err="1" smtClean="0"/>
+              <a:t>model</a:t>
+            </a:r>
+            <a:r>
+              <a:rPr lang="de-DE" dirty="0" smtClean="0"/>
               <a:t> </a:t>
             </a:r>
             <a:r>
-              <a:rPr lang="de-DE" b="1" dirty="0" err="1" smtClean="0"/>
-              <a:t>control</a:t>
-            </a:r>
-            <a:r>
-              <a:rPr lang="de-DE" b="1" dirty="0" smtClean="0"/>
-              <a:t> (Fig.1)</a:t>
-            </a:r>
-            <a:endParaRPr lang="en-GB" b="1" dirty="0"/>
+              <a:rPr lang="de-DE" dirty="0" err="1" smtClean="0"/>
+              <a:t>coefficient</a:t>
+            </a:r>
+            <a:r>
+              <a:rPr lang="de-DE" dirty="0" smtClean="0"/>
+              <a:t> </a:t>
+            </a:r>
+            <a:r>
+              <a:rPr lang="de-DE" dirty="0" err="1" smtClean="0"/>
+              <a:t>are</a:t>
+            </a:r>
+            <a:r>
+              <a:rPr lang="de-DE" dirty="0" smtClean="0"/>
+              <a:t> </a:t>
+            </a:r>
+            <a:r>
+              <a:rPr lang="de-DE" dirty="0" err="1" smtClean="0"/>
+              <a:t>downregulated</a:t>
+            </a:r>
+            <a:r>
+              <a:rPr lang="de-DE" dirty="0" smtClean="0"/>
+              <a:t> in BRAF </a:t>
+            </a:r>
+            <a:r>
+              <a:rPr lang="de-DE" dirty="0" err="1" smtClean="0"/>
+              <a:t>wt</a:t>
+            </a:r>
+            <a:r>
+              <a:rPr lang="de-DE" dirty="0" smtClean="0"/>
+              <a:t> </a:t>
+            </a:r>
+            <a:r>
+              <a:rPr lang="de-DE" dirty="0" err="1" smtClean="0"/>
+              <a:t>patients</a:t>
+            </a:r>
+            <a:endParaRPr lang="de-DE" dirty="0"/>
+          </a:p>
+          <a:p>
+            <a:pPr marL="285750" indent="-285750">
+              <a:buFontTx/>
+              <a:buChar char="-"/>
+            </a:pPr>
+            <a:r>
+              <a:rPr lang="de-DE" dirty="0" err="1" smtClean="0"/>
+              <a:t>Pathways</a:t>
+            </a:r>
+            <a:r>
+              <a:rPr lang="de-DE" dirty="0" smtClean="0"/>
+              <a:t> </a:t>
+            </a:r>
+            <a:r>
+              <a:rPr lang="de-DE" dirty="0" err="1" smtClean="0"/>
+              <a:t>with</a:t>
+            </a:r>
+            <a:r>
+              <a:rPr lang="de-DE" dirty="0" smtClean="0"/>
+              <a:t> a positive </a:t>
+            </a:r>
+            <a:r>
+              <a:rPr lang="de-DE" dirty="0" err="1" smtClean="0"/>
+              <a:t>model</a:t>
+            </a:r>
+            <a:r>
+              <a:rPr lang="de-DE" dirty="0" smtClean="0"/>
+              <a:t> </a:t>
+            </a:r>
+            <a:r>
+              <a:rPr lang="de-DE" dirty="0" err="1" smtClean="0"/>
+              <a:t>coefficient</a:t>
+            </a:r>
+            <a:r>
+              <a:rPr lang="de-DE" dirty="0" smtClean="0"/>
+              <a:t> </a:t>
+            </a:r>
+            <a:r>
+              <a:rPr lang="de-DE" dirty="0" err="1" smtClean="0"/>
+              <a:t>are</a:t>
+            </a:r>
+            <a:r>
+              <a:rPr lang="de-DE" dirty="0" smtClean="0"/>
+              <a:t> </a:t>
+            </a:r>
+            <a:r>
+              <a:rPr lang="de-DE" dirty="0" err="1" smtClean="0"/>
+              <a:t>upregulated</a:t>
+            </a:r>
+            <a:r>
+              <a:rPr lang="de-DE" dirty="0" smtClean="0"/>
+              <a:t> in BRAF </a:t>
+            </a:r>
+            <a:r>
+              <a:rPr lang="de-DE" dirty="0" err="1" smtClean="0"/>
+              <a:t>wt</a:t>
+            </a:r>
+            <a:r>
+              <a:rPr lang="de-DE" dirty="0" smtClean="0"/>
+              <a:t> </a:t>
+            </a:r>
+            <a:r>
+              <a:rPr lang="de-DE" dirty="0" err="1" smtClean="0"/>
+              <a:t>patients</a:t>
+            </a:r>
+            <a:endParaRPr lang="de-DE" dirty="0" smtClean="0"/>
+          </a:p>
+          <a:p>
+            <a:pPr marL="285750" indent="-285750">
+              <a:buFontTx/>
+              <a:buChar char="-"/>
+            </a:pPr>
+            <a:r>
+              <a:rPr lang="de-DE" dirty="0" err="1" smtClean="0"/>
+              <a:t>Based</a:t>
+            </a:r>
+            <a:r>
+              <a:rPr lang="de-DE" dirty="0" smtClean="0"/>
+              <a:t> on </a:t>
+            </a:r>
+            <a:r>
+              <a:rPr lang="de-DE" dirty="0" err="1" smtClean="0"/>
+              <a:t>miRNA</a:t>
+            </a:r>
+            <a:r>
+              <a:rPr lang="de-DE" dirty="0" smtClean="0"/>
+              <a:t> </a:t>
+            </a:r>
+            <a:r>
+              <a:rPr lang="de-DE" dirty="0" err="1" smtClean="0"/>
+              <a:t>signature</a:t>
+            </a:r>
+            <a:r>
+              <a:rPr lang="de-DE" dirty="0" smtClean="0"/>
+              <a:t> </a:t>
+            </a:r>
+            <a:r>
+              <a:rPr lang="de-DE" dirty="0" err="1" smtClean="0"/>
+              <a:t>identified</a:t>
+            </a:r>
+            <a:r>
+              <a:rPr lang="de-DE" dirty="0" smtClean="0"/>
+              <a:t> in </a:t>
+            </a:r>
+            <a:r>
+              <a:rPr lang="de-DE" dirty="0" err="1" smtClean="0"/>
+              <a:t>the</a:t>
+            </a:r>
+            <a:r>
+              <a:rPr lang="de-DE" dirty="0" smtClean="0"/>
+              <a:t> </a:t>
+            </a:r>
+            <a:r>
+              <a:rPr lang="de-DE" dirty="0" err="1" smtClean="0"/>
+              <a:t>cluster</a:t>
+            </a:r>
+            <a:r>
+              <a:rPr lang="de-DE" dirty="0" smtClean="0"/>
+              <a:t> </a:t>
+            </a:r>
+            <a:r>
+              <a:rPr lang="de-DE" dirty="0" err="1" smtClean="0"/>
+              <a:t>analysis</a:t>
+            </a:r>
+            <a:endParaRPr lang="de-DE" dirty="0" smtClean="0"/>
+          </a:p>
+          <a:p>
+            <a:pPr marL="285750" indent="-285750">
+              <a:buFontTx/>
+              <a:buChar char="-"/>
+            </a:pPr>
+            <a:r>
+              <a:rPr lang="de-DE" dirty="0" err="1" smtClean="0"/>
+              <a:t>Barplot</a:t>
+            </a:r>
+            <a:r>
+              <a:rPr lang="de-DE" dirty="0" smtClean="0"/>
+              <a:t> </a:t>
+            </a:r>
+            <a:r>
+              <a:rPr lang="de-DE" dirty="0" err="1" smtClean="0"/>
+              <a:t>shows</a:t>
+            </a:r>
+            <a:r>
+              <a:rPr lang="de-DE" dirty="0" smtClean="0"/>
+              <a:t> </a:t>
+            </a:r>
+            <a:r>
+              <a:rPr lang="de-DE" dirty="0" err="1" smtClean="0"/>
+              <a:t>the</a:t>
+            </a:r>
+            <a:r>
+              <a:rPr lang="de-DE" dirty="0" smtClean="0"/>
+              <a:t> </a:t>
+            </a:r>
+            <a:r>
+              <a:rPr lang="de-DE" dirty="0" err="1" smtClean="0"/>
+              <a:t>pathways</a:t>
+            </a:r>
+            <a:r>
+              <a:rPr lang="de-DE" dirty="0" smtClean="0"/>
+              <a:t> </a:t>
+            </a:r>
+            <a:r>
+              <a:rPr lang="de-DE" dirty="0" err="1" smtClean="0"/>
+              <a:t>with</a:t>
+            </a:r>
+            <a:r>
+              <a:rPr lang="de-DE" dirty="0" smtClean="0"/>
+              <a:t> </a:t>
+            </a:r>
+            <a:r>
+              <a:rPr lang="de-DE" dirty="0" err="1" smtClean="0"/>
+              <a:t>the</a:t>
+            </a:r>
+            <a:r>
+              <a:rPr lang="de-DE" dirty="0" smtClean="0"/>
+              <a:t> </a:t>
+            </a:r>
+            <a:r>
+              <a:rPr lang="de-DE" dirty="0" err="1" smtClean="0"/>
+              <a:t>strongest</a:t>
+            </a:r>
+            <a:r>
+              <a:rPr lang="de-DE" dirty="0" smtClean="0"/>
+              <a:t> </a:t>
+            </a:r>
+            <a:r>
+              <a:rPr lang="de-DE" dirty="0" err="1" smtClean="0"/>
+              <a:t>effect</a:t>
+            </a:r>
+            <a:r>
+              <a:rPr lang="de-DE" dirty="0" smtClean="0"/>
+              <a:t>, </a:t>
+            </a:r>
+            <a:r>
+              <a:rPr lang="de-DE" dirty="0" err="1" smtClean="0"/>
+              <a:t>Volcano</a:t>
+            </a:r>
+            <a:r>
+              <a:rPr lang="de-DE" dirty="0" smtClean="0"/>
+              <a:t> </a:t>
+            </a:r>
+            <a:r>
+              <a:rPr lang="de-DE" dirty="0" err="1" smtClean="0"/>
+              <a:t>plot</a:t>
+            </a:r>
+            <a:r>
+              <a:rPr lang="de-DE" dirty="0" smtClean="0"/>
+              <a:t> </a:t>
+            </a:r>
+            <a:r>
+              <a:rPr lang="de-DE" dirty="0" err="1" smtClean="0"/>
+              <a:t>shows</a:t>
+            </a:r>
+            <a:r>
+              <a:rPr lang="de-DE" dirty="0" smtClean="0"/>
+              <a:t> </a:t>
+            </a:r>
+            <a:r>
+              <a:rPr lang="de-DE" dirty="0" err="1" smtClean="0"/>
+              <a:t>the</a:t>
+            </a:r>
+            <a:r>
+              <a:rPr lang="de-DE" dirty="0" smtClean="0"/>
+              <a:t> </a:t>
+            </a:r>
+            <a:r>
+              <a:rPr lang="de-DE" dirty="0" err="1" smtClean="0"/>
+              <a:t>pathways</a:t>
+            </a:r>
+            <a:r>
+              <a:rPr lang="de-DE" dirty="0" smtClean="0"/>
+              <a:t> </a:t>
+            </a:r>
+            <a:r>
+              <a:rPr lang="de-DE" dirty="0" err="1" smtClean="0"/>
+              <a:t>with</a:t>
+            </a:r>
+            <a:r>
+              <a:rPr lang="de-DE" dirty="0" smtClean="0"/>
+              <a:t> </a:t>
+            </a:r>
+            <a:r>
+              <a:rPr lang="de-DE" dirty="0" err="1" smtClean="0"/>
+              <a:t>the</a:t>
+            </a:r>
+            <a:r>
+              <a:rPr lang="de-DE" dirty="0" smtClean="0"/>
+              <a:t> </a:t>
+            </a:r>
+            <a:r>
+              <a:rPr lang="de-DE" dirty="0" err="1" smtClean="0"/>
+              <a:t>most</a:t>
+            </a:r>
+            <a:r>
+              <a:rPr lang="de-DE" dirty="0" smtClean="0"/>
+              <a:t> </a:t>
+            </a:r>
+            <a:r>
+              <a:rPr lang="de-DE" dirty="0" err="1" smtClean="0"/>
+              <a:t>significant</a:t>
+            </a:r>
+            <a:r>
+              <a:rPr lang="de-DE" dirty="0" smtClean="0"/>
+              <a:t> </a:t>
+            </a:r>
+            <a:r>
+              <a:rPr lang="de-DE" dirty="0" err="1" smtClean="0"/>
+              <a:t>effect</a:t>
+            </a:r>
+            <a:endParaRPr lang="en-GB" dirty="0"/>
           </a:p>
         </p:txBody>
       </p:sp>
     </p:spTree>
     <p:extLst>
       <p:ext uri="{BB962C8B-B14F-4D97-AF65-F5344CB8AC3E}">
-        <p14:creationId xmlns:p14="http://schemas.microsoft.com/office/powerpoint/2010/main" val="318663543"/>
+        <p14:creationId xmlns:p14="http://schemas.microsoft.com/office/powerpoint/2010/main" val="2519340213"/>
       </p:ext>
     </p:extLst>
   </p:cSld>
@@ -4522,7 +7699,7 @@
 </p:sld>
 </file>
 
-<file path=ppt/slides/slide5.xml><?xml version="1.0" encoding="utf-8"?>
+<file path=ppt/slides/slide8.xml><?xml version="1.0" encoding="utf-8"?>
 <p:sld xmlns:a="http://schemas.openxmlformats.org/drawingml/2006/main" xmlns:r="http://schemas.openxmlformats.org/officeDocument/2006/relationships" xmlns:p="http://schemas.openxmlformats.org/presentationml/2006/main">
   <p:cSld>
     <p:spTree>
@@ -4539,763 +7716,119 @@
           <a:chExt cx="0" cy="0"/>
         </a:xfrm>
       </p:grpSpPr>
-      <p:grpSp>
-        <p:nvGrpSpPr>
-          <p:cNvPr id="59" name="Gruppieren 58"/>
-          <p:cNvGrpSpPr/>
-          <p:nvPr/>
-        </p:nvGrpSpPr>
-        <p:grpSpPr>
+      <p:sp>
+        <p:nvSpPr>
+          <p:cNvPr id="3" name="Inhaltsplatzhalter 2"/>
+          <p:cNvSpPr>
+            <a:spLocks noGrp="1"/>
+          </p:cNvSpPr>
+          <p:nvPr>
+            <p:ph idx="1"/>
+          </p:nvPr>
+        </p:nvSpPr>
+        <p:spPr>
           <a:xfrm>
-            <a:off x="1618294" y="110985"/>
-            <a:ext cx="8691286" cy="6584862"/>
-            <a:chOff x="1618294" y="110985"/>
-            <a:chExt cx="8691286" cy="6584862"/>
+            <a:off x="942975" y="2816225"/>
+            <a:ext cx="10515600" cy="1412875"/>
           </a:xfrm>
-        </p:grpSpPr>
-        <p:grpSp>
-          <p:nvGrpSpPr>
-            <p:cNvPr id="56" name="Gruppieren 55"/>
-            <p:cNvGrpSpPr/>
-            <p:nvPr/>
-          </p:nvGrpSpPr>
-          <p:grpSpPr>
-            <a:xfrm>
-              <a:off x="1618294" y="110985"/>
-              <a:ext cx="8691286" cy="6584862"/>
-              <a:chOff x="1618294" y="110985"/>
-              <a:chExt cx="8691286" cy="6584862"/>
-            </a:xfrm>
-          </p:grpSpPr>
-          <p:pic>
-            <p:nvPicPr>
-              <p:cNvPr id="55" name="Grafik 54"/>
-              <p:cNvPicPr>
-                <a:picLocks noChangeAspect="1"/>
-              </p:cNvPicPr>
-              <p:nvPr/>
-            </p:nvPicPr>
-            <p:blipFill rotWithShape="1">
-              <a:blip r:embed="rId2" cstate="print">
-                <a:extLst>
-                  <a:ext uri="{28A0092B-C50C-407E-A947-70E740481C1C}">
-                    <a14:useLocalDpi xmlns:a14="http://schemas.microsoft.com/office/drawing/2010/main" val="0"/>
-                  </a:ext>
-                </a:extLst>
-              </a:blip>
-              <a:srcRect r="20487"/>
-              <a:stretch/>
-            </p:blipFill>
-            <p:spPr>
-              <a:xfrm>
-                <a:off x="2680113" y="110985"/>
-                <a:ext cx="7270688" cy="2743206"/>
-              </a:xfrm>
-              <a:prstGeom prst="rect">
-                <a:avLst/>
-              </a:prstGeom>
-            </p:spPr>
-          </p:pic>
-          <p:grpSp>
-            <p:nvGrpSpPr>
-              <p:cNvPr id="54" name="Gruppieren 53"/>
-              <p:cNvGrpSpPr/>
-              <p:nvPr/>
-            </p:nvGrpSpPr>
-            <p:grpSpPr>
-              <a:xfrm>
-                <a:off x="1618294" y="1715876"/>
-                <a:ext cx="8691286" cy="4979971"/>
-                <a:chOff x="1618294" y="1715876"/>
-                <a:chExt cx="8691286" cy="4979971"/>
-              </a:xfrm>
-            </p:grpSpPr>
-            <p:pic>
-              <p:nvPicPr>
-                <p:cNvPr id="32" name="Grafik 31"/>
-                <p:cNvPicPr>
-                  <a:picLocks noChangeAspect="1"/>
-                </p:cNvPicPr>
-                <p:nvPr/>
-              </p:nvPicPr>
-              <p:blipFill>
-                <a:blip r:embed="rId3" cstate="print">
-                  <a:extLst>
-                    <a:ext uri="{28A0092B-C50C-407E-A947-70E740481C1C}">
-                      <a14:useLocalDpi xmlns:a14="http://schemas.microsoft.com/office/drawing/2010/main" val="0"/>
-                    </a:ext>
-                  </a:extLst>
-                </a:blip>
-                <a:stretch>
-                  <a:fillRect/>
-                </a:stretch>
-              </p:blipFill>
-              <p:spPr>
-                <a:xfrm>
-                  <a:off x="2585046" y="3105361"/>
-                  <a:ext cx="7315215" cy="2743206"/>
-                </a:xfrm>
-                <a:prstGeom prst="rect">
-                  <a:avLst/>
-                </a:prstGeom>
-              </p:spPr>
-            </p:pic>
-            <p:sp>
-              <p:nvSpPr>
-                <p:cNvPr id="33" name="Textfeld 32"/>
-                <p:cNvSpPr txBox="1"/>
-                <p:nvPr/>
-              </p:nvSpPr>
-              <p:spPr>
-                <a:xfrm>
-                  <a:off x="4468174" y="5757127"/>
-                  <a:ext cx="903177" cy="938719"/>
-                </a:xfrm>
-                <a:prstGeom prst="rect">
-                  <a:avLst/>
-                </a:prstGeom>
-                <a:noFill/>
-              </p:spPr>
-              <p:txBody>
-                <a:bodyPr wrap="square" rtlCol="0">
-                  <a:spAutoFit/>
-                </a:bodyPr>
-                <a:lstStyle/>
-                <a:p>
-                  <a:r>
-                    <a:rPr lang="de-DE" sz="1100" dirty="0" smtClean="0">
-                      <a:latin typeface="Arial" panose="020B0604020202020204" pitchFamily="34" charset="0"/>
-                      <a:cs typeface="Arial" panose="020B0604020202020204" pitchFamily="34" charset="0"/>
-                    </a:rPr>
-                    <a:t>-     +     +</a:t>
-                  </a:r>
-                  <a:endParaRPr lang="de-DE" sz="1100" dirty="0" smtClean="0">
-                    <a:latin typeface="Arial" panose="020B0604020202020204" pitchFamily="34" charset="0"/>
-                    <a:cs typeface="Arial" panose="020B0604020202020204" pitchFamily="34" charset="0"/>
-                  </a:endParaRPr>
-                </a:p>
-                <a:p>
-                  <a:r>
-                    <a:rPr lang="de-DE" sz="1100" dirty="0" smtClean="0">
-                      <a:latin typeface="Arial" panose="020B0604020202020204" pitchFamily="34" charset="0"/>
-                      <a:cs typeface="Arial" panose="020B0604020202020204" pitchFamily="34" charset="0"/>
-                    </a:rPr>
-                    <a:t>-     -      +</a:t>
-                  </a:r>
-                  <a:endParaRPr lang="de-DE" sz="1100" dirty="0" smtClean="0">
-                    <a:latin typeface="Arial" panose="020B0604020202020204" pitchFamily="34" charset="0"/>
-                    <a:cs typeface="Arial" panose="020B0604020202020204" pitchFamily="34" charset="0"/>
-                  </a:endParaRPr>
-                </a:p>
-                <a:p>
-                  <a:r>
-                    <a:rPr lang="de-DE" sz="1100" dirty="0" smtClean="0">
-                      <a:latin typeface="Arial" panose="020B0604020202020204" pitchFamily="34" charset="0"/>
-                      <a:cs typeface="Arial" panose="020B0604020202020204" pitchFamily="34" charset="0"/>
-                    </a:rPr>
-                    <a:t>-     -      -</a:t>
-                  </a:r>
-                </a:p>
-                <a:p>
-                  <a:r>
-                    <a:rPr lang="de-DE" sz="1100" dirty="0" smtClean="0">
-                      <a:latin typeface="Arial" panose="020B0604020202020204" pitchFamily="34" charset="0"/>
-                      <a:cs typeface="Arial" panose="020B0604020202020204" pitchFamily="34" charset="0"/>
-                    </a:rPr>
-                    <a:t>-     +     +</a:t>
-                  </a:r>
-                  <a:endParaRPr lang="de-DE" sz="1100" dirty="0" smtClean="0">
-                    <a:latin typeface="Arial" panose="020B0604020202020204" pitchFamily="34" charset="0"/>
-                    <a:cs typeface="Arial" panose="020B0604020202020204" pitchFamily="34" charset="0"/>
-                  </a:endParaRPr>
-                </a:p>
-                <a:p>
-                  <a:r>
-                    <a:rPr lang="de-DE" sz="1100" dirty="0" smtClean="0">
-                      <a:latin typeface="Arial" panose="020B0604020202020204" pitchFamily="34" charset="0"/>
-                      <a:cs typeface="Arial" panose="020B0604020202020204" pitchFamily="34" charset="0"/>
-                    </a:rPr>
-                    <a:t>4    8     12     </a:t>
-                  </a:r>
-                  <a:endParaRPr lang="de-DE" sz="1100" dirty="0" smtClean="0">
-                    <a:latin typeface="Arial" panose="020B0604020202020204" pitchFamily="34" charset="0"/>
-                    <a:cs typeface="Arial" panose="020B0604020202020204" pitchFamily="34" charset="0"/>
-                  </a:endParaRPr>
-                </a:p>
-              </p:txBody>
-            </p:sp>
-            <p:sp>
-              <p:nvSpPr>
-                <p:cNvPr id="34" name="Textfeld 33"/>
-                <p:cNvSpPr txBox="1"/>
-                <p:nvPr/>
-              </p:nvSpPr>
-              <p:spPr>
-                <a:xfrm>
-                  <a:off x="5696899" y="5757127"/>
-                  <a:ext cx="903177" cy="938719"/>
-                </a:xfrm>
-                <a:prstGeom prst="rect">
-                  <a:avLst/>
-                </a:prstGeom>
-                <a:noFill/>
-              </p:spPr>
-              <p:txBody>
-                <a:bodyPr wrap="square" rtlCol="0">
-                  <a:spAutoFit/>
-                </a:bodyPr>
-                <a:lstStyle/>
-                <a:p>
-                  <a:r>
-                    <a:rPr lang="de-DE" sz="1100" dirty="0" smtClean="0">
-                      <a:latin typeface="Arial" panose="020B0604020202020204" pitchFamily="34" charset="0"/>
-                      <a:cs typeface="Arial" panose="020B0604020202020204" pitchFamily="34" charset="0"/>
-                    </a:rPr>
-                    <a:t>-     +     +</a:t>
-                  </a:r>
-                  <a:endParaRPr lang="de-DE" sz="1100" dirty="0" smtClean="0">
-                    <a:latin typeface="Arial" panose="020B0604020202020204" pitchFamily="34" charset="0"/>
-                    <a:cs typeface="Arial" panose="020B0604020202020204" pitchFamily="34" charset="0"/>
-                  </a:endParaRPr>
-                </a:p>
-                <a:p>
-                  <a:r>
-                    <a:rPr lang="de-DE" sz="1100" dirty="0" smtClean="0">
-                      <a:latin typeface="Arial" panose="020B0604020202020204" pitchFamily="34" charset="0"/>
-                      <a:cs typeface="Arial" panose="020B0604020202020204" pitchFamily="34" charset="0"/>
-                    </a:rPr>
-                    <a:t>-     -      +</a:t>
-                  </a:r>
-                  <a:endParaRPr lang="de-DE" sz="1100" dirty="0" smtClean="0">
-                    <a:latin typeface="Arial" panose="020B0604020202020204" pitchFamily="34" charset="0"/>
-                    <a:cs typeface="Arial" panose="020B0604020202020204" pitchFamily="34" charset="0"/>
-                  </a:endParaRPr>
-                </a:p>
-                <a:p>
-                  <a:r>
-                    <a:rPr lang="de-DE" sz="1100" dirty="0" smtClean="0">
-                      <a:latin typeface="Arial" panose="020B0604020202020204" pitchFamily="34" charset="0"/>
-                      <a:cs typeface="Arial" panose="020B0604020202020204" pitchFamily="34" charset="0"/>
-                    </a:rPr>
-                    <a:t>-     -      -</a:t>
-                  </a:r>
-                </a:p>
-                <a:p>
-                  <a:r>
-                    <a:rPr lang="de-DE" sz="1100" dirty="0" smtClean="0">
-                      <a:latin typeface="Arial" panose="020B0604020202020204" pitchFamily="34" charset="0"/>
-                      <a:cs typeface="Arial" panose="020B0604020202020204" pitchFamily="34" charset="0"/>
-                    </a:rPr>
-                    <a:t>-     +     +</a:t>
-                  </a:r>
-                  <a:endParaRPr lang="de-DE" sz="1100" dirty="0" smtClean="0">
-                    <a:latin typeface="Arial" panose="020B0604020202020204" pitchFamily="34" charset="0"/>
-                    <a:cs typeface="Arial" panose="020B0604020202020204" pitchFamily="34" charset="0"/>
-                  </a:endParaRPr>
-                </a:p>
-                <a:p>
-                  <a:r>
-                    <a:rPr lang="de-DE" sz="1100" dirty="0" smtClean="0">
-                      <a:latin typeface="Arial" panose="020B0604020202020204" pitchFamily="34" charset="0"/>
-                      <a:cs typeface="Arial" panose="020B0604020202020204" pitchFamily="34" charset="0"/>
-                    </a:rPr>
-                    <a:t>4    8     12     </a:t>
-                  </a:r>
-                  <a:endParaRPr lang="de-DE" sz="1100" dirty="0" smtClean="0">
-                    <a:latin typeface="Arial" panose="020B0604020202020204" pitchFamily="34" charset="0"/>
-                    <a:cs typeface="Arial" panose="020B0604020202020204" pitchFamily="34" charset="0"/>
-                  </a:endParaRPr>
-                </a:p>
-              </p:txBody>
-            </p:sp>
-            <p:sp>
-              <p:nvSpPr>
-                <p:cNvPr id="35" name="Textfeld 34"/>
-                <p:cNvSpPr txBox="1"/>
-                <p:nvPr/>
-              </p:nvSpPr>
-              <p:spPr>
-                <a:xfrm>
-                  <a:off x="6978753" y="5757127"/>
-                  <a:ext cx="903177" cy="938719"/>
-                </a:xfrm>
-                <a:prstGeom prst="rect">
-                  <a:avLst/>
-                </a:prstGeom>
-                <a:noFill/>
-              </p:spPr>
-              <p:txBody>
-                <a:bodyPr wrap="square" rtlCol="0">
-                  <a:spAutoFit/>
-                </a:bodyPr>
-                <a:lstStyle/>
-                <a:p>
-                  <a:r>
-                    <a:rPr lang="de-DE" sz="1100" dirty="0" smtClean="0">
-                      <a:latin typeface="Arial" panose="020B0604020202020204" pitchFamily="34" charset="0"/>
-                      <a:cs typeface="Arial" panose="020B0604020202020204" pitchFamily="34" charset="0"/>
-                    </a:rPr>
-                    <a:t>-     +     +</a:t>
-                  </a:r>
-                  <a:endParaRPr lang="de-DE" sz="1100" dirty="0" smtClean="0">
-                    <a:latin typeface="Arial" panose="020B0604020202020204" pitchFamily="34" charset="0"/>
-                    <a:cs typeface="Arial" panose="020B0604020202020204" pitchFamily="34" charset="0"/>
-                  </a:endParaRPr>
-                </a:p>
-                <a:p>
-                  <a:r>
-                    <a:rPr lang="de-DE" sz="1100" dirty="0" smtClean="0">
-                      <a:latin typeface="Arial" panose="020B0604020202020204" pitchFamily="34" charset="0"/>
-                      <a:cs typeface="Arial" panose="020B0604020202020204" pitchFamily="34" charset="0"/>
-                    </a:rPr>
-                    <a:t>-     -      +</a:t>
-                  </a:r>
-                  <a:endParaRPr lang="de-DE" sz="1100" dirty="0" smtClean="0">
-                    <a:latin typeface="Arial" panose="020B0604020202020204" pitchFamily="34" charset="0"/>
-                    <a:cs typeface="Arial" panose="020B0604020202020204" pitchFamily="34" charset="0"/>
-                  </a:endParaRPr>
-                </a:p>
-                <a:p>
-                  <a:r>
-                    <a:rPr lang="de-DE" sz="1100" dirty="0" smtClean="0">
-                      <a:latin typeface="Arial" panose="020B0604020202020204" pitchFamily="34" charset="0"/>
-                      <a:cs typeface="Arial" panose="020B0604020202020204" pitchFamily="34" charset="0"/>
-                    </a:rPr>
-                    <a:t>-     -      -</a:t>
-                  </a:r>
-                </a:p>
-                <a:p>
-                  <a:r>
-                    <a:rPr lang="de-DE" sz="1100" dirty="0" smtClean="0">
-                      <a:latin typeface="Arial" panose="020B0604020202020204" pitchFamily="34" charset="0"/>
-                      <a:cs typeface="Arial" panose="020B0604020202020204" pitchFamily="34" charset="0"/>
-                    </a:rPr>
-                    <a:t>-     +     +</a:t>
-                  </a:r>
-                  <a:endParaRPr lang="de-DE" sz="1100" dirty="0" smtClean="0">
-                    <a:latin typeface="Arial" panose="020B0604020202020204" pitchFamily="34" charset="0"/>
-                    <a:cs typeface="Arial" panose="020B0604020202020204" pitchFamily="34" charset="0"/>
-                  </a:endParaRPr>
-                </a:p>
-                <a:p>
-                  <a:r>
-                    <a:rPr lang="de-DE" sz="1100" dirty="0" smtClean="0">
-                      <a:latin typeface="Arial" panose="020B0604020202020204" pitchFamily="34" charset="0"/>
-                      <a:cs typeface="Arial" panose="020B0604020202020204" pitchFamily="34" charset="0"/>
-                    </a:rPr>
-                    <a:t>4    8     12     </a:t>
-                  </a:r>
-                  <a:endParaRPr lang="de-DE" sz="1100" dirty="0" smtClean="0">
-                    <a:latin typeface="Arial" panose="020B0604020202020204" pitchFamily="34" charset="0"/>
-                    <a:cs typeface="Arial" panose="020B0604020202020204" pitchFamily="34" charset="0"/>
-                  </a:endParaRPr>
-                </a:p>
-              </p:txBody>
-            </p:sp>
-            <p:sp>
-              <p:nvSpPr>
-                <p:cNvPr id="36" name="Textfeld 35"/>
-                <p:cNvSpPr txBox="1"/>
-                <p:nvPr/>
-              </p:nvSpPr>
-              <p:spPr>
-                <a:xfrm>
-                  <a:off x="8260607" y="5757126"/>
-                  <a:ext cx="903177" cy="938719"/>
-                </a:xfrm>
-                <a:prstGeom prst="rect">
-                  <a:avLst/>
-                </a:prstGeom>
-                <a:noFill/>
-              </p:spPr>
-              <p:txBody>
-                <a:bodyPr wrap="square" rtlCol="0">
-                  <a:spAutoFit/>
-                </a:bodyPr>
-                <a:lstStyle/>
-                <a:p>
-                  <a:r>
-                    <a:rPr lang="de-DE" sz="1100" dirty="0" smtClean="0">
-                      <a:latin typeface="Arial" panose="020B0604020202020204" pitchFamily="34" charset="0"/>
-                      <a:cs typeface="Arial" panose="020B0604020202020204" pitchFamily="34" charset="0"/>
-                    </a:rPr>
-                    <a:t>-     +     +</a:t>
-                  </a:r>
-                  <a:endParaRPr lang="de-DE" sz="1100" dirty="0" smtClean="0">
-                    <a:latin typeface="Arial" panose="020B0604020202020204" pitchFamily="34" charset="0"/>
-                    <a:cs typeface="Arial" panose="020B0604020202020204" pitchFamily="34" charset="0"/>
-                  </a:endParaRPr>
-                </a:p>
-                <a:p>
-                  <a:r>
-                    <a:rPr lang="de-DE" sz="1100" dirty="0" smtClean="0">
-                      <a:latin typeface="Arial" panose="020B0604020202020204" pitchFamily="34" charset="0"/>
-                      <a:cs typeface="Arial" panose="020B0604020202020204" pitchFamily="34" charset="0"/>
-                    </a:rPr>
-                    <a:t>-     -      +</a:t>
-                  </a:r>
-                  <a:endParaRPr lang="de-DE" sz="1100" dirty="0" smtClean="0">
-                    <a:latin typeface="Arial" panose="020B0604020202020204" pitchFamily="34" charset="0"/>
-                    <a:cs typeface="Arial" panose="020B0604020202020204" pitchFamily="34" charset="0"/>
-                  </a:endParaRPr>
-                </a:p>
-                <a:p>
-                  <a:r>
-                    <a:rPr lang="de-DE" sz="1100" dirty="0" smtClean="0">
-                      <a:latin typeface="Arial" panose="020B0604020202020204" pitchFamily="34" charset="0"/>
-                      <a:cs typeface="Arial" panose="020B0604020202020204" pitchFamily="34" charset="0"/>
-                    </a:rPr>
-                    <a:t>-     -      -</a:t>
-                  </a:r>
-                </a:p>
-                <a:p>
-                  <a:r>
-                    <a:rPr lang="de-DE" sz="1100" dirty="0" smtClean="0">
-                      <a:latin typeface="Arial" panose="020B0604020202020204" pitchFamily="34" charset="0"/>
-                      <a:cs typeface="Arial" panose="020B0604020202020204" pitchFamily="34" charset="0"/>
-                    </a:rPr>
-                    <a:t>-     +     +</a:t>
-                  </a:r>
-                  <a:endParaRPr lang="de-DE" sz="1100" dirty="0" smtClean="0">
-                    <a:latin typeface="Arial" panose="020B0604020202020204" pitchFamily="34" charset="0"/>
-                    <a:cs typeface="Arial" panose="020B0604020202020204" pitchFamily="34" charset="0"/>
-                  </a:endParaRPr>
-                </a:p>
-                <a:p>
-                  <a:r>
-                    <a:rPr lang="de-DE" sz="1100" dirty="0" smtClean="0">
-                      <a:latin typeface="Arial" panose="020B0604020202020204" pitchFamily="34" charset="0"/>
-                      <a:cs typeface="Arial" panose="020B0604020202020204" pitchFamily="34" charset="0"/>
-                    </a:rPr>
-                    <a:t>4    8     12     </a:t>
-                  </a:r>
-                  <a:endParaRPr lang="de-DE" sz="1100" dirty="0" smtClean="0">
-                    <a:latin typeface="Arial" panose="020B0604020202020204" pitchFamily="34" charset="0"/>
-                    <a:cs typeface="Arial" panose="020B0604020202020204" pitchFamily="34" charset="0"/>
-                  </a:endParaRPr>
-                </a:p>
-              </p:txBody>
-            </p:sp>
-            <p:pic>
-              <p:nvPicPr>
-                <p:cNvPr id="51" name="Grafik 50"/>
-                <p:cNvPicPr>
-                  <a:picLocks noChangeAspect="1"/>
-                </p:cNvPicPr>
-                <p:nvPr/>
-              </p:nvPicPr>
-              <p:blipFill rotWithShape="1">
-                <a:blip r:embed="rId4" cstate="print">
-                  <a:extLst>
-                    <a:ext uri="{28A0092B-C50C-407E-A947-70E740481C1C}">
-                      <a14:useLocalDpi xmlns:a14="http://schemas.microsoft.com/office/drawing/2010/main" val="0"/>
-                    </a:ext>
-                  </a:extLst>
-                </a:blip>
-                <a:srcRect l="79306" t="38054" b="31853"/>
-                <a:stretch/>
-              </p:blipFill>
-              <p:spPr>
-                <a:xfrm>
-                  <a:off x="8417276" y="1715876"/>
-                  <a:ext cx="1892304" cy="825501"/>
-                </a:xfrm>
-                <a:prstGeom prst="rect">
-                  <a:avLst/>
-                </a:prstGeom>
-              </p:spPr>
-            </p:pic>
-            <p:grpSp>
-              <p:nvGrpSpPr>
-                <p:cNvPr id="22" name="Gruppieren 21"/>
-                <p:cNvGrpSpPr/>
-                <p:nvPr/>
-              </p:nvGrpSpPr>
-              <p:grpSpPr>
-                <a:xfrm>
-                  <a:off x="1618294" y="5757126"/>
-                  <a:ext cx="2533857" cy="938721"/>
-                  <a:chOff x="944527" y="4579618"/>
-                  <a:chExt cx="2533857" cy="938721"/>
-                </a:xfrm>
-              </p:grpSpPr>
-              <p:sp>
-                <p:nvSpPr>
-                  <p:cNvPr id="9" name="Textfeld 8"/>
-                  <p:cNvSpPr txBox="1"/>
-                  <p:nvPr/>
-                </p:nvSpPr>
-                <p:spPr>
-                  <a:xfrm>
-                    <a:off x="2575207" y="4579620"/>
-                    <a:ext cx="903177" cy="938719"/>
-                  </a:xfrm>
-                  <a:prstGeom prst="rect">
-                    <a:avLst/>
-                  </a:prstGeom>
-                  <a:noFill/>
-                </p:spPr>
-                <p:txBody>
-                  <a:bodyPr wrap="square" rtlCol="0">
-                    <a:spAutoFit/>
-                  </a:bodyPr>
-                  <a:lstStyle/>
-                  <a:p>
-                    <a:r>
-                      <a:rPr lang="de-DE" sz="1100" dirty="0" smtClean="0">
-                        <a:latin typeface="Arial" panose="020B0604020202020204" pitchFamily="34" charset="0"/>
-                        <a:cs typeface="Arial" panose="020B0604020202020204" pitchFamily="34" charset="0"/>
-                      </a:rPr>
-                      <a:t>-     +     +</a:t>
-                    </a:r>
-                    <a:endParaRPr lang="de-DE" sz="1100" dirty="0" smtClean="0">
-                      <a:latin typeface="Arial" panose="020B0604020202020204" pitchFamily="34" charset="0"/>
-                      <a:cs typeface="Arial" panose="020B0604020202020204" pitchFamily="34" charset="0"/>
-                    </a:endParaRPr>
-                  </a:p>
-                  <a:p>
-                    <a:r>
-                      <a:rPr lang="de-DE" sz="1100" dirty="0" smtClean="0">
-                        <a:latin typeface="Arial" panose="020B0604020202020204" pitchFamily="34" charset="0"/>
-                        <a:cs typeface="Arial" panose="020B0604020202020204" pitchFamily="34" charset="0"/>
-                      </a:rPr>
-                      <a:t>-     -      +</a:t>
-                    </a:r>
-                    <a:endParaRPr lang="de-DE" sz="1100" dirty="0" smtClean="0">
-                      <a:latin typeface="Arial" panose="020B0604020202020204" pitchFamily="34" charset="0"/>
-                      <a:cs typeface="Arial" panose="020B0604020202020204" pitchFamily="34" charset="0"/>
-                    </a:endParaRPr>
-                  </a:p>
-                  <a:p>
-                    <a:r>
-                      <a:rPr lang="de-DE" sz="1100" dirty="0" smtClean="0">
-                        <a:latin typeface="Arial" panose="020B0604020202020204" pitchFamily="34" charset="0"/>
-                        <a:cs typeface="Arial" panose="020B0604020202020204" pitchFamily="34" charset="0"/>
-                      </a:rPr>
-                      <a:t>-     -      -</a:t>
-                    </a:r>
-                  </a:p>
-                  <a:p>
-                    <a:r>
-                      <a:rPr lang="de-DE" sz="1100" dirty="0" smtClean="0">
-                        <a:latin typeface="Arial" panose="020B0604020202020204" pitchFamily="34" charset="0"/>
-                        <a:cs typeface="Arial" panose="020B0604020202020204" pitchFamily="34" charset="0"/>
-                      </a:rPr>
-                      <a:t>-     +     +</a:t>
-                    </a:r>
-                    <a:endParaRPr lang="de-DE" sz="1100" dirty="0" smtClean="0">
-                      <a:latin typeface="Arial" panose="020B0604020202020204" pitchFamily="34" charset="0"/>
-                      <a:cs typeface="Arial" panose="020B0604020202020204" pitchFamily="34" charset="0"/>
-                    </a:endParaRPr>
-                  </a:p>
-                  <a:p>
-                    <a:r>
-                      <a:rPr lang="de-DE" sz="1100" dirty="0" smtClean="0">
-                        <a:latin typeface="Arial" panose="020B0604020202020204" pitchFamily="34" charset="0"/>
-                        <a:cs typeface="Arial" panose="020B0604020202020204" pitchFamily="34" charset="0"/>
-                      </a:rPr>
-                      <a:t>4    8     12     </a:t>
-                    </a:r>
-                    <a:endParaRPr lang="de-DE" sz="1100" dirty="0" smtClean="0">
-                      <a:latin typeface="Arial" panose="020B0604020202020204" pitchFamily="34" charset="0"/>
-                      <a:cs typeface="Arial" panose="020B0604020202020204" pitchFamily="34" charset="0"/>
-                    </a:endParaRPr>
-                  </a:p>
-                </p:txBody>
-              </p:sp>
-              <p:sp>
-                <p:nvSpPr>
-                  <p:cNvPr id="8" name="Textfeld 7"/>
-                  <p:cNvSpPr txBox="1"/>
-                  <p:nvPr/>
-                </p:nvSpPr>
-                <p:spPr>
-                  <a:xfrm>
-                    <a:off x="944527" y="4579618"/>
-                    <a:ext cx="1630680" cy="938719"/>
-                  </a:xfrm>
-                  <a:prstGeom prst="rect">
-                    <a:avLst/>
-                  </a:prstGeom>
-                  <a:noFill/>
-                </p:spPr>
-                <p:txBody>
-                  <a:bodyPr wrap="square" rtlCol="0">
-                    <a:spAutoFit/>
-                  </a:bodyPr>
-                  <a:lstStyle/>
-                  <a:p>
-                    <a:pPr algn="r"/>
-                    <a:r>
-                      <a:rPr lang="de-DE" sz="1100" b="1" dirty="0" smtClean="0">
-                        <a:latin typeface="Arial" panose="020B0604020202020204" pitchFamily="34" charset="0"/>
-                        <a:cs typeface="Arial" panose="020B0604020202020204" pitchFamily="34" charset="0"/>
-                      </a:rPr>
-                      <a:t>BRAF</a:t>
-                    </a:r>
-                    <a:r>
-                      <a:rPr lang="en-GB" sz="1100" b="1" baseline="30000" dirty="0" smtClean="0">
-                        <a:latin typeface="Arial" panose="020B0604020202020204" pitchFamily="34" charset="0"/>
-                        <a:cs typeface="Arial" panose="020B0604020202020204" pitchFamily="34" charset="0"/>
-                      </a:rPr>
-                      <a:t>V600 </a:t>
-                    </a:r>
-                    <a:r>
-                      <a:rPr lang="en-GB" sz="1100" b="1" dirty="0" smtClean="0">
-                        <a:latin typeface="Arial" panose="020B0604020202020204" pitchFamily="34" charset="0"/>
-                        <a:cs typeface="Arial" panose="020B0604020202020204" pitchFamily="34" charset="0"/>
-                      </a:rPr>
-                      <a:t> Mutation</a:t>
-                    </a:r>
-                  </a:p>
-                  <a:p>
-                    <a:pPr algn="r"/>
-                    <a:r>
-                      <a:rPr lang="de-DE" sz="1100" b="1" dirty="0" smtClean="0">
-                        <a:latin typeface="Arial" panose="020B0604020202020204" pitchFamily="34" charset="0"/>
-                        <a:cs typeface="Arial" panose="020B0604020202020204" pitchFamily="34" charset="0"/>
-                      </a:rPr>
-                      <a:t>BRAF/MEK </a:t>
-                    </a:r>
-                    <a:r>
-                      <a:rPr lang="de-DE" sz="1100" b="1" dirty="0" smtClean="0">
-                        <a:latin typeface="Arial" panose="020B0604020202020204" pitchFamily="34" charset="0"/>
-                        <a:cs typeface="Arial" panose="020B0604020202020204" pitchFamily="34" charset="0"/>
-                      </a:rPr>
-                      <a:t>Inhibitor</a:t>
-                    </a:r>
-                  </a:p>
-                  <a:p>
-                    <a:pPr algn="r"/>
-                    <a:r>
-                      <a:rPr lang="de-DE" sz="1100" b="1" dirty="0" smtClean="0">
-                        <a:latin typeface="Arial" panose="020B0604020202020204" pitchFamily="34" charset="0"/>
-                        <a:cs typeface="Arial" panose="020B0604020202020204" pitchFamily="34" charset="0"/>
-                      </a:rPr>
-                      <a:t>Brain </a:t>
-                    </a:r>
-                    <a:r>
-                      <a:rPr lang="de-DE" sz="1100" b="1" dirty="0" err="1" smtClean="0">
-                        <a:latin typeface="Arial" panose="020B0604020202020204" pitchFamily="34" charset="0"/>
-                        <a:cs typeface="Arial" panose="020B0604020202020204" pitchFamily="34" charset="0"/>
-                      </a:rPr>
-                      <a:t>metastasis</a:t>
-                    </a:r>
-                    <a:endParaRPr lang="de-DE" sz="1100" b="1" dirty="0" smtClean="0">
-                      <a:latin typeface="Arial" panose="020B0604020202020204" pitchFamily="34" charset="0"/>
-                      <a:cs typeface="Arial" panose="020B0604020202020204" pitchFamily="34" charset="0"/>
-                    </a:endParaRPr>
-                  </a:p>
-                  <a:p>
-                    <a:pPr algn="r"/>
-                    <a:r>
-                      <a:rPr lang="de-DE" sz="1100" b="1" dirty="0" err="1" smtClean="0">
-                        <a:latin typeface="Arial" panose="020B0604020202020204" pitchFamily="34" charset="0"/>
-                        <a:cs typeface="Arial" panose="020B0604020202020204" pitchFamily="34" charset="0"/>
-                      </a:rPr>
-                      <a:t>Melanoma</a:t>
-                    </a:r>
-                    <a:endParaRPr lang="de-DE" sz="1100" b="1" dirty="0" smtClean="0">
-                      <a:latin typeface="Arial" panose="020B0604020202020204" pitchFamily="34" charset="0"/>
-                      <a:cs typeface="Arial" panose="020B0604020202020204" pitchFamily="34" charset="0"/>
-                    </a:endParaRPr>
-                  </a:p>
-                  <a:p>
-                    <a:pPr algn="r"/>
-                    <a:r>
-                      <a:rPr lang="de-DE" sz="1100" b="1" dirty="0">
-                        <a:latin typeface="Arial" panose="020B0604020202020204" pitchFamily="34" charset="0"/>
-                        <a:cs typeface="Arial" panose="020B0604020202020204" pitchFamily="34" charset="0"/>
-                      </a:rPr>
-                      <a:t>n</a:t>
-                    </a:r>
-                    <a:endParaRPr lang="de-DE" sz="1100" b="1" dirty="0" smtClean="0">
-                      <a:latin typeface="Arial" panose="020B0604020202020204" pitchFamily="34" charset="0"/>
-                      <a:cs typeface="Arial" panose="020B0604020202020204" pitchFamily="34" charset="0"/>
-                    </a:endParaRPr>
-                  </a:p>
-                </p:txBody>
-              </p:sp>
-            </p:grpSp>
-          </p:grpSp>
-        </p:grpSp>
-        <p:sp>
-          <p:nvSpPr>
-            <p:cNvPr id="57" name="Textfeld 56"/>
-            <p:cNvSpPr txBox="1"/>
-            <p:nvPr/>
-          </p:nvSpPr>
-          <p:spPr>
-            <a:xfrm>
-              <a:off x="1848007" y="297951"/>
-              <a:ext cx="585627" cy="369332"/>
-            </a:xfrm>
-            <a:prstGeom prst="rect">
-              <a:avLst/>
-            </a:prstGeom>
-            <a:noFill/>
-          </p:spPr>
-          <p:txBody>
-            <a:bodyPr wrap="square" rtlCol="0">
-              <a:spAutoFit/>
-            </a:bodyPr>
-            <a:lstStyle/>
-            <a:p>
-              <a:r>
-                <a:rPr lang="de-DE" b="1" dirty="0" smtClean="0">
-                  <a:latin typeface="Arial" panose="020B0604020202020204" pitchFamily="34" charset="0"/>
-                  <a:cs typeface="Arial" panose="020B0604020202020204" pitchFamily="34" charset="0"/>
-                </a:rPr>
-                <a:t>A</a:t>
-              </a:r>
-              <a:endParaRPr lang="en-GB" b="1" dirty="0">
-                <a:latin typeface="Arial" panose="020B0604020202020204" pitchFamily="34" charset="0"/>
-                <a:cs typeface="Arial" panose="020B0604020202020204" pitchFamily="34" charset="0"/>
-              </a:endParaRPr>
-            </a:p>
-          </p:txBody>
-        </p:sp>
-        <p:sp>
-          <p:nvSpPr>
-            <p:cNvPr id="58" name="Textfeld 57"/>
-            <p:cNvSpPr txBox="1"/>
-            <p:nvPr/>
-          </p:nvSpPr>
-          <p:spPr>
-            <a:xfrm>
-              <a:off x="1848006" y="3027538"/>
-              <a:ext cx="585627" cy="369332"/>
-            </a:xfrm>
-            <a:prstGeom prst="rect">
-              <a:avLst/>
-            </a:prstGeom>
-            <a:noFill/>
-          </p:spPr>
-          <p:txBody>
-            <a:bodyPr wrap="square" rtlCol="0">
-              <a:spAutoFit/>
-            </a:bodyPr>
-            <a:lstStyle/>
-            <a:p>
-              <a:r>
-                <a:rPr lang="de-DE" b="1" dirty="0" smtClean="0">
-                  <a:latin typeface="Arial" panose="020B0604020202020204" pitchFamily="34" charset="0"/>
-                  <a:cs typeface="Arial" panose="020B0604020202020204" pitchFamily="34" charset="0"/>
-                </a:rPr>
-                <a:t>B</a:t>
-              </a:r>
-              <a:endParaRPr lang="en-GB" b="1" dirty="0">
-                <a:latin typeface="Arial" panose="020B0604020202020204" pitchFamily="34" charset="0"/>
-                <a:cs typeface="Arial" panose="020B0604020202020204" pitchFamily="34" charset="0"/>
-              </a:endParaRPr>
-            </a:p>
-          </p:txBody>
-        </p:sp>
-      </p:grpSp>
+        </p:spPr>
+        <p:txBody>
+          <a:bodyPr/>
+          <a:lstStyle/>
+          <a:p>
+            <a:r>
+              <a:rPr lang="de-DE" dirty="0" smtClean="0"/>
+              <a:t>Stratifizierung in kleinere Gruppen basierend auf BRAF Status, vorangegangen BRAF Therapie und Hirnmetastasen</a:t>
+            </a:r>
+            <a:endParaRPr lang="en-GB" dirty="0"/>
+          </a:p>
+        </p:txBody>
+      </p:sp>
     </p:spTree>
     <p:extLst>
       <p:ext uri="{BB962C8B-B14F-4D97-AF65-F5344CB8AC3E}">
-        <p14:creationId xmlns:p14="http://schemas.microsoft.com/office/powerpoint/2010/main" val="545406245"/>
+        <p14:creationId xmlns:p14="http://schemas.microsoft.com/office/powerpoint/2010/main" val="2264414881"/>
+      </p:ext>
+    </p:extLst>
+  </p:cSld>
+  <p:clrMapOvr>
+    <a:masterClrMapping/>
+  </p:clrMapOvr>
+</p:sld>
+</file>
+
+<file path=ppt/slides/slide9.xml><?xml version="1.0" encoding="utf-8"?>
+<p:sld xmlns:a="http://schemas.openxmlformats.org/drawingml/2006/main" xmlns:r="http://schemas.openxmlformats.org/officeDocument/2006/relationships" xmlns:p="http://schemas.openxmlformats.org/presentationml/2006/main">
+  <p:cSld>
+    <p:spTree>
+      <p:nvGrpSpPr>
+        <p:cNvPr id="1" name=""/>
+        <p:cNvGrpSpPr/>
+        <p:nvPr/>
+      </p:nvGrpSpPr>
+      <p:grpSpPr>
+        <a:xfrm>
+          <a:off x="0" y="0"/>
+          <a:ext cx="0" cy="0"/>
+          <a:chOff x="0" y="0"/>
+          <a:chExt cx="0" cy="0"/>
+        </a:xfrm>
+      </p:grpSpPr>
+      <p:sp>
+        <p:nvSpPr>
+          <p:cNvPr id="4" name="Titel 1"/>
+          <p:cNvSpPr>
+            <a:spLocks noGrp="1"/>
+          </p:cNvSpPr>
+          <p:nvPr>
+            <p:ph type="title"/>
+          </p:nvPr>
+        </p:nvSpPr>
+        <p:spPr>
+          <a:xfrm>
+            <a:off x="826419" y="2676525"/>
+            <a:ext cx="10515600" cy="1325563"/>
+          </a:xfrm>
+        </p:spPr>
+        <p:txBody>
+          <a:bodyPr>
+            <a:normAutofit/>
+          </a:bodyPr>
+          <a:lstStyle/>
+          <a:p>
+            <a:pPr algn="ctr"/>
+            <a:r>
+              <a:rPr lang="de-DE" b="1" dirty="0" err="1" smtClean="0"/>
+              <a:t>NBM_mut</a:t>
+            </a:r>
+            <a:r>
+              <a:rPr lang="de-DE" b="1" dirty="0" smtClean="0"/>
+              <a:t> </a:t>
+            </a:r>
+            <a:r>
+              <a:rPr lang="de-DE" b="1" dirty="0" err="1" smtClean="0"/>
+              <a:t>vs</a:t>
+            </a:r>
+            <a:r>
+              <a:rPr lang="de-DE" b="1" dirty="0" smtClean="0"/>
+              <a:t> </a:t>
+            </a:r>
+            <a:r>
+              <a:rPr lang="de-DE" b="1" dirty="0" err="1" smtClean="0"/>
+              <a:t>control</a:t>
+            </a:r>
+            <a:r>
+              <a:rPr lang="de-DE" b="1" dirty="0" smtClean="0"/>
+              <a:t> (Fig.1)</a:t>
+            </a:r>
+            <a:endParaRPr lang="en-GB" b="1" dirty="0"/>
+          </a:p>
+        </p:txBody>
+      </p:sp>
+    </p:spTree>
+    <p:extLst>
+      <p:ext uri="{BB962C8B-B14F-4D97-AF65-F5344CB8AC3E}">
+        <p14:creationId xmlns:p14="http://schemas.microsoft.com/office/powerpoint/2010/main" val="318663543"/>
       </p:ext>
     </p:extLst>
   </p:cSld>

--- a/Results/BRAF_therapy_Leonie.pptx
+++ b/Results/BRAF_therapy_Leonie.pptx
@@ -5,7 +5,7 @@
     <p:sldMasterId id="2147483648" r:id="rId1"/>
   </p:sldMasterIdLst>
   <p:notesMasterIdLst>
-    <p:notesMasterId r:id="rId21"/>
+    <p:notesMasterId r:id="rId22"/>
   </p:notesMasterIdLst>
   <p:sldIdLst>
     <p:sldId id="269" r:id="rId2"/>
@@ -15,18 +15,19 @@
     <p:sldId id="257" r:id="rId6"/>
     <p:sldId id="258" r:id="rId7"/>
     <p:sldId id="275" r:id="rId8"/>
-    <p:sldId id="273" r:id="rId9"/>
-    <p:sldId id="261" r:id="rId10"/>
-    <p:sldId id="259" r:id="rId11"/>
-    <p:sldId id="262" r:id="rId12"/>
-    <p:sldId id="263" r:id="rId13"/>
-    <p:sldId id="264" r:id="rId14"/>
-    <p:sldId id="265" r:id="rId15"/>
-    <p:sldId id="267" r:id="rId16"/>
-    <p:sldId id="268" r:id="rId17"/>
-    <p:sldId id="270" r:id="rId18"/>
-    <p:sldId id="271" r:id="rId19"/>
-    <p:sldId id="274" r:id="rId20"/>
+    <p:sldId id="276" r:id="rId9"/>
+    <p:sldId id="273" r:id="rId10"/>
+    <p:sldId id="261" r:id="rId11"/>
+    <p:sldId id="259" r:id="rId12"/>
+    <p:sldId id="262" r:id="rId13"/>
+    <p:sldId id="263" r:id="rId14"/>
+    <p:sldId id="264" r:id="rId15"/>
+    <p:sldId id="265" r:id="rId16"/>
+    <p:sldId id="267" r:id="rId17"/>
+    <p:sldId id="268" r:id="rId18"/>
+    <p:sldId id="270" r:id="rId19"/>
+    <p:sldId id="271" r:id="rId20"/>
+    <p:sldId id="274" r:id="rId21"/>
   </p:sldIdLst>
   <p:sldSz cx="12192000" cy="6858000"/>
   <p:notesSz cx="6858000" cy="9144000"/>
@@ -215,7 +216,7 @@
           <a:p>
             <a:fld id="{8CFC0820-D7F4-4E10-B570-173F25FBA0FC}" type="datetimeFigureOut">
               <a:rPr lang="en-GB" smtClean="0"/>
-              <a:t>23/03/2021</a:t>
+              <a:t>29/03/2021</a:t>
             </a:fld>
             <a:endParaRPr lang="en-GB"/>
           </a:p>
@@ -903,6 +904,102 @@
 </p:notes>
 </file>
 
+<file path=ppt/notesSlides/notesSlide4.xml><?xml version="1.0" encoding="utf-8"?>
+<p:notes xmlns:a="http://schemas.openxmlformats.org/drawingml/2006/main" xmlns:r="http://schemas.openxmlformats.org/officeDocument/2006/relationships" xmlns:p="http://schemas.openxmlformats.org/presentationml/2006/main">
+  <p:cSld>
+    <p:spTree>
+      <p:nvGrpSpPr>
+        <p:cNvPr id="1" name=""/>
+        <p:cNvGrpSpPr/>
+        <p:nvPr/>
+      </p:nvGrpSpPr>
+      <p:grpSpPr>
+        <a:xfrm>
+          <a:off x="0" y="0"/>
+          <a:ext cx="0" cy="0"/>
+          <a:chOff x="0" y="0"/>
+          <a:chExt cx="0" cy="0"/>
+        </a:xfrm>
+      </p:grpSpPr>
+      <p:sp>
+        <p:nvSpPr>
+          <p:cNvPr id="2" name="Folienbildplatzhalter 1"/>
+          <p:cNvSpPr>
+            <a:spLocks noGrp="1" noRot="1" noChangeAspect="1"/>
+          </p:cNvSpPr>
+          <p:nvPr>
+            <p:ph type="sldImg"/>
+          </p:nvPr>
+        </p:nvSpPr>
+        <p:spPr/>
+      </p:sp>
+      <p:sp>
+        <p:nvSpPr>
+          <p:cNvPr id="3" name="Notizenplatzhalter 2"/>
+          <p:cNvSpPr>
+            <a:spLocks noGrp="1"/>
+          </p:cNvSpPr>
+          <p:nvPr>
+            <p:ph type="body" idx="1"/>
+          </p:nvPr>
+        </p:nvSpPr>
+        <p:spPr/>
+        <p:txBody>
+          <a:bodyPr/>
+          <a:lstStyle/>
+          <a:p>
+            <a:r>
+              <a:rPr lang="de-DE" dirty="0" smtClean="0"/>
+              <a:t>Input für </a:t>
+            </a:r>
+            <a:r>
+              <a:rPr lang="de-DE" dirty="0" err="1" smtClean="0"/>
+              <a:t>Pathway</a:t>
+            </a:r>
+            <a:r>
+              <a:rPr lang="de-DE" dirty="0" smtClean="0"/>
+              <a:t> Analyse</a:t>
+            </a:r>
+            <a:endParaRPr lang="en-GB" dirty="0"/>
+          </a:p>
+        </p:txBody>
+      </p:sp>
+      <p:sp>
+        <p:nvSpPr>
+          <p:cNvPr id="4" name="Foliennummernplatzhalter 3"/>
+          <p:cNvSpPr>
+            <a:spLocks noGrp="1"/>
+          </p:cNvSpPr>
+          <p:nvPr>
+            <p:ph type="sldNum" sz="quarter" idx="10"/>
+          </p:nvPr>
+        </p:nvSpPr>
+        <p:spPr/>
+        <p:txBody>
+          <a:bodyPr/>
+          <a:lstStyle/>
+          <a:p>
+            <a:fld id="{923E4FCC-E176-4FC4-B8DA-44658CEEFA72}" type="slidenum">
+              <a:rPr lang="en-GB" smtClean="0"/>
+              <a:t>8</a:t>
+            </a:fld>
+            <a:endParaRPr lang="en-GB"/>
+          </a:p>
+        </p:txBody>
+      </p:sp>
+    </p:spTree>
+    <p:extLst>
+      <p:ext uri="{BB962C8B-B14F-4D97-AF65-F5344CB8AC3E}">
+        <p14:creationId xmlns:p14="http://schemas.microsoft.com/office/powerpoint/2010/main" val="1738564695"/>
+      </p:ext>
+    </p:extLst>
+  </p:cSld>
+  <p:clrMapOvr>
+    <a:masterClrMapping/>
+  </p:clrMapOvr>
+</p:notes>
+</file>
+
 <file path=ppt/slideLayouts/slideLayout1.xml><?xml version="1.0" encoding="utf-8"?>
 <p:sldLayout xmlns:a="http://schemas.openxmlformats.org/drawingml/2006/main" xmlns:r="http://schemas.openxmlformats.org/officeDocument/2006/relationships" xmlns:p="http://schemas.openxmlformats.org/presentationml/2006/main" type="title" preserve="1">
   <p:cSld name="Titelfolie">
@@ -1034,7 +1131,7 @@
           <a:p>
             <a:fld id="{BFF39079-B583-4089-A99F-7AE38BC197FF}" type="datetimeFigureOut">
               <a:rPr lang="en-GB" smtClean="0"/>
-              <a:t>23/03/2021</a:t>
+              <a:t>29/03/2021</a:t>
             </a:fld>
             <a:endParaRPr lang="en-GB"/>
           </a:p>
@@ -1204,7 +1301,7 @@
           <a:p>
             <a:fld id="{BFF39079-B583-4089-A99F-7AE38BC197FF}" type="datetimeFigureOut">
               <a:rPr lang="en-GB" smtClean="0"/>
-              <a:t>23/03/2021</a:t>
+              <a:t>29/03/2021</a:t>
             </a:fld>
             <a:endParaRPr lang="en-GB"/>
           </a:p>
@@ -1384,7 +1481,7 @@
           <a:p>
             <a:fld id="{BFF39079-B583-4089-A99F-7AE38BC197FF}" type="datetimeFigureOut">
               <a:rPr lang="en-GB" smtClean="0"/>
-              <a:t>23/03/2021</a:t>
+              <a:t>29/03/2021</a:t>
             </a:fld>
             <a:endParaRPr lang="en-GB"/>
           </a:p>
@@ -1554,7 +1651,7 @@
           <a:p>
             <a:fld id="{BFF39079-B583-4089-A99F-7AE38BC197FF}" type="datetimeFigureOut">
               <a:rPr lang="en-GB" smtClean="0"/>
-              <a:t>23/03/2021</a:t>
+              <a:t>29/03/2021</a:t>
             </a:fld>
             <a:endParaRPr lang="en-GB"/>
           </a:p>
@@ -1800,7 +1897,7 @@
           <a:p>
             <a:fld id="{BFF39079-B583-4089-A99F-7AE38BC197FF}" type="datetimeFigureOut">
               <a:rPr lang="en-GB" smtClean="0"/>
-              <a:t>23/03/2021</a:t>
+              <a:t>29/03/2021</a:t>
             </a:fld>
             <a:endParaRPr lang="en-GB"/>
           </a:p>
@@ -2032,7 +2129,7 @@
           <a:p>
             <a:fld id="{BFF39079-B583-4089-A99F-7AE38BC197FF}" type="datetimeFigureOut">
               <a:rPr lang="en-GB" smtClean="0"/>
-              <a:t>23/03/2021</a:t>
+              <a:t>29/03/2021</a:t>
             </a:fld>
             <a:endParaRPr lang="en-GB"/>
           </a:p>
@@ -2399,7 +2496,7 @@
           <a:p>
             <a:fld id="{BFF39079-B583-4089-A99F-7AE38BC197FF}" type="datetimeFigureOut">
               <a:rPr lang="en-GB" smtClean="0"/>
-              <a:t>23/03/2021</a:t>
+              <a:t>29/03/2021</a:t>
             </a:fld>
             <a:endParaRPr lang="en-GB"/>
           </a:p>
@@ -2517,7 +2614,7 @@
           <a:p>
             <a:fld id="{BFF39079-B583-4089-A99F-7AE38BC197FF}" type="datetimeFigureOut">
               <a:rPr lang="en-GB" smtClean="0"/>
-              <a:t>23/03/2021</a:t>
+              <a:t>29/03/2021</a:t>
             </a:fld>
             <a:endParaRPr lang="en-GB"/>
           </a:p>
@@ -2612,7 +2709,7 @@
           <a:p>
             <a:fld id="{BFF39079-B583-4089-A99F-7AE38BC197FF}" type="datetimeFigureOut">
               <a:rPr lang="en-GB" smtClean="0"/>
-              <a:t>23/03/2021</a:t>
+              <a:t>29/03/2021</a:t>
             </a:fld>
             <a:endParaRPr lang="en-GB"/>
           </a:p>
@@ -2889,7 +2986,7 @@
           <a:p>
             <a:fld id="{BFF39079-B583-4089-A99F-7AE38BC197FF}" type="datetimeFigureOut">
               <a:rPr lang="en-GB" smtClean="0"/>
-              <a:t>23/03/2021</a:t>
+              <a:t>29/03/2021</a:t>
             </a:fld>
             <a:endParaRPr lang="en-GB"/>
           </a:p>
@@ -3142,7 +3239,7 @@
           <a:p>
             <a:fld id="{BFF39079-B583-4089-A99F-7AE38BC197FF}" type="datetimeFigureOut">
               <a:rPr lang="en-GB" smtClean="0"/>
-              <a:t>23/03/2021</a:t>
+              <a:t>29/03/2021</a:t>
             </a:fld>
             <a:endParaRPr lang="en-GB"/>
           </a:p>
@@ -3355,7 +3452,7 @@
           <a:p>
             <a:fld id="{BFF39079-B583-4089-A99F-7AE38BC197FF}" type="datetimeFigureOut">
               <a:rPr lang="en-GB" smtClean="0"/>
-              <a:t>23/03/2021</a:t>
+              <a:t>29/03/2021</a:t>
             </a:fld>
             <a:endParaRPr lang="en-GB"/>
           </a:p>
@@ -3898,6 +3995,87 @@
 </file>
 
 <file path=ppt/slides/slide10.xml><?xml version="1.0" encoding="utf-8"?>
+<p:sld xmlns:a="http://schemas.openxmlformats.org/drawingml/2006/main" xmlns:r="http://schemas.openxmlformats.org/officeDocument/2006/relationships" xmlns:p="http://schemas.openxmlformats.org/presentationml/2006/main">
+  <p:cSld>
+    <p:spTree>
+      <p:nvGrpSpPr>
+        <p:cNvPr id="1" name=""/>
+        <p:cNvGrpSpPr/>
+        <p:nvPr/>
+      </p:nvGrpSpPr>
+      <p:grpSpPr>
+        <a:xfrm>
+          <a:off x="0" y="0"/>
+          <a:ext cx="0" cy="0"/>
+          <a:chOff x="0" y="0"/>
+          <a:chExt cx="0" cy="0"/>
+        </a:xfrm>
+      </p:grpSpPr>
+      <p:sp>
+        <p:nvSpPr>
+          <p:cNvPr id="4" name="Titel 1"/>
+          <p:cNvSpPr>
+            <a:spLocks noGrp="1"/>
+          </p:cNvSpPr>
+          <p:nvPr>
+            <p:ph type="title"/>
+          </p:nvPr>
+        </p:nvSpPr>
+        <p:spPr>
+          <a:xfrm>
+            <a:off x="826419" y="2676525"/>
+            <a:ext cx="10515600" cy="1325563"/>
+          </a:xfrm>
+        </p:spPr>
+        <p:txBody>
+          <a:bodyPr>
+            <a:normAutofit/>
+          </a:bodyPr>
+          <a:lstStyle/>
+          <a:p>
+            <a:pPr algn="ctr"/>
+            <a:r>
+              <a:rPr lang="de-DE" b="1" dirty="0" err="1" smtClean="0"/>
+              <a:t>NBM_mut</a:t>
+            </a:r>
+            <a:r>
+              <a:rPr lang="de-DE" b="1" dirty="0" smtClean="0"/>
+              <a:t> </a:t>
+            </a:r>
+            <a:r>
+              <a:rPr lang="de-DE" b="1" dirty="0" err="1" smtClean="0"/>
+              <a:t>vs</a:t>
+            </a:r>
+            <a:r>
+              <a:rPr lang="de-DE" b="1" dirty="0" smtClean="0"/>
+              <a:t> </a:t>
+            </a:r>
+            <a:r>
+              <a:rPr lang="de-DE" b="1" dirty="0" err="1" smtClean="0"/>
+              <a:t>control</a:t>
+            </a:r>
+            <a:r>
+              <a:rPr lang="de-DE" b="1" dirty="0" smtClean="0"/>
+              <a:t> (Fig.1)</a:t>
+            </a:r>
+            <a:endParaRPr lang="en-GB" b="1" dirty="0"/>
+          </a:p>
+        </p:txBody>
+      </p:sp>
+    </p:spTree>
+    <p:extLst>
+      <p:ext uri="{BB962C8B-B14F-4D97-AF65-F5344CB8AC3E}">
+        <p14:creationId xmlns:p14="http://schemas.microsoft.com/office/powerpoint/2010/main" val="318663543"/>
+      </p:ext>
+    </p:extLst>
+  </p:cSld>
+  <p:clrMapOvr>
+    <a:masterClrMapping/>
+  </p:clrMapOvr>
+</p:sld>
+</file>
+
+<file path=ppt/slides/slide11.xml><?xml version="1.0" encoding="utf-8"?>
 <p:sld xmlns:a="http://schemas.openxmlformats.org/drawingml/2006/main" xmlns:r="http://schemas.openxmlformats.org/officeDocument/2006/relationships" xmlns:p="http://schemas.openxmlformats.org/presentationml/2006/main">
   <p:cSld>
     <p:spTree>
@@ -4593,7 +4771,7 @@
 </p:sld>
 </file>
 
-<file path=ppt/slides/slide11.xml><?xml version="1.0" encoding="utf-8"?>
+<file path=ppt/slides/slide12.xml><?xml version="1.0" encoding="utf-8"?>
 <p:sld xmlns:a="http://schemas.openxmlformats.org/drawingml/2006/main" xmlns:r="http://schemas.openxmlformats.org/officeDocument/2006/relationships" xmlns:p="http://schemas.openxmlformats.org/presentationml/2006/main">
   <p:cSld>
     <p:spTree>
@@ -4671,7 +4849,7 @@
 </p:sld>
 </file>
 
-<file path=ppt/slides/slide12.xml><?xml version="1.0" encoding="utf-8"?>
+<file path=ppt/slides/slide13.xml><?xml version="1.0" encoding="utf-8"?>
 <p:sld xmlns:a="http://schemas.openxmlformats.org/drawingml/2006/main" xmlns:r="http://schemas.openxmlformats.org/officeDocument/2006/relationships" xmlns:p="http://schemas.openxmlformats.org/presentationml/2006/main">
   <p:cSld>
     <p:spTree>
@@ -4964,7 +5142,7 @@
 </p:sld>
 </file>
 
-<file path=ppt/slides/slide13.xml><?xml version="1.0" encoding="utf-8"?>
+<file path=ppt/slides/slide14.xml><?xml version="1.0" encoding="utf-8"?>
 <p:sld xmlns:a="http://schemas.openxmlformats.org/drawingml/2006/main" xmlns:r="http://schemas.openxmlformats.org/officeDocument/2006/relationships" xmlns:p="http://schemas.openxmlformats.org/presentationml/2006/main">
   <p:cSld>
     <p:spTree>
@@ -5042,7 +5220,7 @@
 </p:sld>
 </file>
 
-<file path=ppt/slides/slide14.xml><?xml version="1.0" encoding="utf-8"?>
+<file path=ppt/slides/slide15.xml><?xml version="1.0" encoding="utf-8"?>
 <p:sld xmlns:a="http://schemas.openxmlformats.org/drawingml/2006/main" xmlns:r="http://schemas.openxmlformats.org/officeDocument/2006/relationships" xmlns:p="http://schemas.openxmlformats.org/presentationml/2006/main">
   <p:cSld>
     <p:spTree>
@@ -5417,7 +5595,7 @@
 </p:sld>
 </file>
 
-<file path=ppt/slides/slide15.xml><?xml version="1.0" encoding="utf-8"?>
+<file path=ppt/slides/slide16.xml><?xml version="1.0" encoding="utf-8"?>
 <p:sld xmlns:a="http://schemas.openxmlformats.org/drawingml/2006/main" xmlns:r="http://schemas.openxmlformats.org/officeDocument/2006/relationships" xmlns:p="http://schemas.openxmlformats.org/presentationml/2006/main">
   <p:cSld>
     <p:spTree>
@@ -5495,7 +5673,7 @@
 </p:sld>
 </file>
 
-<file path=ppt/slides/slide16.xml><?xml version="1.0" encoding="utf-8"?>
+<file path=ppt/slides/slide17.xml><?xml version="1.0" encoding="utf-8"?>
 <p:sld xmlns:a="http://schemas.openxmlformats.org/drawingml/2006/main" xmlns:r="http://schemas.openxmlformats.org/officeDocument/2006/relationships" xmlns:p="http://schemas.openxmlformats.org/presentationml/2006/main">
   <p:cSld>
     <p:spTree>
@@ -5748,7 +5926,7 @@
 </p:sld>
 </file>
 
-<file path=ppt/slides/slide17.xml><?xml version="1.0" encoding="utf-8"?>
+<file path=ppt/slides/slide18.xml><?xml version="1.0" encoding="utf-8"?>
 <p:sld xmlns:a="http://schemas.openxmlformats.org/drawingml/2006/main" xmlns:r="http://schemas.openxmlformats.org/officeDocument/2006/relationships" xmlns:p="http://schemas.openxmlformats.org/presentationml/2006/main">
   <p:cSld>
     <p:spTree>
@@ -5847,7 +6025,7 @@
 </p:sld>
 </file>
 
-<file path=ppt/slides/slide18.xml><?xml version="1.0" encoding="utf-8"?>
+<file path=ppt/slides/slide19.xml><?xml version="1.0" encoding="utf-8"?>
 <p:sld xmlns:a="http://schemas.openxmlformats.org/drawingml/2006/main" xmlns:r="http://schemas.openxmlformats.org/officeDocument/2006/relationships" xmlns:p="http://schemas.openxmlformats.org/presentationml/2006/main">
   <p:cSld>
     <p:spTree>
@@ -6140,104 +6318,6 @@
 </p:sld>
 </file>
 
-<file path=ppt/slides/slide19.xml><?xml version="1.0" encoding="utf-8"?>
-<p:sld xmlns:a="http://schemas.openxmlformats.org/drawingml/2006/main" xmlns:r="http://schemas.openxmlformats.org/officeDocument/2006/relationships" xmlns:p="http://schemas.openxmlformats.org/presentationml/2006/main">
-  <p:cSld>
-    <p:spTree>
-      <p:nvGrpSpPr>
-        <p:cNvPr id="1" name=""/>
-        <p:cNvGrpSpPr/>
-        <p:nvPr/>
-      </p:nvGrpSpPr>
-      <p:grpSpPr>
-        <a:xfrm>
-          <a:off x="0" y="0"/>
-          <a:ext cx="0" cy="0"/>
-          <a:chOff x="0" y="0"/>
-          <a:chExt cx="0" cy="0"/>
-        </a:xfrm>
-      </p:grpSpPr>
-      <p:sp>
-        <p:nvSpPr>
-          <p:cNvPr id="2" name="Titel 1"/>
-          <p:cNvSpPr>
-            <a:spLocks noGrp="1"/>
-          </p:cNvSpPr>
-          <p:nvPr>
-            <p:ph type="title"/>
-          </p:nvPr>
-        </p:nvSpPr>
-        <p:spPr/>
-        <p:txBody>
-          <a:bodyPr/>
-          <a:lstStyle/>
-          <a:p>
-            <a:endParaRPr lang="en-GB"/>
-          </a:p>
-        </p:txBody>
-      </p:sp>
-      <p:sp>
-        <p:nvSpPr>
-          <p:cNvPr id="3" name="Inhaltsplatzhalter 2"/>
-          <p:cNvSpPr>
-            <a:spLocks noGrp="1"/>
-          </p:cNvSpPr>
-          <p:nvPr>
-            <p:ph idx="1"/>
-          </p:nvPr>
-        </p:nvSpPr>
-        <p:spPr/>
-        <p:txBody>
-          <a:bodyPr/>
-          <a:lstStyle/>
-          <a:p>
-            <a:r>
-              <a:rPr lang="de-DE" dirty="0" smtClean="0"/>
-              <a:t>Die 2 </a:t>
-            </a:r>
-            <a:r>
-              <a:rPr lang="de-DE" dirty="0" err="1" smtClean="0"/>
-              <a:t>miRNAs</a:t>
-            </a:r>
-            <a:r>
-              <a:rPr lang="de-DE" dirty="0" smtClean="0"/>
-              <a:t> aus Fig. 9 sind nach multiple </a:t>
-            </a:r>
-            <a:r>
-              <a:rPr lang="de-DE" dirty="0" err="1" smtClean="0"/>
-              <a:t>testing</a:t>
-            </a:r>
-            <a:r>
-              <a:rPr lang="de-DE" dirty="0" smtClean="0"/>
-              <a:t> </a:t>
-            </a:r>
-            <a:r>
-              <a:rPr lang="de-DE" dirty="0" err="1" smtClean="0"/>
-              <a:t>correction</a:t>
-            </a:r>
-            <a:r>
-              <a:rPr lang="de-DE" dirty="0" smtClean="0"/>
-              <a:t> nicht mehr signifikant</a:t>
-            </a:r>
-          </a:p>
-          <a:p>
-            <a:endParaRPr lang="en-GB" dirty="0"/>
-          </a:p>
-        </p:txBody>
-      </p:sp>
-    </p:spTree>
-    <p:extLst>
-      <p:ext uri="{BB962C8B-B14F-4D97-AF65-F5344CB8AC3E}">
-        <p14:creationId xmlns:p14="http://schemas.microsoft.com/office/powerpoint/2010/main" val="2324445806"/>
-      </p:ext>
-    </p:extLst>
-  </p:cSld>
-  <p:clrMapOvr>
-    <a:masterClrMapping/>
-  </p:clrMapOvr>
-</p:sld>
-</file>
-
 <file path=ppt/slides/slide2.xml><?xml version="1.0" encoding="utf-8"?>
 <p:sld xmlns:a="http://schemas.openxmlformats.org/drawingml/2006/main" xmlns:r="http://schemas.openxmlformats.org/officeDocument/2006/relationships" xmlns:p="http://schemas.openxmlformats.org/presentationml/2006/main">
   <p:cSld>
@@ -6402,6 +6482,104 @@
     <p:extLst>
       <p:ext uri="{BB962C8B-B14F-4D97-AF65-F5344CB8AC3E}">
         <p14:creationId xmlns:p14="http://schemas.microsoft.com/office/powerpoint/2010/main" val="2375535646"/>
+      </p:ext>
+    </p:extLst>
+  </p:cSld>
+  <p:clrMapOvr>
+    <a:masterClrMapping/>
+  </p:clrMapOvr>
+</p:sld>
+</file>
+
+<file path=ppt/slides/slide20.xml><?xml version="1.0" encoding="utf-8"?>
+<p:sld xmlns:a="http://schemas.openxmlformats.org/drawingml/2006/main" xmlns:r="http://schemas.openxmlformats.org/officeDocument/2006/relationships" xmlns:p="http://schemas.openxmlformats.org/presentationml/2006/main">
+  <p:cSld>
+    <p:spTree>
+      <p:nvGrpSpPr>
+        <p:cNvPr id="1" name=""/>
+        <p:cNvGrpSpPr/>
+        <p:nvPr/>
+      </p:nvGrpSpPr>
+      <p:grpSpPr>
+        <a:xfrm>
+          <a:off x="0" y="0"/>
+          <a:ext cx="0" cy="0"/>
+          <a:chOff x="0" y="0"/>
+          <a:chExt cx="0" cy="0"/>
+        </a:xfrm>
+      </p:grpSpPr>
+      <p:sp>
+        <p:nvSpPr>
+          <p:cNvPr id="2" name="Titel 1"/>
+          <p:cNvSpPr>
+            <a:spLocks noGrp="1"/>
+          </p:cNvSpPr>
+          <p:nvPr>
+            <p:ph type="title"/>
+          </p:nvPr>
+        </p:nvSpPr>
+        <p:spPr/>
+        <p:txBody>
+          <a:bodyPr/>
+          <a:lstStyle/>
+          <a:p>
+            <a:endParaRPr lang="en-GB"/>
+          </a:p>
+        </p:txBody>
+      </p:sp>
+      <p:sp>
+        <p:nvSpPr>
+          <p:cNvPr id="3" name="Inhaltsplatzhalter 2"/>
+          <p:cNvSpPr>
+            <a:spLocks noGrp="1"/>
+          </p:cNvSpPr>
+          <p:nvPr>
+            <p:ph idx="1"/>
+          </p:nvPr>
+        </p:nvSpPr>
+        <p:spPr/>
+        <p:txBody>
+          <a:bodyPr/>
+          <a:lstStyle/>
+          <a:p>
+            <a:r>
+              <a:rPr lang="de-DE" dirty="0" smtClean="0"/>
+              <a:t>Die 2 </a:t>
+            </a:r>
+            <a:r>
+              <a:rPr lang="de-DE" dirty="0" err="1" smtClean="0"/>
+              <a:t>miRNAs</a:t>
+            </a:r>
+            <a:r>
+              <a:rPr lang="de-DE" dirty="0" smtClean="0"/>
+              <a:t> aus Fig. 9 sind nach multiple </a:t>
+            </a:r>
+            <a:r>
+              <a:rPr lang="de-DE" dirty="0" err="1" smtClean="0"/>
+              <a:t>testing</a:t>
+            </a:r>
+            <a:r>
+              <a:rPr lang="de-DE" dirty="0" smtClean="0"/>
+              <a:t> </a:t>
+            </a:r>
+            <a:r>
+              <a:rPr lang="de-DE" dirty="0" err="1" smtClean="0"/>
+              <a:t>correction</a:t>
+            </a:r>
+            <a:r>
+              <a:rPr lang="de-DE" dirty="0" smtClean="0"/>
+              <a:t> nicht mehr signifikant</a:t>
+            </a:r>
+          </a:p>
+          <a:p>
+            <a:endParaRPr lang="en-GB" dirty="0"/>
+          </a:p>
+        </p:txBody>
+      </p:sp>
+    </p:spTree>
+    <p:extLst>
+      <p:ext uri="{BB962C8B-B14F-4D97-AF65-F5344CB8AC3E}">
+        <p14:creationId xmlns:p14="http://schemas.microsoft.com/office/powerpoint/2010/main" val="2324445806"/>
       </p:ext>
     </p:extLst>
   </p:cSld>
@@ -7716,38 +7894,67 @@
           <a:chExt cx="0" cy="0"/>
         </a:xfrm>
       </p:grpSpPr>
-      <p:sp>
-        <p:nvSpPr>
-          <p:cNvPr id="3" name="Inhaltsplatzhalter 2"/>
-          <p:cNvSpPr>
-            <a:spLocks noGrp="1"/>
-          </p:cNvSpPr>
-          <p:nvPr>
-            <p:ph idx="1"/>
-          </p:nvPr>
-        </p:nvSpPr>
-        <p:spPr>
-          <a:xfrm>
-            <a:off x="942975" y="2816225"/>
-            <a:ext cx="10515600" cy="1412875"/>
-          </a:xfrm>
-        </p:spPr>
-        <p:txBody>
-          <a:bodyPr/>
-          <a:lstStyle/>
-          <a:p>
-            <a:r>
-              <a:rPr lang="de-DE" dirty="0" smtClean="0"/>
-              <a:t>Stratifizierung in kleinere Gruppen basierend auf BRAF Status, vorangegangen BRAF Therapie und Hirnmetastasen</a:t>
-            </a:r>
-            <a:endParaRPr lang="en-GB" dirty="0"/>
-          </a:p>
-        </p:txBody>
-      </p:sp>
+      <p:graphicFrame>
+        <p:nvGraphicFramePr>
+          <p:cNvPr id="5" name="Objekt 4"/>
+          <p:cNvGraphicFramePr>
+            <a:graphicFrameLocks noChangeAspect="1"/>
+          </p:cNvGraphicFramePr>
+          <p:nvPr>
+            <p:extLst>
+              <p:ext uri="{D42A27DB-BD31-4B8C-83A1-F6EECF244321}">
+                <p14:modId xmlns:p14="http://schemas.microsoft.com/office/powerpoint/2010/main" val="2610797413"/>
+              </p:ext>
+            </p:extLst>
+          </p:nvPr>
+        </p:nvGraphicFramePr>
+        <p:xfrm>
+          <a:off x="4285198" y="359543"/>
+          <a:ext cx="1546225" cy="5418137"/>
+        </p:xfrm>
+        <a:graphic>
+          <a:graphicData uri="http://schemas.openxmlformats.org/presentationml/2006/ole">
+            <mc:AlternateContent xmlns:mc="http://schemas.openxmlformats.org/markup-compatibility/2006">
+              <mc:Choice xmlns:v="urn:schemas-microsoft-com:vml" Requires="v">
+                <p:oleObj spid="_x0000_s1026" name="Arbeitsblatt" r:id="rId4" imgW="2724258" imgH="9544127" progId="Excel.Sheet.12">
+                  <p:embed/>
+                </p:oleObj>
+              </mc:Choice>
+              <mc:Fallback>
+                <p:oleObj name="Arbeitsblatt" r:id="rId4" imgW="2724258" imgH="9544127" progId="Excel.Sheet.12">
+                  <p:embed/>
+                  <p:pic>
+                    <p:nvPicPr>
+                      <p:cNvPr id="0" name=""/>
+                      <p:cNvPicPr/>
+                      <p:nvPr/>
+                    </p:nvPicPr>
+                    <p:blipFill>
+                      <a:blip r:embed="rId5"/>
+                      <a:stretch>
+                        <a:fillRect/>
+                      </a:stretch>
+                    </p:blipFill>
+                    <p:spPr>
+                      <a:xfrm>
+                        <a:off x="4285198" y="359543"/>
+                        <a:ext cx="1546225" cy="5418137"/>
+                      </a:xfrm>
+                      <a:prstGeom prst="rect">
+                        <a:avLst/>
+                      </a:prstGeom>
+                    </p:spPr>
+                  </p:pic>
+                </p:oleObj>
+              </mc:Fallback>
+            </mc:AlternateContent>
+          </a:graphicData>
+        </a:graphic>
+      </p:graphicFrame>
     </p:spTree>
     <p:extLst>
       <p:ext uri="{BB962C8B-B14F-4D97-AF65-F5344CB8AC3E}">
-        <p14:creationId xmlns:p14="http://schemas.microsoft.com/office/powerpoint/2010/main" val="2264414881"/>
+        <p14:creationId xmlns:p14="http://schemas.microsoft.com/office/powerpoint/2010/main" val="1847750936"/>
       </p:ext>
     </p:extLst>
   </p:cSld>
@@ -7776,59 +7983,36 @@
       </p:grpSpPr>
       <p:sp>
         <p:nvSpPr>
-          <p:cNvPr id="4" name="Titel 1"/>
-          <p:cNvSpPr>
-            <a:spLocks noGrp="1"/>
-          </p:cNvSpPr>
-          <p:nvPr>
-            <p:ph type="title"/>
+          <p:cNvPr id="3" name="Inhaltsplatzhalter 2"/>
+          <p:cNvSpPr>
+            <a:spLocks noGrp="1"/>
+          </p:cNvSpPr>
+          <p:nvPr>
+            <p:ph idx="1"/>
           </p:nvPr>
         </p:nvSpPr>
         <p:spPr>
           <a:xfrm>
-            <a:off x="826419" y="2676525"/>
-            <a:ext cx="10515600" cy="1325563"/>
+            <a:off x="942975" y="2816225"/>
+            <a:ext cx="10515600" cy="1412875"/>
           </a:xfrm>
         </p:spPr>
         <p:txBody>
-          <a:bodyPr>
-            <a:normAutofit/>
-          </a:bodyPr>
+          <a:bodyPr/>
           <a:lstStyle/>
           <a:p>
-            <a:pPr algn="ctr"/>
-            <a:r>
-              <a:rPr lang="de-DE" b="1" dirty="0" err="1" smtClean="0"/>
-              <a:t>NBM_mut</a:t>
-            </a:r>
-            <a:r>
-              <a:rPr lang="de-DE" b="1" dirty="0" smtClean="0"/>
-              <a:t> </a:t>
-            </a:r>
-            <a:r>
-              <a:rPr lang="de-DE" b="1" dirty="0" err="1" smtClean="0"/>
-              <a:t>vs</a:t>
-            </a:r>
-            <a:r>
-              <a:rPr lang="de-DE" b="1" dirty="0" smtClean="0"/>
-              <a:t> </a:t>
-            </a:r>
-            <a:r>
-              <a:rPr lang="de-DE" b="1" dirty="0" err="1" smtClean="0"/>
-              <a:t>control</a:t>
-            </a:r>
-            <a:r>
-              <a:rPr lang="de-DE" b="1" dirty="0" smtClean="0"/>
-              <a:t> (Fig.1)</a:t>
-            </a:r>
-            <a:endParaRPr lang="en-GB" b="1" dirty="0"/>
+            <a:r>
+              <a:rPr lang="de-DE" dirty="0" smtClean="0"/>
+              <a:t>Stratifizierung in kleinere Gruppen basierend auf BRAF Status, vorangegangen BRAF Therapie und Hirnmetastasen</a:t>
+            </a:r>
+            <a:endParaRPr lang="en-GB" dirty="0"/>
           </a:p>
         </p:txBody>
       </p:sp>
     </p:spTree>
     <p:extLst>
       <p:ext uri="{BB962C8B-B14F-4D97-AF65-F5344CB8AC3E}">
-        <p14:creationId xmlns:p14="http://schemas.microsoft.com/office/powerpoint/2010/main" val="318663543"/>
+        <p14:creationId xmlns:p14="http://schemas.microsoft.com/office/powerpoint/2010/main" val="2264414881"/>
       </p:ext>
     </p:extLst>
   </p:cSld>
